--- a/Advanced Databases/Additional Notes/in memory.pptx
+++ b/Advanced Databases/Additional Notes/in memory.pptx
@@ -5,7 +5,7 @@
     <p:sldMasterId id="2147483696" r:id="rId1"/>
   </p:sldMasterIdLst>
   <p:notesMasterIdLst>
-    <p:notesMasterId r:id="rId26"/>
+    <p:notesMasterId r:id="rId25"/>
   </p:notesMasterIdLst>
   <p:sldIdLst>
     <p:sldId id="256" r:id="rId2"/>
@@ -18,20 +18,19 @@
     <p:sldId id="281" r:id="rId9"/>
     <p:sldId id="264" r:id="rId10"/>
     <p:sldId id="261" r:id="rId11"/>
-    <p:sldId id="283" r:id="rId12"/>
-    <p:sldId id="270" r:id="rId13"/>
-    <p:sldId id="271" r:id="rId14"/>
-    <p:sldId id="284" r:id="rId15"/>
-    <p:sldId id="280" r:id="rId16"/>
-    <p:sldId id="272" r:id="rId17"/>
-    <p:sldId id="263" r:id="rId18"/>
-    <p:sldId id="279" r:id="rId19"/>
-    <p:sldId id="285" r:id="rId20"/>
-    <p:sldId id="273" r:id="rId21"/>
-    <p:sldId id="265" r:id="rId22"/>
-    <p:sldId id="274" r:id="rId23"/>
-    <p:sldId id="278" r:id="rId24"/>
-    <p:sldId id="276" r:id="rId25"/>
+    <p:sldId id="270" r:id="rId12"/>
+    <p:sldId id="271" r:id="rId13"/>
+    <p:sldId id="284" r:id="rId14"/>
+    <p:sldId id="280" r:id="rId15"/>
+    <p:sldId id="272" r:id="rId16"/>
+    <p:sldId id="263" r:id="rId17"/>
+    <p:sldId id="279" r:id="rId18"/>
+    <p:sldId id="285" r:id="rId19"/>
+    <p:sldId id="273" r:id="rId20"/>
+    <p:sldId id="265" r:id="rId21"/>
+    <p:sldId id="274" r:id="rId22"/>
+    <p:sldId id="283" r:id="rId23"/>
+    <p:sldId id="276" r:id="rId24"/>
   </p:sldIdLst>
   <p:sldSz cx="9144000" cy="6858000" type="screen4x3"/>
   <p:notesSz cx="6858000" cy="9144000"/>
@@ -132,7 +131,7 @@
   </p:defaultTextStyle>
   <p:extLst>
     <p:ext uri="{EFAFB233-063F-42B5-8137-9DF3F51BA10A}">
-      <p15:sldGuideLst xmlns:p15="http://schemas.microsoft.com/office/powerpoint/2012/main" xmlns="">
+      <p15:sldGuideLst xmlns:p15="http://schemas.microsoft.com/office/powerpoint/2012/main">
         <p15:guide id="1" orient="horz" pos="2160">
           <p15:clr>
             <a:srgbClr val="A4A3A4"/>
@@ -232,7 +231,7 @@
             <a:fld id="{48D5998C-E1A9-4AB3-9330-322B3BF009F1}" type="datetimeFigureOut">
               <a:rPr lang="en-US" smtClean="0"/>
               <a:pPr/>
-              <a:t>2/7/2023</a:t>
+              <a:t>5/29/2023</a:t>
             </a:fld>
             <a:endParaRPr lang="en-US" dirty="0"/>
           </a:p>
@@ -298,38 +297,37 @@
           <a:p>
             <a:pPr lvl="0"/>
             <a:r>
-              <a:rPr lang="en-US" smtClean="0"/>
+              <a:rPr lang="en-US"/>
               <a:t>Click to edit Master text styles</a:t>
             </a:r>
           </a:p>
           <a:p>
             <a:pPr lvl="1"/>
             <a:r>
-              <a:rPr lang="en-US" smtClean="0"/>
+              <a:rPr lang="en-US"/>
               <a:t>Second level</a:t>
             </a:r>
           </a:p>
           <a:p>
             <a:pPr lvl="2"/>
             <a:r>
-              <a:rPr lang="en-US" smtClean="0"/>
+              <a:rPr lang="en-US"/>
               <a:t>Third level</a:t>
             </a:r>
           </a:p>
           <a:p>
             <a:pPr lvl="3"/>
             <a:r>
-              <a:rPr lang="en-US" smtClean="0"/>
+              <a:rPr lang="en-US"/>
               <a:t>Fourth level</a:t>
             </a:r>
           </a:p>
           <a:p>
             <a:pPr lvl="4"/>
             <a:r>
-              <a:rPr lang="en-US" smtClean="0"/>
+              <a:rPr lang="en-US"/>
               <a:t>Fifth level</a:t>
             </a:r>
-            <a:endParaRPr lang="en-US"/>
           </a:p>
         </p:txBody>
       </p:sp>
@@ -635,7 +633,7 @@
           <a:lstStyle/>
           <a:p>
             <a:r>
-              <a:rPr lang="en-US" sz="1200" kern="1200" baseline="0" dirty="0" smtClean="0">
+              <a:rPr lang="en-US" sz="1200" kern="1200" baseline="0" dirty="0">
                 <a:solidFill>
                   <a:schemeClr val="tx1"/>
                 </a:solidFill>
@@ -643,22 +641,12 @@
                 <a:ea typeface="+mn-ea"/>
                 <a:cs typeface="+mn-cs"/>
               </a:rPr>
-              <a:t>Main memory databases can also take advantage of efficient pointer following for data representation. Relational tuples can be represented as a set of pointers to data values. The use of pointers is space efficient when large values appear multiple times in the database, since the actual value needs to only be stored once. Pointers also simplify the handling of variable length fields since variable length data can be represented using pointers into a heap.</a:t>
-            </a:r>
-          </a:p>
-          <a:p>
-            <a:endParaRPr lang="en-US" sz="1200" kern="1200" baseline="0" dirty="0" smtClean="0">
-              <a:solidFill>
-                <a:schemeClr val="tx1"/>
-              </a:solidFill>
-              <a:latin typeface="+mn-lt"/>
-              <a:ea typeface="+mn-ea"/>
-              <a:cs typeface="+mn-cs"/>
-            </a:endParaRPr>
-          </a:p>
-          <a:p>
-            <a:r>
-              <a:rPr lang="en-US" sz="1200" kern="1200" baseline="0" dirty="0" smtClean="0">
+              <a:t>In DRDB, Systems choose small locking granules (fields or records) so to reduce contention. </a:t>
+            </a:r>
+          </a:p>
+          <a:p>
+            <a:r>
+              <a:rPr lang="en-US" sz="1200" kern="1200" baseline="0" dirty="0">
                 <a:solidFill>
                   <a:schemeClr val="tx1"/>
                 </a:solidFill>
@@ -666,8 +654,77 @@
                 <a:ea typeface="+mn-ea"/>
                 <a:cs typeface="+mn-cs"/>
               </a:rPr>
-              <a:t>Relational data are usually represented as flat files.Tuples are stored sequentially. Enumerated types larger than the pointer size are stored in the tuple as pointers to the domain table values, domain tables can be shared among different columns and even among different relations.</a:t>
-            </a:r>
+              <a:t>In IMDB, </a:t>
+            </a:r>
+            <a:r>
+              <a:rPr lang="en-US" dirty="0"/>
+              <a:t>due to fast processing it create coarser locks, a</a:t>
+            </a:r>
+            <a:r>
+              <a:rPr lang="en-US" sz="1200" kern="1200" baseline="0" dirty="0">
+                <a:solidFill>
+                  <a:schemeClr val="tx1"/>
+                </a:solidFill>
+                <a:latin typeface="+mn-lt"/>
+                <a:ea typeface="+mn-ea"/>
+                <a:cs typeface="+mn-cs"/>
+              </a:rPr>
+              <a:t>s contention is already low because data are memory resident, the principal advantage</a:t>
+            </a:r>
+          </a:p>
+          <a:p>
+            <a:r>
+              <a:rPr lang="en-US" sz="1200" kern="1200" baseline="0" dirty="0">
+                <a:solidFill>
+                  <a:schemeClr val="tx1"/>
+                </a:solidFill>
+                <a:latin typeface="+mn-lt"/>
+                <a:ea typeface="+mn-ea"/>
+                <a:cs typeface="+mn-cs"/>
+              </a:rPr>
+              <a:t>of small lock granulesis effectively removed.</a:t>
+            </a:r>
+          </a:p>
+          <a:p>
+            <a:r>
+              <a:rPr lang="en-US" sz="1200" kern="1200" baseline="0" dirty="0">
+                <a:solidFill>
+                  <a:schemeClr val="tx1"/>
+                </a:solidFill>
+                <a:latin typeface="+mn-lt"/>
+                <a:ea typeface="+mn-ea"/>
+                <a:cs typeface="+mn-cs"/>
+              </a:rPr>
+              <a:t>So we suggest large lock granules like a relation or an entire database.</a:t>
+            </a:r>
+          </a:p>
+          <a:p>
+            <a:r>
+              <a:rPr lang="en-US" sz="1200" b="1" kern="1200" baseline="0" dirty="0">
+                <a:solidFill>
+                  <a:schemeClr val="tx1"/>
+                </a:solidFill>
+                <a:latin typeface="+mn-lt"/>
+                <a:ea typeface="+mn-ea"/>
+                <a:cs typeface="+mn-cs"/>
+              </a:rPr>
+              <a:t>Implementation:</a:t>
+            </a:r>
+          </a:p>
+          <a:p>
+            <a:r>
+              <a:rPr lang="en-US" sz="1200" kern="1200" baseline="0" dirty="0">
+                <a:solidFill>
+                  <a:schemeClr val="tx1"/>
+                </a:solidFill>
+                <a:latin typeface="+mn-lt"/>
+                <a:ea typeface="+mn-ea"/>
+                <a:cs typeface="+mn-cs"/>
+              </a:rPr>
+              <a:t>In a conventional system, locks are implemented via a hash table that contains entries for the objects currently locked. The objects themselves (on disk) contain no lock information. If the objects are in memory, we may be able to afford a small number of bits in them to represent their lock status.</a:t>
+            </a:r>
+          </a:p>
+          <a:p>
             <a:endParaRPr lang="en-US" dirty="0"/>
           </a:p>
         </p:txBody>
@@ -690,7 +747,7 @@
             <a:fld id="{0708A2DB-04A9-4AA3-80CE-96487E51D609}" type="slidenum">
               <a:rPr lang="en-US" smtClean="0"/>
               <a:pPr/>
-              <a:t>14</a:t>
+              <a:t>15</a:t>
             </a:fld>
             <a:endParaRPr lang="en-US" dirty="0"/>
           </a:p>
@@ -751,7 +808,7 @@
           <a:lstStyle/>
           <a:p>
             <a:r>
-              <a:rPr lang="en-US" sz="1200" kern="1200" baseline="0" dirty="0" smtClean="0">
+              <a:rPr lang="en-US" sz="1200" kern="1200" baseline="0" dirty="0">
                 <a:solidFill>
                   <a:schemeClr val="tx1"/>
                 </a:solidFill>
@@ -759,12 +816,12 @@
                 <a:ea typeface="+mn-ea"/>
                 <a:cs typeface="+mn-cs"/>
               </a:rPr>
-              <a:t>In DRDB, Systems choose small locking granules (fields or records) so to reduce contention. </a:t>
-            </a:r>
-          </a:p>
-          <a:p>
-            <a:r>
-              <a:rPr lang="en-US" sz="1200" kern="1200" baseline="0" dirty="0" smtClean="0">
+              <a:t>MMDB uses T-tree index structure unlike B-tree index structure used by DRDB. Since the ultimate aim of MMDB is to condense computation time while exploiting little memory. T-tree index structure is explicitly designed for MMDB.</a:t>
+            </a:r>
+          </a:p>
+          <a:p>
+            <a:r>
+              <a:rPr lang="en-US" sz="1200" kern="1200" baseline="0" dirty="0">
                 <a:solidFill>
                   <a:schemeClr val="tx1"/>
                 </a:solidFill>
@@ -772,14 +829,10 @@
                 <a:ea typeface="+mn-ea"/>
                 <a:cs typeface="+mn-cs"/>
               </a:rPr>
-              <a:t>In IMDB, </a:t>
-            </a:r>
-            <a:r>
-              <a:rPr lang="en-US" dirty="0" smtClean="0"/>
-              <a:t>due to fast processing it create coarser locks, a</a:t>
-            </a:r>
-            <a:r>
-              <a:rPr lang="en-US" sz="1200" kern="1200" baseline="0" dirty="0" smtClean="0">
+              <a:t>A T-tree node consists of ordered elements in the range min and max </a:t>
+            </a:r>
+            <a:r>
+              <a:rPr lang="en-US" sz="1200" kern="1200" baseline="0" dirty="0" err="1">
                 <a:solidFill>
                   <a:schemeClr val="tx1"/>
                 </a:solidFill>
@@ -787,12 +840,10 @@
                 <a:ea typeface="+mn-ea"/>
                 <a:cs typeface="+mn-cs"/>
               </a:rPr>
-              <a:t>s contention is already low because data are memory resident, the principal advantage</a:t>
-            </a:r>
-          </a:p>
-          <a:p>
-            <a:r>
-              <a:rPr lang="en-US" sz="1200" kern="1200" baseline="0" dirty="0" smtClean="0">
+              <a:t>values,and</a:t>
+            </a:r>
+            <a:r>
+              <a:rPr lang="en-US" sz="1200" kern="1200" baseline="0" dirty="0">
                 <a:solidFill>
                   <a:schemeClr val="tx1"/>
                 </a:solidFill>
@@ -800,12 +851,12 @@
                 <a:ea typeface="+mn-ea"/>
                 <a:cs typeface="+mn-cs"/>
               </a:rPr>
-              <a:t>of small lock granulesis effectively removed.</a:t>
-            </a:r>
-          </a:p>
-          <a:p>
-            <a:r>
-              <a:rPr lang="en-US" sz="1200" kern="1200" baseline="0" dirty="0" smtClean="0">
+              <a:t> two pointers to the left and right nodes</a:t>
+            </a:r>
+          </a:p>
+          <a:p>
+            <a:r>
+              <a:rPr lang="en-US" sz="1200" kern="1200" baseline="0" dirty="0">
                 <a:solidFill>
                   <a:schemeClr val="tx1"/>
                 </a:solidFill>
@@ -813,12 +864,12 @@
                 <a:ea typeface="+mn-ea"/>
                 <a:cs typeface="+mn-cs"/>
               </a:rPr>
-              <a:t>So we suggest large lock granules like a relation or an entire database.</a:t>
-            </a:r>
-          </a:p>
-          <a:p>
-            <a:r>
-              <a:rPr lang="en-US" sz="1200" b="1" kern="1200" baseline="0" dirty="0" smtClean="0">
+              <a:t>Index structures can store pointers to the indexed data, rather than the data itself. This eliminates the problem of storing variable length fields in an index and saves space as long as the pointers are smaller than the data they point to.</a:t>
+            </a:r>
+          </a:p>
+          <a:p>
+            <a:r>
+              <a:rPr lang="en-US" sz="1200" kern="1200" baseline="0" dirty="0">
                 <a:solidFill>
                   <a:schemeClr val="tx1"/>
                 </a:solidFill>
@@ -826,12 +877,12 @@
                 <a:ea typeface="+mn-ea"/>
                 <a:cs typeface="+mn-cs"/>
               </a:rPr>
-              <a:t>Implementation:</a:t>
-            </a:r>
-          </a:p>
-          <a:p>
-            <a:r>
-              <a:rPr lang="en-US" sz="1200" kern="1200" baseline="0" dirty="0" smtClean="0">
+              <a:t>Indexes are very space efficient and are reasonably fast for range and exact-match queries, although updates are slow.</a:t>
+            </a:r>
+          </a:p>
+          <a:p>
+            <a:r>
+              <a:rPr lang="en-US" sz="1200" kern="1200" baseline="0" dirty="0">
                 <a:solidFill>
                   <a:schemeClr val="tx1"/>
                 </a:solidFill>
@@ -839,10 +890,21 @@
                 <a:ea typeface="+mn-ea"/>
                 <a:cs typeface="+mn-cs"/>
               </a:rPr>
-              <a:t>In a conventional system, locks are implemented via a hash table that contains entries for the objects currently locked. The objects themselves (on disk) contain no lock information. If the objects are in memory, we may be able to afford a small number of bits in them to represent their lock status.</a:t>
-            </a:r>
-          </a:p>
-          <a:p>
+              <a:t>Use of T-trees dramatically reduces the CPU processing required to access data and completely eliminates the index value compression and expansion</a:t>
+            </a:r>
+          </a:p>
+          <a:p>
+            <a:r>
+              <a:rPr lang="en-US" sz="1200" kern="1200" baseline="0" dirty="0">
+                <a:solidFill>
+                  <a:schemeClr val="tx1"/>
+                </a:solidFill>
+                <a:latin typeface="+mn-lt"/>
+                <a:ea typeface="+mn-ea"/>
+                <a:cs typeface="+mn-cs"/>
+              </a:rPr>
+              <a:t>found in B-trees.</a:t>
+            </a:r>
             <a:endParaRPr lang="en-US" dirty="0"/>
           </a:p>
         </p:txBody>
@@ -926,7 +988,7 @@
           <a:lstStyle/>
           <a:p>
             <a:r>
-              <a:rPr lang="en-US" sz="1200" kern="1200" baseline="0" dirty="0" smtClean="0">
+              <a:rPr lang="en-US" sz="1200" kern="1200" baseline="0" dirty="0">
                 <a:solidFill>
                   <a:schemeClr val="tx1"/>
                 </a:solidFill>
@@ -934,86 +996,12 @@
                 <a:ea typeface="+mn-ea"/>
                 <a:cs typeface="+mn-cs"/>
               </a:rPr>
-              <a:t>MMDB uses T-tree index structure unlike B-tree index structure used by DRDB. Since the ultimate aim of MMDB is to condense computation time while exploiting little memory. T-tree index structure is explicitly designed for MMDB.</a:t>
-            </a:r>
-          </a:p>
-          <a:p>
-            <a:r>
-              <a:rPr lang="en-US" sz="1200" kern="1200" baseline="0" dirty="0" smtClean="0">
-                <a:solidFill>
-                  <a:schemeClr val="tx1"/>
-                </a:solidFill>
-                <a:latin typeface="+mn-lt"/>
-                <a:ea typeface="+mn-ea"/>
-                <a:cs typeface="+mn-cs"/>
-              </a:rPr>
-              <a:t>A T-tree node consists of ordered elements in the range min and max </a:t>
-            </a:r>
-            <a:r>
-              <a:rPr lang="en-US" sz="1200" kern="1200" baseline="0" dirty="0" err="1" smtClean="0">
-                <a:solidFill>
-                  <a:schemeClr val="tx1"/>
-                </a:solidFill>
-                <a:latin typeface="+mn-lt"/>
-                <a:ea typeface="+mn-ea"/>
-                <a:cs typeface="+mn-cs"/>
-              </a:rPr>
-              <a:t>values,and</a:t>
-            </a:r>
-            <a:r>
-              <a:rPr lang="en-US" sz="1200" kern="1200" baseline="0" dirty="0" smtClean="0">
-                <a:solidFill>
-                  <a:schemeClr val="tx1"/>
-                </a:solidFill>
-                <a:latin typeface="+mn-lt"/>
-                <a:ea typeface="+mn-ea"/>
-                <a:cs typeface="+mn-cs"/>
-              </a:rPr>
-              <a:t> two pointers to the left and right nodes</a:t>
-            </a:r>
-          </a:p>
-          <a:p>
-            <a:r>
-              <a:rPr lang="en-US" sz="1200" kern="1200" baseline="0" dirty="0" smtClean="0">
-                <a:solidFill>
-                  <a:schemeClr val="tx1"/>
-                </a:solidFill>
-                <a:latin typeface="+mn-lt"/>
-                <a:ea typeface="+mn-ea"/>
-                <a:cs typeface="+mn-cs"/>
-              </a:rPr>
-              <a:t>Index structures can store pointers to the indexed data, rather than the data itself. This eliminates the problem of storing variable length fields in an index and saves space as long as the pointers are smaller than the data they point to.</a:t>
-            </a:r>
-          </a:p>
-          <a:p>
-            <a:r>
-              <a:rPr lang="en-US" sz="1200" kern="1200" baseline="0" dirty="0" smtClean="0">
-                <a:solidFill>
-                  <a:schemeClr val="tx1"/>
-                </a:solidFill>
-                <a:latin typeface="+mn-lt"/>
-                <a:ea typeface="+mn-ea"/>
-                <a:cs typeface="+mn-cs"/>
-              </a:rPr>
-              <a:t>Indexes are very space efficient and are reasonably fast for range and exact-match queries, although updates are slow.</a:t>
-            </a:r>
-          </a:p>
-          <a:p>
-            <a:r>
-              <a:rPr lang="en-US" sz="1200" kern="1200" baseline="0" dirty="0" smtClean="0">
-                <a:solidFill>
-                  <a:schemeClr val="tx1"/>
-                </a:solidFill>
-                <a:latin typeface="+mn-lt"/>
-                <a:ea typeface="+mn-ea"/>
-                <a:cs typeface="+mn-cs"/>
-              </a:rPr>
-              <a:t>Use of T-trees dramatically reduces the CPU processing required to access data and completely eliminates the index value compression and expansion</a:t>
-            </a:r>
-          </a:p>
-          <a:p>
-            <a:r>
-              <a:rPr lang="en-US" sz="1200" kern="1200" baseline="0" dirty="0" smtClean="0">
+              <a:t>T-trees uphold the fact that the actual data is always in main memory collectively with the index, hence it do not keep copies of actual attribute values within the index tree nodes. Instead it just contains pointers to the actual data fields . It is an ordered structure like an AVL tree having multiple keys per node. It is an Ideal index structure for ordered search over data. Other index structure supported by MMDB is heap file for handling a large number of fixed-length data items. Hash file supports unordered scan of data items as well as locking of data item that are obtained transparently when items are inserted, deleted, updated or scanned. The Oracle TimesTen, uses T-tree and hash indexing algorithms to speed access to indexed data, while also reducing CPU consumption. Use of T-trees dramatically reduces the CPU processing required to access data and completely eliminates the index value compression and expansion</a:t>
+            </a:r>
+          </a:p>
+          <a:p>
+            <a:r>
+              <a:rPr lang="en-US" sz="1200" kern="1200" baseline="0" dirty="0">
                 <a:solidFill>
                   <a:schemeClr val="tx1"/>
                 </a:solidFill>
@@ -1106,7 +1094,7 @@
           <a:lstStyle/>
           <a:p>
             <a:r>
-              <a:rPr lang="en-US" sz="1200" kern="1200" baseline="0" dirty="0" smtClean="0">
+              <a:rPr lang="en-US" sz="1200" kern="1200" baseline="0" dirty="0">
                 <a:solidFill>
                   <a:schemeClr val="tx1"/>
                 </a:solidFill>
@@ -1119,7 +1107,7 @@
           </a:p>
           <a:p>
             <a:r>
-              <a:rPr lang="en-US" sz="1200" kern="1200" baseline="0" dirty="0" smtClean="0">
+              <a:rPr lang="en-US" sz="1200" kern="1200" baseline="0" dirty="0">
                 <a:solidFill>
                   <a:schemeClr val="tx1"/>
                 </a:solidFill>
@@ -1212,7 +1200,7 @@
           <a:lstStyle/>
           <a:p>
             <a:r>
-              <a:rPr lang="en-US" sz="1200" kern="1200" baseline="0" dirty="0" smtClean="0">
+              <a:rPr lang="en-US" sz="1200" kern="1200" baseline="0" dirty="0">
                 <a:solidFill>
                   <a:schemeClr val="tx1"/>
                 </a:solidFill>
@@ -1220,12 +1208,12 @@
                 <a:ea typeface="+mn-ea"/>
                 <a:cs typeface="+mn-cs"/>
               </a:rPr>
-              <a:t>T-trees uphold the fact that the actual data is always in main memory collectively with the index, hence it do not keep copies of actual attribute values within the index tree nodes. Instead it just contains pointers to the actual data fields . It is an ordered structure like an AVL tree having multiple keys per node. It is an Ideal index structure for ordered search over data. Other index structure supported by MMDB is heap file for handling a large number of fixed-length data items. Hash file supports unordered scan of data items as well as locking of data item that are obtained transparently when items are inserted, deleted, updated or scanned. The Oracle TimesTen, uses T-tree and hash indexing algorithms to speed access to indexed data, while also reducing CPU consumption. Use of T-trees dramatically reduces the CPU processing required to access data and completely eliminates the index value compression and expansion</a:t>
-            </a:r>
-          </a:p>
-          <a:p>
-            <a:r>
-              <a:rPr lang="en-US" sz="1200" kern="1200" baseline="0" dirty="0" smtClean="0">
+              <a:t>Query processors for memory resident data must focus on processing costs, whereas most conventional systems attempt to minimize disk access.</a:t>
+            </a:r>
+          </a:p>
+          <a:p>
+            <a:r>
+              <a:rPr lang="en-US" sz="1200" kern="1200" baseline="0" dirty="0">
                 <a:solidFill>
                   <a:schemeClr val="tx1"/>
                 </a:solidFill>
@@ -1233,7 +1221,7 @@
                 <a:ea typeface="+mn-ea"/>
                 <a:cs typeface="+mn-cs"/>
               </a:rPr>
-              <a:t>found in B-trees.</a:t>
+              <a:t>TimesTen and IMDB Cache provide range, hash and bitmap indexes and support two types of join methods nested-loop and merge-join. The optimizer can create temporary indexes as needed. The optimizer also accepts hints that give applications the flexibility to make tradeoffs between such factors as temporary space usage and performance</a:t>
             </a:r>
             <a:endParaRPr lang="en-US" dirty="0"/>
           </a:p>
@@ -1317,30 +1305,53 @@
           </a:bodyPr>
           <a:lstStyle/>
           <a:p>
-            <a:r>
-              <a:rPr lang="en-US" sz="1200" kern="1200" baseline="0" dirty="0" smtClean="0">
-                <a:solidFill>
-                  <a:schemeClr val="tx1"/>
-                </a:solidFill>
-                <a:latin typeface="+mn-lt"/>
-                <a:ea typeface="+mn-ea"/>
-                <a:cs typeface="+mn-cs"/>
-              </a:rPr>
-              <a:t>Query processors for memory resident data must focus on processing costs, whereas most conventional systems attempt to minimize disk access.</a:t>
-            </a:r>
-          </a:p>
-          <a:p>
-            <a:r>
-              <a:rPr lang="en-US" sz="1200" kern="1200" baseline="0" dirty="0" smtClean="0">
-                <a:solidFill>
-                  <a:schemeClr val="tx1"/>
-                </a:solidFill>
-                <a:latin typeface="+mn-lt"/>
-                <a:ea typeface="+mn-ea"/>
-                <a:cs typeface="+mn-cs"/>
-              </a:rPr>
-              <a:t>TimesTen and IMDB Cache provide range, hash and bitmap indexes and support two types of join methods nested-loop and merge-join. The optimizer can create temporary indexes as needed. The optimizer also accepts hints that give applications the flexibility to make tradeoffs between such factors as temporary space usage and performance</a:t>
-            </a:r>
+            <a:pPr marL="0" marR="0" indent="0" algn="l" defTabSz="914400" rtl="0" eaLnBrk="1" fontAlgn="auto" latinLnBrk="0" hangingPunct="1">
+              <a:lnSpc>
+                <a:spcPct val="100000"/>
+              </a:lnSpc>
+              <a:spcBef>
+                <a:spcPts val="0"/>
+              </a:spcBef>
+              <a:spcAft>
+                <a:spcPts val="0"/>
+              </a:spcAft>
+              <a:buClrTx/>
+              <a:buSzTx/>
+              <a:buFontTx/>
+              <a:buNone/>
+              <a:tabLst/>
+              <a:defRPr/>
+            </a:pPr>
+            <a:r>
+              <a:rPr lang="en-US" dirty="0"/>
+              <a:t>IMDB’s are logically more exposed to failure than DRDB’s due to high performance requirement</a:t>
+            </a:r>
+            <a:r>
+              <a:rPr lang="en-US" baseline="0" dirty="0"/>
+              <a:t> as it is directly accessed by processor.</a:t>
+            </a:r>
+          </a:p>
+          <a:p>
+            <a:pPr marL="0" marR="0" indent="0" algn="l" defTabSz="914400" rtl="0" eaLnBrk="1" fontAlgn="auto" latinLnBrk="0" hangingPunct="1">
+              <a:lnSpc>
+                <a:spcPct val="100000"/>
+              </a:lnSpc>
+              <a:spcBef>
+                <a:spcPts val="0"/>
+              </a:spcBef>
+              <a:spcAft>
+                <a:spcPts val="0"/>
+              </a:spcAft>
+              <a:buClrTx/>
+              <a:buSzTx/>
+              <a:buFontTx/>
+              <a:buNone/>
+              <a:tabLst/>
+              <a:defRPr/>
+            </a:pPr>
+            <a:endParaRPr lang="en-US" dirty="0"/>
+          </a:p>
+          <a:p>
             <a:endParaRPr lang="en-US" dirty="0"/>
           </a:p>
         </p:txBody>
@@ -1363,7 +1374,7 @@
             <a:fld id="{0708A2DB-04A9-4AA3-80CE-96487E51D609}" type="slidenum">
               <a:rPr lang="en-US" smtClean="0"/>
               <a:pPr/>
-              <a:t>20</a:t>
+              <a:t>21</a:t>
             </a:fld>
             <a:endParaRPr lang="en-US" dirty="0"/>
           </a:p>
@@ -1423,53 +1434,6 @@
           </a:bodyPr>
           <a:lstStyle/>
           <a:p>
-            <a:pPr marL="0" marR="0" indent="0" algn="l" defTabSz="914400" rtl="0" eaLnBrk="1" fontAlgn="auto" latinLnBrk="0" hangingPunct="1">
-              <a:lnSpc>
-                <a:spcPct val="100000"/>
-              </a:lnSpc>
-              <a:spcBef>
-                <a:spcPts val="0"/>
-              </a:spcBef>
-              <a:spcAft>
-                <a:spcPts val="0"/>
-              </a:spcAft>
-              <a:buClrTx/>
-              <a:buSzTx/>
-              <a:buFontTx/>
-              <a:buNone/>
-              <a:tabLst/>
-              <a:defRPr/>
-            </a:pPr>
-            <a:r>
-              <a:rPr lang="en-US" dirty="0" smtClean="0"/>
-              <a:t>IMDB’s are logically more exposed to failure than DRDB’s due to high performance requirement</a:t>
-            </a:r>
-            <a:r>
-              <a:rPr lang="en-US" baseline="0" dirty="0" smtClean="0"/>
-              <a:t> as it is directly accessed by processor.</a:t>
-            </a:r>
-          </a:p>
-          <a:p>
-            <a:pPr marL="0" marR="0" indent="0" algn="l" defTabSz="914400" rtl="0" eaLnBrk="1" fontAlgn="auto" latinLnBrk="0" hangingPunct="1">
-              <a:lnSpc>
-                <a:spcPct val="100000"/>
-              </a:lnSpc>
-              <a:spcBef>
-                <a:spcPts val="0"/>
-              </a:spcBef>
-              <a:spcAft>
-                <a:spcPts val="0"/>
-              </a:spcAft>
-              <a:buClrTx/>
-              <a:buSzTx/>
-              <a:buFontTx/>
-              <a:buNone/>
-              <a:tabLst/>
-              <a:defRPr/>
-            </a:pPr>
-            <a:endParaRPr lang="en-US" dirty="0" smtClean="0"/>
-          </a:p>
-          <a:p>
             <a:endParaRPr lang="en-US" dirty="0"/>
           </a:p>
         </p:txBody>
@@ -1493,88 +1457,6 @@
               <a:rPr lang="en-US" smtClean="0"/>
               <a:pPr/>
               <a:t>22</a:t>
-            </a:fld>
-            <a:endParaRPr lang="en-US" dirty="0"/>
-          </a:p>
-        </p:txBody>
-      </p:sp>
-    </p:spTree>
-  </p:cSld>
-  <p:clrMapOvr>
-    <a:masterClrMapping/>
-  </p:clrMapOvr>
-</p:notes>
-</file>
-
-<file path=ppt/notesSlides/notesSlide17.xml><?xml version="1.0" encoding="utf-8"?>
-<p:notes xmlns:a="http://schemas.openxmlformats.org/drawingml/2006/main" xmlns:r="http://schemas.openxmlformats.org/officeDocument/2006/relationships" xmlns:p="http://schemas.openxmlformats.org/presentationml/2006/main">
-  <p:cSld>
-    <p:spTree>
-      <p:nvGrpSpPr>
-        <p:cNvPr id="1" name=""/>
-        <p:cNvGrpSpPr/>
-        <p:nvPr/>
-      </p:nvGrpSpPr>
-      <p:grpSpPr>
-        <a:xfrm>
-          <a:off x="0" y="0"/>
-          <a:ext cx="0" cy="0"/>
-          <a:chOff x="0" y="0"/>
-          <a:chExt cx="0" cy="0"/>
-        </a:xfrm>
-      </p:grpSpPr>
-      <p:sp>
-        <p:nvSpPr>
-          <p:cNvPr id="2" name="Slide Image Placeholder 1"/>
-          <p:cNvSpPr>
-            <a:spLocks noGrp="1" noRot="1" noChangeAspect="1"/>
-          </p:cNvSpPr>
-          <p:nvPr>
-            <p:ph type="sldImg"/>
-          </p:nvPr>
-        </p:nvSpPr>
-        <p:spPr/>
-      </p:sp>
-      <p:sp>
-        <p:nvSpPr>
-          <p:cNvPr id="3" name="Notes Placeholder 2"/>
-          <p:cNvSpPr>
-            <a:spLocks noGrp="1"/>
-          </p:cNvSpPr>
-          <p:nvPr>
-            <p:ph type="body" idx="1"/>
-          </p:nvPr>
-        </p:nvSpPr>
-        <p:spPr/>
-        <p:txBody>
-          <a:bodyPr>
-            <a:normAutofit/>
-          </a:bodyPr>
-          <a:lstStyle/>
-          <a:p>
-            <a:endParaRPr lang="en-US" dirty="0"/>
-          </a:p>
-        </p:txBody>
-      </p:sp>
-      <p:sp>
-        <p:nvSpPr>
-          <p:cNvPr id="4" name="Slide Number Placeholder 3"/>
-          <p:cNvSpPr>
-            <a:spLocks noGrp="1"/>
-          </p:cNvSpPr>
-          <p:nvPr>
-            <p:ph type="sldNum" sz="quarter" idx="10"/>
-          </p:nvPr>
-        </p:nvSpPr>
-        <p:spPr/>
-        <p:txBody>
-          <a:bodyPr/>
-          <a:lstStyle/>
-          <a:p>
-            <a:fld id="{0708A2DB-04A9-4AA3-80CE-96487E51D609}" type="slidenum">
-              <a:rPr lang="en-US" smtClean="0"/>
-              <a:pPr/>
-              <a:t>23</a:t>
             </a:fld>
             <a:endParaRPr lang="en-US" dirty="0"/>
           </a:p>
@@ -1635,11 +1517,11 @@
           <a:lstStyle/>
           <a:p>
             <a:r>
-              <a:rPr lang="en-US" dirty="0" smtClean="0"/>
+              <a:rPr lang="en-US" dirty="0"/>
               <a:t>Lets start</a:t>
             </a:r>
             <a:r>
-              <a:rPr lang="en-US" baseline="0" dirty="0" smtClean="0"/>
+              <a:rPr lang="en-US" baseline="0" dirty="0"/>
               <a:t> with the basic question: What is In-Memory Data Base?</a:t>
             </a:r>
           </a:p>
@@ -1662,38 +1544,38 @@
               <a:defRPr/>
             </a:pPr>
             <a:r>
-              <a:rPr lang="en-US" baseline="0" dirty="0" smtClean="0"/>
+              <a:rPr lang="en-US" baseline="0" dirty="0"/>
               <a:t>From the name itself you can guess what does it means.. </a:t>
             </a:r>
             <a:r>
-              <a:rPr lang="en-US" dirty="0" smtClean="0"/>
+              <a:rPr lang="en-US" dirty="0"/>
               <a:t>An </a:t>
             </a:r>
             <a:r>
-              <a:rPr lang="en-US" b="1" dirty="0" smtClean="0"/>
+              <a:rPr lang="en-US" b="1" dirty="0"/>
               <a:t>IMDB</a:t>
             </a:r>
             <a:r>
-              <a:rPr lang="en-US" dirty="0" smtClean="0"/>
+              <a:rPr lang="en-US" dirty="0"/>
               <a:t> also called </a:t>
             </a:r>
             <a:r>
-              <a:rPr lang="en-US" b="1" dirty="0" smtClean="0"/>
+              <a:rPr lang="en-US" b="1" dirty="0"/>
               <a:t>Main memory Database(MMDB) </a:t>
             </a:r>
             <a:r>
-              <a:rPr lang="en-US" dirty="0" smtClean="0"/>
+              <a:rPr lang="en-US" dirty="0"/>
               <a:t>is a database whose primary data store is main memory.</a:t>
             </a:r>
-            <a:endParaRPr lang="en-US" baseline="0" dirty="0" smtClean="0"/>
-          </a:p>
-          <a:p>
-            <a:r>
-              <a:rPr lang="en-US" baseline="0" dirty="0" smtClean="0"/>
+            <a:endParaRPr lang="en-US" baseline="0" dirty="0"/>
+          </a:p>
+          <a:p>
+            <a:r>
+              <a:rPr lang="en-US" baseline="0" dirty="0"/>
               <a:t>That means in </a:t>
             </a:r>
             <a:r>
-              <a:rPr lang="en-US" sz="1200" b="1" kern="1200" baseline="0" dirty="0" smtClean="0">
+              <a:rPr lang="en-US" sz="1200" b="1" kern="1200" baseline="0" dirty="0">
                 <a:solidFill>
                   <a:schemeClr val="tx1"/>
                 </a:solidFill>
@@ -1704,7 +1586,7 @@
               <a:t>IMDB</a:t>
             </a:r>
             <a:r>
-              <a:rPr lang="en-US" sz="1200" kern="1200" baseline="0" dirty="0" smtClean="0">
+              <a:rPr lang="en-US" sz="1200" kern="1200" baseline="0" dirty="0">
                 <a:solidFill>
                   <a:schemeClr val="tx1"/>
                 </a:solidFill>
@@ -1716,7 +1598,7 @@
             </a:r>
           </a:p>
           <a:p>
-            <a:endParaRPr lang="en-US" baseline="0" dirty="0" smtClean="0"/>
+            <a:endParaRPr lang="en-US" baseline="0" dirty="0"/>
           </a:p>
         </p:txBody>
       </p:sp>
@@ -1799,7 +1681,7 @@
           <a:lstStyle/>
           <a:p>
             <a:r>
-              <a:rPr lang="en-US" sz="1200" kern="1200" baseline="0" dirty="0" smtClean="0">
+              <a:rPr lang="en-US" sz="1200" kern="1200" baseline="0" dirty="0">
                 <a:solidFill>
                   <a:schemeClr val="tx1"/>
                 </a:solidFill>
@@ -1811,7 +1693,7 @@
             </a:r>
           </a:p>
           <a:p>
-            <a:endParaRPr lang="en-US" sz="1200" kern="1200" baseline="0" dirty="0" smtClean="0">
+            <a:endParaRPr lang="en-US" sz="1200" kern="1200" baseline="0" dirty="0">
               <a:solidFill>
                 <a:schemeClr val="tx1"/>
               </a:solidFill>
@@ -1822,7 +1704,7 @@
           </a:p>
           <a:p>
             <a:r>
-              <a:rPr lang="en-US" sz="1200" kern="1200" baseline="0" dirty="0" smtClean="0">
+              <a:rPr lang="en-US" sz="1200" kern="1200" baseline="0" dirty="0">
                 <a:solidFill>
                   <a:schemeClr val="tx1"/>
                 </a:solidFill>
@@ -1932,7 +1814,7 @@
               <a:defRPr/>
             </a:pPr>
             <a:r>
-              <a:rPr lang="en-US" sz="1200" kern="1200" dirty="0" smtClean="0">
+              <a:rPr lang="en-US" sz="1200" kern="1200" dirty="0">
                 <a:solidFill>
                   <a:schemeClr val="tx1"/>
                 </a:solidFill>
@@ -1962,7 +1844,7 @@
               <a:defRPr/>
             </a:pPr>
             <a:r>
-              <a:rPr lang="en-US" sz="1200" u="none" kern="1200" baseline="0" dirty="0" smtClean="0">
+              <a:rPr lang="en-US" sz="1200" u="none" kern="1200" baseline="0" dirty="0">
                 <a:solidFill>
                   <a:schemeClr val="tx1"/>
                 </a:solidFill>
@@ -1973,7 +1855,7 @@
               <a:t>64bit</a:t>
             </a:r>
             <a:r>
-              <a:rPr lang="en-US" sz="1200" kern="1200" dirty="0" smtClean="0">
+              <a:rPr lang="en-US" sz="1200" kern="1200" dirty="0">
                 <a:solidFill>
                   <a:schemeClr val="tx1"/>
                 </a:solidFill>
@@ -1984,10 +1866,10 @@
               <a:t> computing(</a:t>
             </a:r>
             <a:r>
-              <a:rPr lang="en-US" dirty="0" smtClean="0"/>
+              <a:rPr lang="en-US" dirty="0"/>
               <a:t>multiple GB of main memory)</a:t>
             </a:r>
-            <a:endParaRPr lang="en-US" sz="1200" kern="1200" dirty="0" smtClean="0">
+            <a:endParaRPr lang="en-US" sz="1200" kern="1200" dirty="0">
               <a:solidFill>
                 <a:schemeClr val="tx1"/>
               </a:solidFill>
@@ -2015,7 +1897,7 @@
               <a:defRPr/>
             </a:pPr>
             <a:r>
-              <a:rPr lang="en-US" sz="1200" u="none" kern="1200" dirty="0" smtClean="0">
+              <a:rPr lang="en-US" sz="1200" u="none" kern="1200" dirty="0">
                 <a:solidFill>
                   <a:schemeClr val="tx1"/>
                 </a:solidFill>
@@ -2026,7 +1908,7 @@
               <a:t>multi-core</a:t>
             </a:r>
             <a:r>
-              <a:rPr lang="en-US" sz="1200" kern="1200" dirty="0" smtClean="0">
+              <a:rPr lang="en-US" sz="1200" kern="1200" dirty="0">
                 <a:solidFill>
                   <a:schemeClr val="tx1"/>
                 </a:solidFill>
@@ -2037,10 +1919,10 @@
               <a:t> servers(</a:t>
             </a:r>
             <a:r>
-              <a:rPr lang="en-US" dirty="0" smtClean="0"/>
+              <a:rPr lang="en-US" dirty="0"/>
               <a:t>parallel and faster computation)</a:t>
             </a:r>
-            <a:endParaRPr lang="en-US" sz="1200" kern="1200" dirty="0" smtClean="0">
+            <a:endParaRPr lang="en-US" sz="1200" kern="1200" dirty="0">
               <a:solidFill>
                 <a:schemeClr val="tx1"/>
               </a:solidFill>
@@ -2068,7 +1950,7 @@
               <a:defRPr/>
             </a:pPr>
             <a:r>
-              <a:rPr lang="en-US" sz="1200" kern="1200" dirty="0" smtClean="0">
+              <a:rPr lang="en-US" sz="1200" kern="1200" dirty="0">
                 <a:solidFill>
                   <a:schemeClr val="tx1"/>
                 </a:solidFill>
@@ -2079,7 +1961,7 @@
               <a:t>lower </a:t>
             </a:r>
             <a:r>
-              <a:rPr lang="en-US" sz="1200" u="none" kern="1200" dirty="0" smtClean="0">
+              <a:rPr lang="en-US" sz="1200" u="none" kern="1200" dirty="0">
                 <a:solidFill>
                   <a:schemeClr val="tx1"/>
                 </a:solidFill>
@@ -2090,7 +1972,7 @@
               <a:t>RAM</a:t>
             </a:r>
             <a:r>
-              <a:rPr lang="en-US" sz="1200" kern="1200" dirty="0" smtClean="0">
+              <a:rPr lang="en-US" sz="1200" kern="1200" dirty="0">
                 <a:solidFill>
                   <a:schemeClr val="tx1"/>
                 </a:solidFill>
@@ -2101,7 +1983,7 @@
               <a:t> prices and growing RAM</a:t>
             </a:r>
             <a:r>
-              <a:rPr lang="en-US" sz="1200" kern="1200" baseline="0" dirty="0" smtClean="0">
+              <a:rPr lang="en-US" sz="1200" kern="1200" baseline="0" dirty="0">
                 <a:solidFill>
                   <a:schemeClr val="tx1"/>
                 </a:solidFill>
@@ -2112,7 +1994,7 @@
               <a:t> sizes</a:t>
             </a:r>
             <a:r>
-              <a:rPr lang="en-US" sz="1200" kern="1200" dirty="0" smtClean="0">
+              <a:rPr lang="en-US" sz="1200" kern="1200" dirty="0">
                 <a:solidFill>
                   <a:schemeClr val="tx1"/>
                 </a:solidFill>
@@ -2142,7 +2024,7 @@
               <a:defRPr/>
             </a:pPr>
             <a:r>
-              <a:rPr lang="en-US" sz="1200" b="0" i="0" kern="1200" dirty="0" smtClean="0">
+              <a:rPr lang="en-US" sz="1200" b="0" i="0" kern="1200" dirty="0">
                 <a:solidFill>
                   <a:schemeClr val="tx1"/>
                 </a:solidFill>
@@ -2152,7 +2034,7 @@
               </a:rPr>
               <a:t>One of the key reasons for the interest in in-memory database is to get faster responses to queries which otherwise would be limited by the speed of the disk storage systems.</a:t>
             </a:r>
-            <a:endParaRPr lang="en-US" sz="1200" kern="1200" dirty="0" smtClean="0">
+            <a:endParaRPr lang="en-US" sz="1200" kern="1200" dirty="0">
               <a:solidFill>
                 <a:schemeClr val="tx1"/>
               </a:solidFill>
@@ -2245,13 +2127,13 @@
           <a:lstStyle/>
           <a:p>
             <a:r>
-              <a:rPr lang="en-US" dirty="0" smtClean="0"/>
+              <a:rPr lang="en-US" dirty="0"/>
               <a:t>Architecture:</a:t>
             </a:r>
           </a:p>
           <a:p>
             <a:r>
-              <a:rPr lang="en-US" sz="1200" kern="1200" baseline="0" dirty="0" smtClean="0">
+              <a:rPr lang="en-US" sz="1200" kern="1200" baseline="0" dirty="0">
                 <a:solidFill>
                   <a:schemeClr val="tx1"/>
                 </a:solidFill>
@@ -2264,7 +2146,7 @@
           </a:p>
           <a:p>
             <a:r>
-              <a:rPr lang="en-US" sz="1200" kern="1200" baseline="0" dirty="0" smtClean="0">
+              <a:rPr lang="en-US" sz="1200" kern="1200" baseline="0" dirty="0">
                 <a:solidFill>
                   <a:schemeClr val="tx1"/>
                 </a:solidFill>
@@ -2277,7 +2159,7 @@
           </a:p>
           <a:p>
             <a:r>
-              <a:rPr lang="en-US" sz="1200" kern="1200" baseline="0" dirty="0" smtClean="0">
+              <a:rPr lang="en-US" sz="1200" kern="1200" baseline="0" dirty="0">
                 <a:solidFill>
                   <a:schemeClr val="tx1"/>
                 </a:solidFill>
@@ -2290,7 +2172,7 @@
           </a:p>
           <a:p>
             <a:r>
-              <a:rPr lang="en-US" sz="1200" kern="1200" baseline="0" dirty="0" smtClean="0">
+              <a:rPr lang="en-US" sz="1200" kern="1200" baseline="0" dirty="0">
                 <a:solidFill>
                   <a:schemeClr val="tx1"/>
                 </a:solidFill>
@@ -2303,7 +2185,7 @@
           </a:p>
           <a:p>
             <a:r>
-              <a:rPr lang="en-US" sz="1200" kern="1200" baseline="0" dirty="0" smtClean="0">
+              <a:rPr lang="en-US" sz="1200" kern="1200" baseline="0" dirty="0">
                 <a:solidFill>
                   <a:schemeClr val="tx1"/>
                 </a:solidFill>
@@ -2316,7 +2198,7 @@
           </a:p>
           <a:p>
             <a:r>
-              <a:rPr lang="en-US" sz="1200" kern="1200" baseline="0" dirty="0" smtClean="0">
+              <a:rPr lang="en-US" sz="1200" kern="1200" baseline="0" dirty="0">
                 <a:solidFill>
                   <a:schemeClr val="tx1"/>
                 </a:solidFill>
@@ -2409,7 +2291,7 @@
           <a:lstStyle/>
           <a:p>
             <a:r>
-              <a:rPr lang="en-US" dirty="0" smtClean="0"/>
+              <a:rPr lang="en-US" dirty="0"/>
               <a:t>Most real-time applications need very short and anticipated response time and Main Memory as we know has short response time.</a:t>
             </a:r>
           </a:p>
@@ -2419,7 +2301,7 @@
               <a:buChar char="à"/>
             </a:pPr>
             <a:r>
-              <a:rPr lang="en-US" sz="1200" b="0" i="0" kern="1200" dirty="0" smtClean="0">
+              <a:rPr lang="en-US" sz="1200" b="0" i="0" kern="1200" dirty="0">
                 <a:solidFill>
                   <a:schemeClr val="tx1"/>
                 </a:solidFill>
@@ -2436,7 +2318,7 @@
               <a:buChar char="à"/>
             </a:pPr>
             <a:r>
-              <a:rPr lang="en-US" sz="1200" b="0" i="0" kern="1200" dirty="0" smtClean="0">
+              <a:rPr lang="en-US" sz="1200" b="0" i="0" kern="1200" dirty="0">
                 <a:solidFill>
                   <a:schemeClr val="tx1"/>
                 </a:solidFill>
@@ -2453,7 +2335,7 @@
               <a:buChar char="à"/>
             </a:pPr>
             <a:r>
-              <a:rPr lang="en-US" sz="1200" b="0" i="0" kern="1200" baseline="0" dirty="0" smtClean="0">
+              <a:rPr lang="en-US" sz="1200" b="0" i="0" kern="1200" baseline="0" dirty="0">
                 <a:solidFill>
                   <a:schemeClr val="tx1"/>
                 </a:solidFill>
@@ -2464,7 +2346,7 @@
               <a:t> </a:t>
             </a:r>
             <a:r>
-              <a:rPr lang="en-US" sz="1200" b="0" i="0" kern="1200" dirty="0" smtClean="0">
+              <a:rPr lang="en-US" sz="1200" b="0" i="0" kern="1200" dirty="0">
                 <a:solidFill>
                   <a:schemeClr val="tx1"/>
                 </a:solidFill>
@@ -2474,20 +2356,19 @@
               </a:rPr>
               <a:t> In-memory databases’ typically small memory and CPU footprint make them ideal because most embedded systems are highly resource-constrained.</a:t>
             </a:r>
-            <a:endParaRPr lang="en-US" dirty="0" smtClean="0"/>
-          </a:p>
-          <a:p>
-            <a:r>
-              <a:rPr lang="en-US" dirty="0" smtClean="0">
+            <a:endParaRPr lang="en-US" dirty="0"/>
+          </a:p>
+          <a:p>
+            <a:r>
+              <a:rPr lang="en-US" dirty="0">
                 <a:sym typeface="Wingdings" pitchFamily="2" charset="2"/>
               </a:rPr>
               <a:t> </a:t>
             </a:r>
             <a:r>
-              <a:rPr lang="en-US" dirty="0" smtClean="0"/>
+              <a:rPr lang="en-US" dirty="0"/>
               <a:t>E-commerce and social networking sites use in-memory databases to cache portions of their back-end on-disk database systems</a:t>
             </a:r>
-            <a:endParaRPr lang="en-US" dirty="0"/>
           </a:p>
         </p:txBody>
       </p:sp>
@@ -2651,6 +2532,40 @@
           </a:bodyPr>
           <a:lstStyle/>
           <a:p>
+            <a:r>
+              <a:rPr lang="en-US" sz="1200" kern="1200" baseline="0" dirty="0">
+                <a:solidFill>
+                  <a:schemeClr val="tx1"/>
+                </a:solidFill>
+                <a:latin typeface="+mn-lt"/>
+                <a:ea typeface="+mn-ea"/>
+                <a:cs typeface="+mn-cs"/>
+              </a:rPr>
+              <a:t>Main memory databases can also take advantage of efficient pointer following for data representation. Relational tuples can be represented as a set of pointers to data values. The use of pointers is space efficient when large values appear multiple times in the database, since the actual value needs to only be stored once. Pointers also simplify the handling of variable length fields since variable length data can be represented using pointers into a heap.</a:t>
+            </a:r>
+          </a:p>
+          <a:p>
+            <a:endParaRPr lang="en-US" sz="1200" kern="1200" baseline="0" dirty="0">
+              <a:solidFill>
+                <a:schemeClr val="tx1"/>
+              </a:solidFill>
+              <a:latin typeface="+mn-lt"/>
+              <a:ea typeface="+mn-ea"/>
+              <a:cs typeface="+mn-cs"/>
+            </a:endParaRPr>
+          </a:p>
+          <a:p>
+            <a:r>
+              <a:rPr lang="en-US" sz="1200" kern="1200" baseline="0" dirty="0">
+                <a:solidFill>
+                  <a:schemeClr val="tx1"/>
+                </a:solidFill>
+                <a:latin typeface="+mn-lt"/>
+                <a:ea typeface="+mn-ea"/>
+                <a:cs typeface="+mn-cs"/>
+              </a:rPr>
+              <a:t>Relational data are usually represented as flat files.Tuples are stored sequentially. Enumerated types larger than the pointer size are stored in the tuple as pointers to the domain table values, domain tables can be shared among different columns and even among different relations.</a:t>
+            </a:r>
             <a:endParaRPr lang="en-US" dirty="0"/>
           </a:p>
         </p:txBody>
@@ -2673,7 +2588,7 @@
             <a:fld id="{0708A2DB-04A9-4AA3-80CE-96487E51D609}" type="slidenum">
               <a:rPr lang="en-US" smtClean="0"/>
               <a:pPr/>
-              <a:t>11</a:t>
+              <a:t>12</a:t>
             </a:fld>
             <a:endParaRPr lang="en-US" dirty="0"/>
           </a:p>
@@ -2734,7 +2649,7 @@
           <a:lstStyle/>
           <a:p>
             <a:r>
-              <a:rPr lang="en-US" sz="1200" kern="1200" baseline="0" dirty="0" smtClean="0">
+              <a:rPr lang="en-US" sz="1200" kern="1200" baseline="0" dirty="0">
                 <a:solidFill>
                   <a:schemeClr val="tx1"/>
                 </a:solidFill>
@@ -2746,7 +2661,7 @@
             </a:r>
           </a:p>
           <a:p>
-            <a:endParaRPr lang="en-US" sz="1200" kern="1200" baseline="0" dirty="0" smtClean="0">
+            <a:endParaRPr lang="en-US" sz="1200" kern="1200" baseline="0" dirty="0">
               <a:solidFill>
                 <a:schemeClr val="tx1"/>
               </a:solidFill>
@@ -2757,7 +2672,7 @@
           </a:p>
           <a:p>
             <a:r>
-              <a:rPr lang="en-US" sz="1200" kern="1200" baseline="0" dirty="0" smtClean="0">
+              <a:rPr lang="en-US" sz="1200" kern="1200" baseline="0" dirty="0">
                 <a:solidFill>
                   <a:schemeClr val="tx1"/>
                 </a:solidFill>
@@ -2936,10 +2851,9 @@
           </a:lstStyle>
           <a:p>
             <a:r>
-              <a:rPr kumimoji="0" lang="en-US" smtClean="0"/>
+              <a:rPr kumimoji="0" lang="en-US"/>
               <a:t>Click to edit Master title style</a:t>
             </a:r>
-            <a:endParaRPr kumimoji="0" lang="en-US"/>
           </a:p>
         </p:txBody>
       </p:sp>
@@ -2998,10 +2912,9 @@
           </a:lstStyle>
           <a:p>
             <a:r>
-              <a:rPr kumimoji="0" lang="en-US" smtClean="0"/>
+              <a:rPr kumimoji="0" lang="en-US"/>
               <a:t>Click to edit Master subtitle style</a:t>
             </a:r>
-            <a:endParaRPr kumimoji="0" lang="en-US"/>
           </a:p>
         </p:txBody>
       </p:sp>
@@ -3421,7 +3334,7 @@
             <a:fld id="{1D8BD707-D9CF-40AE-B4C6-C98DA3205C09}" type="datetimeFigureOut">
               <a:rPr lang="en-US" smtClean="0"/>
               <a:pPr/>
-              <a:t>2/7/2023</a:t>
+              <a:t>5/29/2023</a:t>
             </a:fld>
             <a:endParaRPr lang="en-US" dirty="0"/>
           </a:p>
@@ -3507,13 +3420,6 @@
       </p:transition>
     </mc:Fallback>
   </mc:AlternateContent>
-  <p:timing>
-    <p:tnLst>
-      <p:par>
-        <p:cTn id="1" dur="indefinite" restart="never" nodeType="tmRoot"/>
-      </p:par>
-    </p:tnLst>
-  </p:timing>
 </p:sldLayout>
 </file>
 
@@ -3550,10 +3456,9 @@
           <a:lstStyle/>
           <a:p>
             <a:r>
-              <a:rPr kumimoji="0" lang="en-US" smtClean="0"/>
+              <a:rPr kumimoji="0" lang="en-US"/>
               <a:t>Click to edit Master title style</a:t>
             </a:r>
-            <a:endParaRPr kumimoji="0" lang="en-US"/>
           </a:p>
         </p:txBody>
       </p:sp>
@@ -3579,35 +3484,35 @@
           <a:p>
             <a:pPr lvl="0" eaLnBrk="1" latinLnBrk="0" hangingPunct="1"/>
             <a:r>
-              <a:rPr lang="en-US" smtClean="0"/>
+              <a:rPr lang="en-US"/>
               <a:t>Click to edit Master text styles</a:t>
             </a:r>
           </a:p>
           <a:p>
             <a:pPr lvl="1" eaLnBrk="1" latinLnBrk="0" hangingPunct="1"/>
             <a:r>
-              <a:rPr lang="en-US" smtClean="0"/>
+              <a:rPr lang="en-US"/>
               <a:t>Second level</a:t>
             </a:r>
           </a:p>
           <a:p>
             <a:pPr lvl="2" eaLnBrk="1" latinLnBrk="0" hangingPunct="1"/>
             <a:r>
-              <a:rPr lang="en-US" smtClean="0"/>
+              <a:rPr lang="en-US"/>
               <a:t>Third level</a:t>
             </a:r>
           </a:p>
           <a:p>
             <a:pPr lvl="3" eaLnBrk="1" latinLnBrk="0" hangingPunct="1"/>
             <a:r>
-              <a:rPr lang="en-US" smtClean="0"/>
+              <a:rPr lang="en-US"/>
               <a:t>Fourth level</a:t>
             </a:r>
           </a:p>
           <a:p>
             <a:pPr lvl="4" eaLnBrk="1" latinLnBrk="0" hangingPunct="1"/>
             <a:r>
-              <a:rPr lang="en-US" smtClean="0"/>
+              <a:rPr lang="en-US"/>
               <a:t>Fifth level</a:t>
             </a:r>
             <a:endParaRPr kumimoji="0" lang="en-US"/>
@@ -3632,7 +3537,7 @@
             <a:fld id="{1D8BD707-D9CF-40AE-B4C6-C98DA3205C09}" type="datetimeFigureOut">
               <a:rPr lang="en-US" smtClean="0"/>
               <a:pPr/>
-              <a:t>2/7/2023</a:t>
+              <a:t>5/29/2023</a:t>
             </a:fld>
             <a:endParaRPr lang="en-US" dirty="0"/>
           </a:p>
@@ -3698,13 +3603,6 @@
       </p:transition>
     </mc:Fallback>
   </mc:AlternateContent>
-  <p:timing>
-    <p:tnLst>
-      <p:par>
-        <p:cTn id="1" dur="indefinite" restart="never" nodeType="tmRoot"/>
-      </p:par>
-    </p:tnLst>
-  </p:timing>
 </p:sldLayout>
 </file>
 
@@ -3746,10 +3644,9 @@
           <a:lstStyle/>
           <a:p>
             <a:r>
-              <a:rPr kumimoji="0" lang="en-US" smtClean="0"/>
+              <a:rPr kumimoji="0" lang="en-US"/>
               <a:t>Click to edit Master title style</a:t>
             </a:r>
-            <a:endParaRPr kumimoji="0" lang="en-US"/>
           </a:p>
         </p:txBody>
       </p:sp>
@@ -3775,35 +3672,35 @@
           <a:p>
             <a:pPr lvl="0" eaLnBrk="1" latinLnBrk="0" hangingPunct="1"/>
             <a:r>
-              <a:rPr lang="en-US" smtClean="0"/>
+              <a:rPr lang="en-US"/>
               <a:t>Click to edit Master text styles</a:t>
             </a:r>
           </a:p>
           <a:p>
             <a:pPr lvl="1" eaLnBrk="1" latinLnBrk="0" hangingPunct="1"/>
             <a:r>
-              <a:rPr lang="en-US" smtClean="0"/>
+              <a:rPr lang="en-US"/>
               <a:t>Second level</a:t>
             </a:r>
           </a:p>
           <a:p>
             <a:pPr lvl="2" eaLnBrk="1" latinLnBrk="0" hangingPunct="1"/>
             <a:r>
-              <a:rPr lang="en-US" smtClean="0"/>
+              <a:rPr lang="en-US"/>
               <a:t>Third level</a:t>
             </a:r>
           </a:p>
           <a:p>
             <a:pPr lvl="3" eaLnBrk="1" latinLnBrk="0" hangingPunct="1"/>
             <a:r>
-              <a:rPr lang="en-US" smtClean="0"/>
+              <a:rPr lang="en-US"/>
               <a:t>Fourth level</a:t>
             </a:r>
           </a:p>
           <a:p>
             <a:pPr lvl="4" eaLnBrk="1" latinLnBrk="0" hangingPunct="1"/>
             <a:r>
-              <a:rPr lang="en-US" smtClean="0"/>
+              <a:rPr lang="en-US"/>
               <a:t>Fifth level</a:t>
             </a:r>
             <a:endParaRPr kumimoji="0" lang="en-US"/>
@@ -3828,7 +3725,7 @@
             <a:fld id="{1D8BD707-D9CF-40AE-B4C6-C98DA3205C09}" type="datetimeFigureOut">
               <a:rPr lang="en-US" smtClean="0"/>
               <a:pPr/>
-              <a:t>2/7/2023</a:t>
+              <a:t>5/29/2023</a:t>
             </a:fld>
             <a:endParaRPr lang="en-US" dirty="0"/>
           </a:p>
@@ -3894,13 +3791,6 @@
       </p:transition>
     </mc:Fallback>
   </mc:AlternateContent>
-  <p:timing>
-    <p:tnLst>
-      <p:par>
-        <p:cTn id="1" dur="indefinite" restart="never" nodeType="tmRoot"/>
-      </p:par>
-    </p:tnLst>
-  </p:timing>
 </p:sldLayout>
 </file>
 
@@ -3938,35 +3828,35 @@
           <a:p>
             <a:pPr lvl="0" eaLnBrk="1" latinLnBrk="0" hangingPunct="1"/>
             <a:r>
-              <a:rPr lang="en-US" smtClean="0"/>
+              <a:rPr lang="en-US"/>
               <a:t>Click to edit Master text styles</a:t>
             </a:r>
           </a:p>
           <a:p>
             <a:pPr lvl="1" eaLnBrk="1" latinLnBrk="0" hangingPunct="1"/>
             <a:r>
-              <a:rPr lang="en-US" smtClean="0"/>
+              <a:rPr lang="en-US"/>
               <a:t>Second level</a:t>
             </a:r>
           </a:p>
           <a:p>
             <a:pPr lvl="2" eaLnBrk="1" latinLnBrk="0" hangingPunct="1"/>
             <a:r>
-              <a:rPr lang="en-US" smtClean="0"/>
+              <a:rPr lang="en-US"/>
               <a:t>Third level</a:t>
             </a:r>
           </a:p>
           <a:p>
             <a:pPr lvl="3" eaLnBrk="1" latinLnBrk="0" hangingPunct="1"/>
             <a:r>
-              <a:rPr lang="en-US" smtClean="0"/>
+              <a:rPr lang="en-US"/>
               <a:t>Fourth level</a:t>
             </a:r>
           </a:p>
           <a:p>
             <a:pPr lvl="4" eaLnBrk="1" latinLnBrk="0" hangingPunct="1"/>
             <a:r>
-              <a:rPr lang="en-US" smtClean="0"/>
+              <a:rPr lang="en-US"/>
               <a:t>Fifth level</a:t>
             </a:r>
             <a:endParaRPr kumimoji="0" lang="en-US"/>
@@ -3991,7 +3881,7 @@
             <a:fld id="{1D8BD707-D9CF-40AE-B4C6-C98DA3205C09}" type="datetimeFigureOut">
               <a:rPr lang="en-US" smtClean="0"/>
               <a:pPr/>
-              <a:t>2/7/2023</a:t>
+              <a:t>5/29/2023</a:t>
             </a:fld>
             <a:endParaRPr lang="en-US" dirty="0"/>
           </a:p>
@@ -4056,10 +3946,9 @@
           <a:lstStyle/>
           <a:p>
             <a:r>
-              <a:rPr kumimoji="0" lang="en-US" smtClean="0"/>
+              <a:rPr kumimoji="0" lang="en-US"/>
               <a:t>Click to edit Master title style</a:t>
             </a:r>
-            <a:endParaRPr kumimoji="0" lang="en-US"/>
           </a:p>
         </p:txBody>
       </p:sp>
@@ -4080,13 +3969,6 @@
       </p:transition>
     </mc:Fallback>
   </mc:AlternateContent>
-  <p:timing>
-    <p:tnLst>
-      <p:par>
-        <p:cTn id="1" dur="indefinite" restart="never" nodeType="tmRoot"/>
-      </p:par>
-    </p:tnLst>
-  </p:timing>
 </p:sldLayout>
 </file>
 
@@ -4156,10 +4038,9 @@
           </a:lstStyle>
           <a:p>
             <a:r>
-              <a:rPr kumimoji="0" lang="en-US" smtClean="0"/>
+              <a:rPr kumimoji="0" lang="en-US"/>
               <a:t>Click to edit Master title style</a:t>
             </a:r>
-            <a:endParaRPr kumimoji="0" lang="en-US"/>
           </a:p>
         </p:txBody>
       </p:sp>
@@ -4235,7 +4116,7 @@
           <a:p>
             <a:pPr lvl="0" eaLnBrk="1" latinLnBrk="0" hangingPunct="1"/>
             <a:r>
-              <a:rPr kumimoji="0" lang="en-US" smtClean="0"/>
+              <a:rPr kumimoji="0" lang="en-US"/>
               <a:t>Click to edit Master text styles</a:t>
             </a:r>
           </a:p>
@@ -4259,7 +4140,7 @@
             <a:fld id="{1D8BD707-D9CF-40AE-B4C6-C98DA3205C09}" type="datetimeFigureOut">
               <a:rPr lang="en-US" smtClean="0"/>
               <a:pPr/>
-              <a:t>2/7/2023</a:t>
+              <a:t>5/29/2023</a:t>
             </a:fld>
             <a:endParaRPr lang="en-US" dirty="0"/>
           </a:p>
@@ -4481,13 +4362,6 @@
       </p:transition>
     </mc:Fallback>
   </mc:AlternateContent>
-  <p:timing>
-    <p:tnLst>
-      <p:par>
-        <p:cTn id="1" dur="indefinite" restart="never" nodeType="tmRoot"/>
-      </p:par>
-    </p:tnLst>
-  </p:timing>
 </p:sldLayout>
 </file>
 
@@ -4552,35 +4426,35 @@
           <a:p>
             <a:pPr lvl="0" eaLnBrk="1" latinLnBrk="0" hangingPunct="1"/>
             <a:r>
-              <a:rPr lang="en-US" smtClean="0"/>
+              <a:rPr lang="en-US"/>
               <a:t>Click to edit Master text styles</a:t>
             </a:r>
           </a:p>
           <a:p>
             <a:pPr lvl="1" eaLnBrk="1" latinLnBrk="0" hangingPunct="1"/>
             <a:r>
-              <a:rPr lang="en-US" smtClean="0"/>
+              <a:rPr lang="en-US"/>
               <a:t>Second level</a:t>
             </a:r>
           </a:p>
           <a:p>
             <a:pPr lvl="2" eaLnBrk="1" latinLnBrk="0" hangingPunct="1"/>
             <a:r>
-              <a:rPr lang="en-US" smtClean="0"/>
+              <a:rPr lang="en-US"/>
               <a:t>Third level</a:t>
             </a:r>
           </a:p>
           <a:p>
             <a:pPr lvl="3" eaLnBrk="1" latinLnBrk="0" hangingPunct="1"/>
             <a:r>
-              <a:rPr lang="en-US" smtClean="0"/>
+              <a:rPr lang="en-US"/>
               <a:t>Fourth level</a:t>
             </a:r>
           </a:p>
           <a:p>
             <a:pPr lvl="4" eaLnBrk="1" latinLnBrk="0" hangingPunct="1"/>
             <a:r>
-              <a:rPr lang="en-US" smtClean="0"/>
+              <a:rPr lang="en-US"/>
               <a:t>Fifth level</a:t>
             </a:r>
             <a:endParaRPr kumimoji="0" lang="en-US"/>
@@ -4626,35 +4500,35 @@
           <a:p>
             <a:pPr lvl="0" eaLnBrk="1" latinLnBrk="0" hangingPunct="1"/>
             <a:r>
-              <a:rPr lang="en-US" smtClean="0"/>
+              <a:rPr lang="en-US"/>
               <a:t>Click to edit Master text styles</a:t>
             </a:r>
           </a:p>
           <a:p>
             <a:pPr lvl="1" eaLnBrk="1" latinLnBrk="0" hangingPunct="1"/>
             <a:r>
-              <a:rPr lang="en-US" smtClean="0"/>
+              <a:rPr lang="en-US"/>
               <a:t>Second level</a:t>
             </a:r>
           </a:p>
           <a:p>
             <a:pPr lvl="2" eaLnBrk="1" latinLnBrk="0" hangingPunct="1"/>
             <a:r>
-              <a:rPr lang="en-US" smtClean="0"/>
+              <a:rPr lang="en-US"/>
               <a:t>Third level</a:t>
             </a:r>
           </a:p>
           <a:p>
             <a:pPr lvl="3" eaLnBrk="1" latinLnBrk="0" hangingPunct="1"/>
             <a:r>
-              <a:rPr lang="en-US" smtClean="0"/>
+              <a:rPr lang="en-US"/>
               <a:t>Fourth level</a:t>
             </a:r>
           </a:p>
           <a:p>
             <a:pPr lvl="4" eaLnBrk="1" latinLnBrk="0" hangingPunct="1"/>
             <a:r>
-              <a:rPr lang="en-US" smtClean="0"/>
+              <a:rPr lang="en-US"/>
               <a:t>Fifth level</a:t>
             </a:r>
             <a:endParaRPr kumimoji="0" lang="en-US"/>
@@ -4679,7 +4553,7 @@
             <a:fld id="{1D8BD707-D9CF-40AE-B4C6-C98DA3205C09}" type="datetimeFigureOut">
               <a:rPr lang="en-US" smtClean="0"/>
               <a:pPr/>
-              <a:t>2/7/2023</a:t>
+              <a:t>5/29/2023</a:t>
             </a:fld>
             <a:endParaRPr lang="en-US" dirty="0"/>
           </a:p>
@@ -4744,10 +4618,9 @@
           <a:lstStyle/>
           <a:p>
             <a:r>
-              <a:rPr kumimoji="0" lang="en-US" smtClean="0"/>
+              <a:rPr kumimoji="0" lang="en-US"/>
               <a:t>Click to edit Master title style</a:t>
             </a:r>
-            <a:endParaRPr kumimoji="0" lang="en-US"/>
           </a:p>
         </p:txBody>
       </p:sp>
@@ -4768,13 +4641,6 @@
       </p:transition>
     </mc:Fallback>
   </mc:AlternateContent>
-  <p:timing>
-    <p:tnLst>
-      <p:par>
-        <p:cTn id="1" dur="indefinite" restart="never" nodeType="tmRoot"/>
-      </p:par>
-    </p:tnLst>
-  </p:timing>
 </p:sldLayout>
 </file>
 
@@ -4826,10 +4692,9 @@
           </a:lstStyle>
           <a:p>
             <a:r>
-              <a:rPr kumimoji="0" lang="en-US" smtClean="0"/>
+              <a:rPr kumimoji="0" lang="en-US"/>
               <a:t>Click to edit Master title style</a:t>
             </a:r>
-            <a:endParaRPr kumimoji="0" lang="en-US"/>
           </a:p>
         </p:txBody>
       </p:sp>
@@ -4890,7 +4755,7 @@
           <a:p>
             <a:pPr lvl="0" eaLnBrk="1" latinLnBrk="0" hangingPunct="1"/>
             <a:r>
-              <a:rPr kumimoji="0" lang="en-US" smtClean="0"/>
+              <a:rPr kumimoji="0" lang="en-US"/>
               <a:t>Click to edit Master text styles</a:t>
             </a:r>
           </a:p>
@@ -4953,7 +4818,7 @@
           <a:p>
             <a:pPr lvl="0" eaLnBrk="1" latinLnBrk="0" hangingPunct="1"/>
             <a:r>
-              <a:rPr kumimoji="0" lang="en-US" smtClean="0"/>
+              <a:rPr kumimoji="0" lang="en-US"/>
               <a:t>Click to edit Master text styles</a:t>
             </a:r>
           </a:p>
@@ -5003,35 +4868,35 @@
           <a:p>
             <a:pPr lvl="0" eaLnBrk="1" latinLnBrk="0" hangingPunct="1"/>
             <a:r>
-              <a:rPr lang="en-US" smtClean="0"/>
+              <a:rPr lang="en-US"/>
               <a:t>Click to edit Master text styles</a:t>
             </a:r>
           </a:p>
           <a:p>
             <a:pPr lvl="1" eaLnBrk="1" latinLnBrk="0" hangingPunct="1"/>
             <a:r>
-              <a:rPr lang="en-US" smtClean="0"/>
+              <a:rPr lang="en-US"/>
               <a:t>Second level</a:t>
             </a:r>
           </a:p>
           <a:p>
             <a:pPr lvl="2" eaLnBrk="1" latinLnBrk="0" hangingPunct="1"/>
             <a:r>
-              <a:rPr lang="en-US" smtClean="0"/>
+              <a:rPr lang="en-US"/>
               <a:t>Third level</a:t>
             </a:r>
           </a:p>
           <a:p>
             <a:pPr lvl="3" eaLnBrk="1" latinLnBrk="0" hangingPunct="1"/>
             <a:r>
-              <a:rPr lang="en-US" smtClean="0"/>
+              <a:rPr lang="en-US"/>
               <a:t>Fourth level</a:t>
             </a:r>
           </a:p>
           <a:p>
             <a:pPr lvl="4" eaLnBrk="1" latinLnBrk="0" hangingPunct="1"/>
             <a:r>
-              <a:rPr lang="en-US" smtClean="0"/>
+              <a:rPr lang="en-US"/>
               <a:t>Fifth level</a:t>
             </a:r>
             <a:endParaRPr kumimoji="0" lang="en-US"/>
@@ -5085,35 +4950,35 @@
           <a:p>
             <a:pPr lvl="0" eaLnBrk="1" latinLnBrk="0" hangingPunct="1"/>
             <a:r>
-              <a:rPr lang="en-US" smtClean="0"/>
+              <a:rPr lang="en-US"/>
               <a:t>Click to edit Master text styles</a:t>
             </a:r>
           </a:p>
           <a:p>
             <a:pPr lvl="1" eaLnBrk="1" latinLnBrk="0" hangingPunct="1"/>
             <a:r>
-              <a:rPr lang="en-US" smtClean="0"/>
+              <a:rPr lang="en-US"/>
               <a:t>Second level</a:t>
             </a:r>
           </a:p>
           <a:p>
             <a:pPr lvl="2" eaLnBrk="1" latinLnBrk="0" hangingPunct="1"/>
             <a:r>
-              <a:rPr lang="en-US" smtClean="0"/>
+              <a:rPr lang="en-US"/>
               <a:t>Third level</a:t>
             </a:r>
           </a:p>
           <a:p>
             <a:pPr lvl="3" eaLnBrk="1" latinLnBrk="0" hangingPunct="1"/>
             <a:r>
-              <a:rPr lang="en-US" smtClean="0"/>
+              <a:rPr lang="en-US"/>
               <a:t>Fourth level</a:t>
             </a:r>
           </a:p>
           <a:p>
             <a:pPr lvl="4" eaLnBrk="1" latinLnBrk="0" hangingPunct="1"/>
             <a:r>
-              <a:rPr lang="en-US" smtClean="0"/>
+              <a:rPr lang="en-US"/>
               <a:t>Fifth level</a:t>
             </a:r>
             <a:endParaRPr kumimoji="0" lang="en-US"/>
@@ -5138,7 +5003,7 @@
             <a:fld id="{1D8BD707-D9CF-40AE-B4C6-C98DA3205C09}" type="datetimeFigureOut">
               <a:rPr lang="en-US" smtClean="0"/>
               <a:pPr/>
-              <a:t>2/7/2023</a:t>
+              <a:t>5/29/2023</a:t>
             </a:fld>
             <a:endParaRPr lang="en-US" dirty="0"/>
           </a:p>
@@ -5204,13 +5069,6 @@
       </p:transition>
     </mc:Fallback>
   </mc:AlternateContent>
-  <p:timing>
-    <p:tnLst>
-      <p:par>
-        <p:cTn id="1" dur="indefinite" restart="never" nodeType="tmRoot"/>
-      </p:par>
-    </p:tnLst>
-  </p:timing>
 </p:sldLayout>
 </file>
 
@@ -5254,7 +5112,7 @@
             <a:fld id="{1D8BD707-D9CF-40AE-B4C6-C98DA3205C09}" type="datetimeFigureOut">
               <a:rPr lang="en-US" smtClean="0"/>
               <a:pPr/>
-              <a:t>2/7/2023</a:t>
+              <a:t>5/29/2023</a:t>
             </a:fld>
             <a:endParaRPr lang="en-US" dirty="0"/>
           </a:p>
@@ -5319,10 +5177,9 @@
           <a:lstStyle/>
           <a:p>
             <a:r>
-              <a:rPr kumimoji="0" lang="en-US" smtClean="0"/>
+              <a:rPr kumimoji="0" lang="en-US"/>
               <a:t>Click to edit Master title style</a:t>
             </a:r>
-            <a:endParaRPr kumimoji="0" lang="en-US"/>
           </a:p>
         </p:txBody>
       </p:sp>
@@ -5343,13 +5200,6 @@
       </p:transition>
     </mc:Fallback>
   </mc:AlternateContent>
-  <p:timing>
-    <p:tnLst>
-      <p:par>
-        <p:cTn id="1" dur="indefinite" restart="never" nodeType="tmRoot"/>
-      </p:par>
-    </p:tnLst>
-  </p:timing>
 </p:sldLayout>
 </file>
 
@@ -5388,7 +5238,7 @@
             <a:fld id="{1D8BD707-D9CF-40AE-B4C6-C98DA3205C09}" type="datetimeFigureOut">
               <a:rPr lang="en-US" smtClean="0"/>
               <a:pPr/>
-              <a:t>2/7/2023</a:t>
+              <a:t>5/29/2023</a:t>
             </a:fld>
             <a:endParaRPr lang="en-US" dirty="0"/>
           </a:p>
@@ -5454,13 +5304,6 @@
       </p:transition>
     </mc:Fallback>
   </mc:AlternateContent>
-  <p:timing>
-    <p:tnLst>
-      <p:par>
-        <p:cTn id="1" dur="indefinite" restart="never" nodeType="tmRoot"/>
-      </p:par>
-    </p:tnLst>
-  </p:timing>
 </p:sldLayout>
 </file>
 
@@ -5523,10 +5366,9 @@
           </a:lstStyle>
           <a:p>
             <a:r>
-              <a:rPr kumimoji="0" lang="en-US" smtClean="0"/>
+              <a:rPr kumimoji="0" lang="en-US"/>
               <a:t>Click to edit Master title style</a:t>
             </a:r>
-            <a:endParaRPr kumimoji="0" lang="en-US"/>
           </a:p>
         </p:txBody>
       </p:sp>
@@ -5574,7 +5416,7 @@
           <a:p>
             <a:pPr lvl="0" eaLnBrk="1" latinLnBrk="0" hangingPunct="1"/>
             <a:r>
-              <a:rPr kumimoji="0" lang="en-US" smtClean="0"/>
+              <a:rPr kumimoji="0" lang="en-US"/>
               <a:t>Click to edit Master text styles</a:t>
             </a:r>
           </a:p>
@@ -5619,35 +5461,35 @@
           <a:p>
             <a:pPr lvl="0" eaLnBrk="1" latinLnBrk="0" hangingPunct="1"/>
             <a:r>
-              <a:rPr lang="en-US" smtClean="0"/>
+              <a:rPr lang="en-US"/>
               <a:t>Click to edit Master text styles</a:t>
             </a:r>
           </a:p>
           <a:p>
             <a:pPr lvl="1" eaLnBrk="1" latinLnBrk="0" hangingPunct="1"/>
             <a:r>
-              <a:rPr lang="en-US" smtClean="0"/>
+              <a:rPr lang="en-US"/>
               <a:t>Second level</a:t>
             </a:r>
           </a:p>
           <a:p>
             <a:pPr lvl="2" eaLnBrk="1" latinLnBrk="0" hangingPunct="1"/>
             <a:r>
-              <a:rPr lang="en-US" smtClean="0"/>
+              <a:rPr lang="en-US"/>
               <a:t>Third level</a:t>
             </a:r>
           </a:p>
           <a:p>
             <a:pPr lvl="3" eaLnBrk="1" latinLnBrk="0" hangingPunct="1"/>
             <a:r>
-              <a:rPr lang="en-US" smtClean="0"/>
+              <a:rPr lang="en-US"/>
               <a:t>Fourth level</a:t>
             </a:r>
           </a:p>
           <a:p>
             <a:pPr lvl="4" eaLnBrk="1" latinLnBrk="0" hangingPunct="1"/>
             <a:r>
-              <a:rPr lang="en-US" smtClean="0"/>
+              <a:rPr lang="en-US"/>
               <a:t>Fifth level</a:t>
             </a:r>
             <a:endParaRPr kumimoji="0" lang="en-US"/>
@@ -5677,7 +5519,7 @@
             <a:fld id="{1D8BD707-D9CF-40AE-B4C6-C98DA3205C09}" type="datetimeFigureOut">
               <a:rPr lang="en-US" smtClean="0"/>
               <a:pPr/>
-              <a:t>2/7/2023</a:t>
+              <a:t>5/29/2023</a:t>
             </a:fld>
             <a:endParaRPr lang="en-US" dirty="0"/>
           </a:p>
@@ -5743,13 +5585,6 @@
       </p:transition>
     </mc:Fallback>
   </mc:AlternateContent>
-  <p:timing>
-    <p:tnLst>
-      <p:par>
-        <p:cTn id="1" dur="indefinite" restart="never" nodeType="tmRoot"/>
-      </p:par>
-    </p:tnLst>
-  </p:timing>
 </p:sldLayout>
 </file>
 
@@ -5816,7 +5651,7 @@
           <a:p>
             <a:pPr lvl="0" eaLnBrk="1" latinLnBrk="0" hangingPunct="1"/>
             <a:r>
-              <a:rPr kumimoji="0" lang="en-US" smtClean="0"/>
+              <a:rPr kumimoji="0" lang="en-US"/>
               <a:t>Click to edit Master text styles</a:t>
             </a:r>
           </a:p>
@@ -5865,7 +5700,7 @@
           </a:lstStyle>
           <a:p>
             <a:r>
-              <a:rPr kumimoji="0" lang="en-US" smtClean="0"/>
+              <a:rPr kumimoji="0" lang="en-US"/>
               <a:t>Click icon to add picture</a:t>
             </a:r>
             <a:endParaRPr kumimoji="0" lang="en-US" dirty="0"/>
@@ -5899,7 +5734,7 @@
             <a:fld id="{1D8BD707-D9CF-40AE-B4C6-C98DA3205C09}" type="datetimeFigureOut">
               <a:rPr lang="en-US" smtClean="0"/>
               <a:pPr/>
-              <a:t>2/7/2023</a:t>
+              <a:t>5/29/2023</a:t>
             </a:fld>
             <a:endParaRPr lang="en-US" dirty="0"/>
           </a:p>
@@ -6012,10 +5847,9 @@
           </a:lstStyle>
           <a:p>
             <a:r>
-              <a:rPr kumimoji="0" lang="en-US" smtClean="0"/>
+              <a:rPr kumimoji="0" lang="en-US"/>
               <a:t>Click to edit Master title style</a:t>
             </a:r>
-            <a:endParaRPr kumimoji="0" lang="en-US"/>
           </a:p>
         </p:txBody>
       </p:sp>
@@ -6516,13 +6350,6 @@
       </p:transition>
     </mc:Fallback>
   </mc:AlternateContent>
-  <p:timing>
-    <p:tnLst>
-      <p:par>
-        <p:cTn id="1" dur="indefinite" restart="never" nodeType="tmRoot"/>
-      </p:par>
-    </p:tnLst>
-  </p:timing>
 </p:sldLayout>
 </file>
 
@@ -6905,10 +6732,9 @@
           <a:lstStyle/>
           <a:p>
             <a:r>
-              <a:rPr kumimoji="0" lang="en-US" smtClean="0"/>
+              <a:rPr kumimoji="0" lang="en-US"/>
               <a:t>Click to edit Master title style</a:t>
             </a:r>
-            <a:endParaRPr kumimoji="0" lang="en-US"/>
           </a:p>
         </p:txBody>
       </p:sp>
@@ -6939,38 +6765,37 @@
           <a:p>
             <a:pPr lvl="0" eaLnBrk="1" latinLnBrk="0" hangingPunct="1"/>
             <a:r>
-              <a:rPr kumimoji="0" lang="en-US" smtClean="0"/>
+              <a:rPr kumimoji="0" lang="en-US"/>
               <a:t>Click to edit Master text styles</a:t>
             </a:r>
           </a:p>
           <a:p>
             <a:pPr lvl="1" eaLnBrk="1" latinLnBrk="0" hangingPunct="1"/>
             <a:r>
-              <a:rPr kumimoji="0" lang="en-US" smtClean="0"/>
+              <a:rPr kumimoji="0" lang="en-US"/>
               <a:t>Second level</a:t>
             </a:r>
           </a:p>
           <a:p>
             <a:pPr lvl="2" eaLnBrk="1" latinLnBrk="0" hangingPunct="1"/>
             <a:r>
-              <a:rPr kumimoji="0" lang="en-US" smtClean="0"/>
+              <a:rPr kumimoji="0" lang="en-US"/>
               <a:t>Third level</a:t>
             </a:r>
           </a:p>
           <a:p>
             <a:pPr lvl="3" eaLnBrk="1" latinLnBrk="0" hangingPunct="1"/>
             <a:r>
-              <a:rPr kumimoji="0" lang="en-US" smtClean="0"/>
+              <a:rPr kumimoji="0" lang="en-US"/>
               <a:t>Fourth level</a:t>
             </a:r>
           </a:p>
           <a:p>
             <a:pPr lvl="4" eaLnBrk="1" latinLnBrk="0" hangingPunct="1"/>
             <a:r>
-              <a:rPr kumimoji="0" lang="en-US" smtClean="0"/>
+              <a:rPr kumimoji="0" lang="en-US"/>
               <a:t>Fifth level</a:t>
             </a:r>
-            <a:endParaRPr kumimoji="0" lang="en-US"/>
           </a:p>
         </p:txBody>
       </p:sp>
@@ -7009,7 +6834,7 @@
             <a:fld id="{1D8BD707-D9CF-40AE-B4C6-C98DA3205C09}" type="datetimeFigureOut">
               <a:rPr lang="en-US" smtClean="0"/>
               <a:pPr/>
-              <a:t>2/7/2023</a:t>
+              <a:t>5/29/2023</a:t>
             </a:fld>
             <a:endParaRPr lang="en-US" dirty="0"/>
           </a:p>
@@ -7120,13 +6945,6 @@
       </p:transition>
     </mc:Fallback>
   </mc:AlternateContent>
-  <p:timing>
-    <p:tnLst>
-      <p:par>
-        <p:cTn id="1" dur="indefinite" restart="never" nodeType="tmRoot"/>
-      </p:par>
-    </p:tnLst>
-  </p:timing>
   <p:txStyles>
     <p:titleStyle>
       <a:lvl1pPr algn="l" rtl="0" eaLnBrk="1" latinLnBrk="0" hangingPunct="1">
@@ -7459,17 +7277,16 @@
           <a:lstStyle/>
           <a:p>
             <a:r>
-              <a:rPr lang="en-US" sz="4400" dirty="0" smtClean="0"/>
+              <a:rPr lang="en-US" sz="4400" dirty="0"/>
               <a:t>In Memory Database (IMDB)</a:t>
             </a:r>
             <a:br>
-              <a:rPr lang="en-US" sz="4400" dirty="0" smtClean="0"/>
+              <a:rPr lang="en-US" sz="4400" dirty="0"/>
             </a:br>
             <a:r>
-              <a:rPr lang="en-US" sz="4400" dirty="0" smtClean="0"/>
+              <a:rPr lang="en-US" sz="4400" dirty="0"/>
               <a:t>					</a:t>
             </a:r>
-            <a:endParaRPr lang="en-US" sz="4400" dirty="0"/>
           </a:p>
         </p:txBody>
       </p:sp>
@@ -7481,13 +7298,6 @@
   <p:transition spd="med">
     <p:fade/>
   </p:transition>
-  <p:timing>
-    <p:tnLst>
-      <p:par>
-        <p:cTn id="1" dur="indefinite" restart="never" nodeType="tmRoot"/>
-      </p:par>
-    </p:tnLst>
-  </p:timing>
 </p:sld>
 </file>
 
@@ -7532,14 +7342,14 @@
                 <a:gridCol w="4114800">
                   <a:extLst>
                     <a:ext uri="{9D8B030D-6E8A-4147-A177-3AD203B41FA5}">
-                      <a16:colId xmlns:a16="http://schemas.microsoft.com/office/drawing/2014/main" xmlns="" val="20000"/>
+                      <a16:colId xmlns:a16="http://schemas.microsoft.com/office/drawing/2014/main" val="20000"/>
                     </a:ext>
                   </a:extLst>
                 </a:gridCol>
                 <a:gridCol w="4114800">
                   <a:extLst>
                     <a:ext uri="{9D8B030D-6E8A-4147-A177-3AD203B41FA5}">
-                      <a16:colId xmlns:a16="http://schemas.microsoft.com/office/drawing/2014/main" xmlns="" val="20001"/>
+                      <a16:colId xmlns:a16="http://schemas.microsoft.com/office/drawing/2014/main" val="20001"/>
                     </a:ext>
                   </a:extLst>
                 </a:gridCol>
@@ -7551,18 +7361,17 @@
                     <a:lstStyle/>
                     <a:p>
                       <a:r>
-                        <a:rPr lang="en-US" dirty="0" smtClean="0"/>
+                        <a:rPr lang="en-US" dirty="0"/>
                         <a:t>Disk</a:t>
                       </a:r>
                       <a:r>
-                        <a:rPr lang="en-US" baseline="0" dirty="0" smtClean="0"/>
+                        <a:rPr lang="en-US" baseline="0" dirty="0"/>
                         <a:t> Resident</a:t>
                       </a:r>
                       <a:r>
-                        <a:rPr lang="en-US" dirty="0" smtClean="0"/>
+                        <a:rPr lang="en-US" dirty="0"/>
                         <a:t> Data Base</a:t>
                       </a:r>
-                      <a:endParaRPr lang="en-US" dirty="0"/>
                     </a:p>
                   </a:txBody>
                   <a:tcPr marL="102536" marR="102536"/>
@@ -7573,17 +7382,16 @@
                     <a:lstStyle/>
                     <a:p>
                       <a:r>
-                        <a:rPr lang="en-US" dirty="0" smtClean="0"/>
+                        <a:rPr lang="en-US" dirty="0"/>
                         <a:t>In-Memory Data Base</a:t>
                       </a:r>
-                      <a:endParaRPr lang="en-US" dirty="0"/>
                     </a:p>
                   </a:txBody>
                   <a:tcPr marL="102536" marR="102536"/>
                 </a:tc>
                 <a:extLst>
                   <a:ext uri="{0D108BD9-81ED-4DB2-BD59-A6C34878D82A}">
-                    <a16:rowId xmlns:a16="http://schemas.microsoft.com/office/drawing/2014/main" xmlns="" val="10000"/>
+                    <a16:rowId xmlns:a16="http://schemas.microsoft.com/office/drawing/2014/main" val="10000"/>
                   </a:ext>
                 </a:extLst>
               </a:tr>
@@ -7594,11 +7402,11 @@
                     <a:lstStyle/>
                     <a:p>
                       <a:r>
-                        <a:rPr lang="en-US" dirty="0" smtClean="0"/>
+                        <a:rPr lang="en-US" dirty="0"/>
                         <a:t>Carries</a:t>
                       </a:r>
                       <a:r>
-                        <a:rPr lang="en-US" baseline="0" dirty="0" smtClean="0"/>
+                        <a:rPr lang="en-US" baseline="0" dirty="0"/>
                         <a:t> File I/O burden</a:t>
                       </a:r>
                       <a:endParaRPr lang="en-US" dirty="0"/>
@@ -7612,7 +7420,7 @@
                     <a:lstStyle/>
                     <a:p>
                       <a:r>
-                        <a:rPr lang="en-US" sz="1800" b="0" i="0" kern="1200" dirty="0" smtClean="0">
+                        <a:rPr lang="en-US" sz="1800" b="0" i="0" kern="1200" dirty="0">
                           <a:solidFill>
                             <a:schemeClr val="tx1"/>
                           </a:solidFill>
@@ -7629,7 +7437,7 @@
                 </a:tc>
                 <a:extLst>
                   <a:ext uri="{0D108BD9-81ED-4DB2-BD59-A6C34878D82A}">
-                    <a16:rowId xmlns:a16="http://schemas.microsoft.com/office/drawing/2014/main" xmlns="" val="10001"/>
+                    <a16:rowId xmlns:a16="http://schemas.microsoft.com/office/drawing/2014/main" val="10001"/>
                   </a:ext>
                 </a:extLst>
               </a:tr>
@@ -7640,7 +7448,7 @@
                     <a:lstStyle/>
                     <a:p>
                       <a:r>
-                        <a:rPr lang="en-US" sz="1800" b="0" i="0" kern="1200" dirty="0" smtClean="0">
+                        <a:rPr lang="en-US" sz="1800" b="0" i="0" kern="1200" dirty="0">
                           <a:solidFill>
                             <a:schemeClr val="tx1"/>
                           </a:solidFill>
@@ -7661,17 +7469,16 @@
                     <a:lstStyle/>
                     <a:p>
                       <a:r>
-                        <a:rPr lang="en-US" dirty="0" smtClean="0"/>
+                        <a:rPr lang="en-US" dirty="0"/>
                         <a:t>No extra memory</a:t>
                       </a:r>
-                      <a:endParaRPr lang="en-US" dirty="0"/>
                     </a:p>
                   </a:txBody>
                   <a:tcPr marL="102536" marR="102536"/>
                 </a:tc>
                 <a:extLst>
                   <a:ext uri="{0D108BD9-81ED-4DB2-BD59-A6C34878D82A}">
-                    <a16:rowId xmlns:a16="http://schemas.microsoft.com/office/drawing/2014/main" xmlns="" val="10002"/>
+                    <a16:rowId xmlns:a16="http://schemas.microsoft.com/office/drawing/2014/main" val="10002"/>
                   </a:ext>
                 </a:extLst>
               </a:tr>
@@ -7682,11 +7489,11 @@
                     <a:lstStyle/>
                     <a:p>
                       <a:r>
-                        <a:rPr lang="en-US" dirty="0" smtClean="0"/>
+                        <a:rPr lang="en-US" dirty="0"/>
                         <a:t>Algorithm </a:t>
                       </a:r>
                       <a:r>
-                        <a:rPr lang="en-US" baseline="0" dirty="0" smtClean="0"/>
+                        <a:rPr lang="en-US" baseline="0" dirty="0"/>
                         <a:t>optimized for disk</a:t>
                       </a:r>
                       <a:endParaRPr lang="en-US" dirty="0"/>
@@ -7700,17 +7507,16 @@
                     <a:lstStyle/>
                     <a:p>
                       <a:r>
-                        <a:rPr lang="en-US" dirty="0" smtClean="0"/>
+                        <a:rPr lang="en-US" dirty="0"/>
                         <a:t>Algorithms optimized for memory</a:t>
                       </a:r>
-                      <a:endParaRPr lang="en-US" dirty="0"/>
                     </a:p>
                   </a:txBody>
                   <a:tcPr marL="102536" marR="102536"/>
                 </a:tc>
                 <a:extLst>
                   <a:ext uri="{0D108BD9-81ED-4DB2-BD59-A6C34878D82A}">
-                    <a16:rowId xmlns:a16="http://schemas.microsoft.com/office/drawing/2014/main" xmlns="" val="10003"/>
+                    <a16:rowId xmlns:a16="http://schemas.microsoft.com/office/drawing/2014/main" val="10003"/>
                   </a:ext>
                 </a:extLst>
               </a:tr>
@@ -7721,10 +7527,9 @@
                     <a:lstStyle/>
                     <a:p>
                       <a:r>
-                        <a:rPr lang="en-US" dirty="0" smtClean="0"/>
+                        <a:rPr lang="en-US" dirty="0"/>
                         <a:t>More CPU cycles</a:t>
                       </a:r>
-                      <a:endParaRPr lang="en-US" dirty="0"/>
                     </a:p>
                   </a:txBody>
                   <a:tcPr marL="102536" marR="102536"/>
@@ -7735,11 +7540,11 @@
                     <a:lstStyle/>
                     <a:p>
                       <a:r>
-                        <a:rPr lang="en-US" dirty="0" smtClean="0"/>
+                        <a:rPr lang="en-US" dirty="0"/>
                         <a:t>Less</a:t>
                       </a:r>
                       <a:r>
-                        <a:rPr lang="en-US" baseline="0" dirty="0" smtClean="0"/>
+                        <a:rPr lang="en-US" baseline="0" dirty="0"/>
                         <a:t> CPU cycles</a:t>
                       </a:r>
                       <a:endParaRPr lang="en-US" dirty="0"/>
@@ -7749,7 +7554,7 @@
                 </a:tc>
                 <a:extLst>
                   <a:ext uri="{0D108BD9-81ED-4DB2-BD59-A6C34878D82A}">
-                    <a16:rowId xmlns:a16="http://schemas.microsoft.com/office/drawing/2014/main" xmlns="" val="10004"/>
+                    <a16:rowId xmlns:a16="http://schemas.microsoft.com/office/drawing/2014/main" val="10004"/>
                   </a:ext>
                 </a:extLst>
               </a:tr>
@@ -7760,11 +7565,11 @@
                     <a:lstStyle/>
                     <a:p>
                       <a:r>
-                        <a:rPr lang="en-US" dirty="0" smtClean="0"/>
+                        <a:rPr lang="en-US" dirty="0"/>
                         <a:t>Assumes </a:t>
                       </a:r>
                       <a:r>
-                        <a:rPr lang="en-US" baseline="0" dirty="0" smtClean="0"/>
+                        <a:rPr lang="en-US" baseline="0" dirty="0"/>
                         <a:t> Memory is abundant</a:t>
                       </a:r>
                       <a:endParaRPr lang="en-US" dirty="0"/>
@@ -7778,17 +7583,16 @@
                     <a:lstStyle/>
                     <a:p>
                       <a:r>
-                        <a:rPr lang="en-US" dirty="0" smtClean="0"/>
+                        <a:rPr lang="en-US" dirty="0"/>
                         <a:t>Uses memory more efficiently</a:t>
                       </a:r>
-                      <a:endParaRPr lang="en-US" dirty="0"/>
                     </a:p>
                   </a:txBody>
                   <a:tcPr marL="102536" marR="102536"/>
                 </a:tc>
                 <a:extLst>
                   <a:ext uri="{0D108BD9-81ED-4DB2-BD59-A6C34878D82A}">
-                    <a16:rowId xmlns:a16="http://schemas.microsoft.com/office/drawing/2014/main" xmlns="" val="10005"/>
+                    <a16:rowId xmlns:a16="http://schemas.microsoft.com/office/drawing/2014/main" val="10005"/>
                   </a:ext>
                 </a:extLst>
               </a:tr>
@@ -7819,10 +7623,9 @@
           <a:lstStyle/>
           <a:p>
             <a:r>
-              <a:rPr lang="en-US" dirty="0" smtClean="0"/>
+              <a:rPr lang="en-US" dirty="0"/>
               <a:t>IMDB vs. DRDB(Disk Resident DB)</a:t>
             </a:r>
-            <a:endParaRPr lang="en-US" dirty="0"/>
           </a:p>
         </p:txBody>
       </p:sp>
@@ -7843,13 +7646,6 @@
       </p:transition>
     </mc:Fallback>
   </mc:AlternateContent>
-  <p:timing>
-    <p:tnLst>
-      <p:par>
-        <p:cTn id="1" dur="indefinite" restart="never" nodeType="tmRoot"/>
-      </p:par>
-    </p:tnLst>
-  </p:timing>
 </p:sld>
 </file>
 
@@ -7880,60 +7676,64 @@
             <p:ph idx="1"/>
           </p:nvPr>
         </p:nvSpPr>
+        <p:spPr/>
+        <p:txBody>
+          <a:bodyPr/>
+          <a:lstStyle/>
+          <a:p>
+            <a:endParaRPr lang="en-US" dirty="0"/>
+          </a:p>
+          <a:p>
+            <a:r>
+              <a:rPr lang="en-US" dirty="0"/>
+              <a:t>Data Representation,</a:t>
+            </a:r>
+          </a:p>
+          <a:p>
+            <a:r>
+              <a:rPr lang="en-US" dirty="0"/>
+              <a:t>Concurrency control,</a:t>
+            </a:r>
+          </a:p>
+          <a:p>
+            <a:r>
+              <a:rPr lang="en-US" dirty="0"/>
+              <a:t>Data Access Methods,</a:t>
+            </a:r>
+          </a:p>
+          <a:p>
+            <a:r>
+              <a:rPr lang="en-US" dirty="0"/>
+              <a:t>Query Processing,</a:t>
+            </a:r>
+          </a:p>
+          <a:p>
+            <a:r>
+              <a:rPr lang="en-US" dirty="0"/>
+              <a:t>ACID Properties,</a:t>
+            </a:r>
+          </a:p>
+          <a:p>
+            <a:r>
+              <a:rPr lang="en-US" dirty="0"/>
+              <a:t>Recovery.</a:t>
+            </a:r>
+          </a:p>
+        </p:txBody>
+      </p:sp>
+      <p:sp>
+        <p:nvSpPr>
+          <p:cNvPr id="2" name="Title 1"/>
+          <p:cNvSpPr>
+            <a:spLocks noGrp="1"/>
+          </p:cNvSpPr>
+          <p:nvPr>
+            <p:ph type="title"/>
+          </p:nvPr>
+        </p:nvSpPr>
         <p:spPr>
           <a:xfrm>
-            <a:off x="1066800" y="1600200"/>
-            <a:ext cx="7467601" cy="4953000"/>
-          </a:xfrm>
-        </p:spPr>
-        <p:txBody>
-          <a:bodyPr/>
-          <a:lstStyle/>
-          <a:p>
-            <a:r>
-              <a:rPr lang="en-US" dirty="0" smtClean="0"/>
-              <a:t>Durability </a:t>
-            </a:r>
-          </a:p>
-          <a:p>
-            <a:pPr>
-              <a:buNone/>
-            </a:pPr>
-            <a:endParaRPr lang="en-US" dirty="0" smtClean="0"/>
-          </a:p>
-          <a:p>
-            <a:r>
-              <a:rPr lang="en-US" dirty="0" smtClean="0"/>
-              <a:t>Query optimization</a:t>
-            </a:r>
-          </a:p>
-          <a:p>
-            <a:endParaRPr lang="en-US" dirty="0" smtClean="0"/>
-          </a:p>
-          <a:p>
-            <a:r>
-              <a:rPr lang="en-US" dirty="0" smtClean="0"/>
-              <a:t>Size of Data Base</a:t>
-            </a:r>
-          </a:p>
-          <a:p>
-            <a:endParaRPr lang="en-US" dirty="0"/>
-          </a:p>
-        </p:txBody>
-      </p:sp>
-      <p:sp>
-        <p:nvSpPr>
-          <p:cNvPr id="2" name="Title 1"/>
-          <p:cNvSpPr>
-            <a:spLocks noGrp="1"/>
-          </p:cNvSpPr>
-          <p:nvPr>
-            <p:ph type="title"/>
-          </p:nvPr>
-        </p:nvSpPr>
-        <p:spPr>
-          <a:xfrm>
-            <a:off x="1195389" y="76200"/>
+            <a:off x="1195389" y="0"/>
             <a:ext cx="7339012" cy="1239837"/>
           </a:xfrm>
         </p:spPr>
@@ -7942,19 +7742,13 @@
           <a:lstStyle/>
           <a:p>
             <a:r>
-              <a:rPr lang="en-US" dirty="0" smtClean="0"/>
-              <a:t>Challenges in IMDB</a:t>
-            </a:r>
-            <a:endParaRPr lang="en-US" dirty="0"/>
+              <a:rPr lang="en-US" dirty="0"/>
+              <a:t>Impact of IMDB:</a:t>
+            </a:r>
           </a:p>
         </p:txBody>
       </p:sp>
     </p:spTree>
-    <p:extLst>
-      <p:ext uri="{BB962C8B-B14F-4D97-AF65-F5344CB8AC3E}">
-        <p14:creationId xmlns:p14="http://schemas.microsoft.com/office/powerpoint/2010/main" val="3448432176"/>
-      </p:ext>
-    </p:extLst>
   </p:cSld>
   <p:clrMapOvr>
     <a:masterClrMapping/>
@@ -7971,13 +7765,6 @@
       </p:transition>
     </mc:Fallback>
   </mc:AlternateContent>
-  <p:timing>
-    <p:tnLst>
-      <p:par>
-        <p:cTn id="1" dur="indefinite" restart="never" nodeType="tmRoot"/>
-      </p:par>
-    </p:tnLst>
-  </p:timing>
 </p:sld>
 </file>
 
@@ -8008,76 +7795,82 @@
             <p:ph idx="1"/>
           </p:nvPr>
         </p:nvSpPr>
+        <p:spPr>
+          <a:xfrm>
+            <a:off x="457200" y="1295400"/>
+            <a:ext cx="8229600" cy="4711891"/>
+          </a:xfrm>
+        </p:spPr>
+        <p:txBody>
+          <a:bodyPr>
+            <a:normAutofit/>
+          </a:bodyPr>
+          <a:lstStyle/>
+          <a:p>
+            <a:pPr algn="just"/>
+            <a:endParaRPr lang="en-US" dirty="0"/>
+          </a:p>
+          <a:p>
+            <a:pPr algn="just"/>
+            <a:r>
+              <a:rPr lang="en-US" dirty="0"/>
+              <a:t>In Disk Resident DB, we use flat files and sequential access.</a:t>
+            </a:r>
+          </a:p>
+          <a:p>
+            <a:pPr algn="just">
+              <a:buNone/>
+            </a:pPr>
+            <a:endParaRPr lang="en-US" dirty="0"/>
+          </a:p>
+          <a:p>
+            <a:pPr algn="just"/>
+            <a:r>
+              <a:rPr lang="en-US" dirty="0"/>
+              <a:t>In IMDB, Relational tuples with direct pointers.</a:t>
+            </a:r>
+          </a:p>
+          <a:p>
+            <a:pPr lvl="1" algn="just"/>
+            <a:r>
+              <a:rPr lang="en-US" dirty="0"/>
+              <a:t>Space efficient.</a:t>
+            </a:r>
+          </a:p>
+          <a:p>
+            <a:pPr lvl="1" algn="just"/>
+            <a:r>
+              <a:rPr lang="en-US" dirty="0"/>
+              <a:t>Shared between columns and relations.</a:t>
+            </a:r>
+          </a:p>
+          <a:p>
+            <a:pPr marL="109728" indent="0" algn="just">
+              <a:buNone/>
+            </a:pPr>
+            <a:endParaRPr lang="en-US" dirty="0"/>
+          </a:p>
+        </p:txBody>
+      </p:sp>
+      <p:sp>
+        <p:nvSpPr>
+          <p:cNvPr id="2" name="Title 1"/>
+          <p:cNvSpPr>
+            <a:spLocks noGrp="1"/>
+          </p:cNvSpPr>
+          <p:nvPr>
+            <p:ph type="title"/>
+          </p:nvPr>
+        </p:nvSpPr>
         <p:spPr/>
         <p:txBody>
           <a:bodyPr/>
           <a:lstStyle/>
           <a:p>
-            <a:endParaRPr lang="en-US" dirty="0" smtClean="0"/>
-          </a:p>
-          <a:p>
-            <a:r>
-              <a:rPr lang="en-US" dirty="0" smtClean="0"/>
-              <a:t>Data Representation,</a:t>
-            </a:r>
-          </a:p>
-          <a:p>
-            <a:r>
-              <a:rPr lang="en-US" dirty="0" smtClean="0"/>
-              <a:t>Concurrency control,</a:t>
-            </a:r>
-          </a:p>
-          <a:p>
-            <a:r>
-              <a:rPr lang="en-US" dirty="0" smtClean="0"/>
-              <a:t>Data Access Methods,</a:t>
-            </a:r>
-          </a:p>
-          <a:p>
-            <a:r>
-              <a:rPr lang="en-US" dirty="0" smtClean="0"/>
-              <a:t>Query Processing,</a:t>
-            </a:r>
-          </a:p>
-          <a:p>
-            <a:r>
-              <a:rPr lang="en-US" dirty="0" smtClean="0"/>
-              <a:t>ACID Properties,</a:t>
-            </a:r>
-          </a:p>
-          <a:p>
-            <a:r>
-              <a:rPr lang="en-US" dirty="0" smtClean="0"/>
-              <a:t>Recovery.</a:t>
-            </a:r>
-          </a:p>
-        </p:txBody>
-      </p:sp>
-      <p:sp>
-        <p:nvSpPr>
-          <p:cNvPr id="2" name="Title 1"/>
-          <p:cNvSpPr>
-            <a:spLocks noGrp="1"/>
-          </p:cNvSpPr>
-          <p:nvPr>
-            <p:ph type="title"/>
-          </p:nvPr>
-        </p:nvSpPr>
-        <p:spPr>
-          <a:xfrm>
-            <a:off x="1195389" y="0"/>
-            <a:ext cx="7339012" cy="1239837"/>
-          </a:xfrm>
-        </p:spPr>
-        <p:txBody>
-          <a:bodyPr/>
-          <a:lstStyle/>
-          <a:p>
-            <a:r>
-              <a:rPr lang="en-US" dirty="0" smtClean="0"/>
-              <a:t>Impact of IMDB:</a:t>
-            </a:r>
-            <a:endParaRPr lang="en-US" dirty="0"/>
+            <a:r>
+              <a:rPr lang="en-US" dirty="0"/>
+              <a:t>Data Representation</a:t>
+            </a:r>
           </a:p>
         </p:txBody>
       </p:sp>
@@ -8098,13 +7891,6 @@
       </p:transition>
     </mc:Fallback>
   </mc:AlternateContent>
-  <p:timing>
-    <p:tnLst>
-      <p:par>
-        <p:cTn id="1" dur="indefinite" restart="never" nodeType="tmRoot"/>
-      </p:par>
-    </p:tnLst>
-  </p:timing>
 </p:sld>
 </file>
 
@@ -8127,73 +7913,6 @@
       </p:grpSpPr>
       <p:sp>
         <p:nvSpPr>
-          <p:cNvPr id="3" name="Content Placeholder 2"/>
-          <p:cNvSpPr>
-            <a:spLocks noGrp="1"/>
-          </p:cNvSpPr>
-          <p:nvPr>
-            <p:ph idx="1"/>
-          </p:nvPr>
-        </p:nvSpPr>
-        <p:spPr>
-          <a:xfrm>
-            <a:off x="457200" y="1295400"/>
-            <a:ext cx="8229600" cy="4711891"/>
-          </a:xfrm>
-        </p:spPr>
-        <p:txBody>
-          <a:bodyPr>
-            <a:normAutofit/>
-          </a:bodyPr>
-          <a:lstStyle/>
-          <a:p>
-            <a:pPr algn="just"/>
-            <a:endParaRPr lang="en-US" dirty="0" smtClean="0"/>
-          </a:p>
-          <a:p>
-            <a:pPr algn="just"/>
-            <a:r>
-              <a:rPr lang="en-US" dirty="0" smtClean="0"/>
-              <a:t>In Disk Resident DB, we use flat files and sequential access.</a:t>
-            </a:r>
-          </a:p>
-          <a:p>
-            <a:pPr algn="just">
-              <a:buNone/>
-            </a:pPr>
-            <a:endParaRPr lang="en-US" dirty="0" smtClean="0"/>
-          </a:p>
-          <a:p>
-            <a:pPr algn="just"/>
-            <a:r>
-              <a:rPr lang="en-US" dirty="0" smtClean="0"/>
-              <a:t>In IMDB, Relational tuples with direct pointers.</a:t>
-            </a:r>
-          </a:p>
-          <a:p>
-            <a:pPr lvl="1" algn="just"/>
-            <a:r>
-              <a:rPr lang="en-US" dirty="0" smtClean="0"/>
-              <a:t>Space efficient.</a:t>
-            </a:r>
-          </a:p>
-          <a:p>
-            <a:pPr lvl="1" algn="just"/>
-            <a:r>
-              <a:rPr lang="en-US" dirty="0" smtClean="0"/>
-              <a:t>Shared between columns and relations.</a:t>
-            </a:r>
-          </a:p>
-          <a:p>
-            <a:pPr marL="109728" indent="0" algn="just">
-              <a:buNone/>
-            </a:pPr>
-            <a:endParaRPr lang="en-US" dirty="0"/>
-          </a:p>
-        </p:txBody>
-      </p:sp>
-      <p:sp>
-        <p:nvSpPr>
           <p:cNvPr id="2" name="Title 1"/>
           <p:cNvSpPr>
             <a:spLocks noGrp="1"/>
@@ -8208,77 +7927,9 @@
           <a:lstStyle/>
           <a:p>
             <a:r>
-              <a:rPr lang="en-US" dirty="0" smtClean="0"/>
+              <a:rPr lang="en-US" dirty="0"/>
               <a:t>Data Representation</a:t>
             </a:r>
-            <a:endParaRPr lang="en-US" dirty="0"/>
-          </a:p>
-        </p:txBody>
-      </p:sp>
-    </p:spTree>
-  </p:cSld>
-  <p:clrMapOvr>
-    <a:masterClrMapping/>
-  </p:clrMapOvr>
-  <mc:AlternateContent xmlns:mc="http://schemas.openxmlformats.org/markup-compatibility/2006" xmlns:p14="http://schemas.microsoft.com/office/powerpoint/2010/main">
-    <mc:Choice Requires="p14">
-      <p:transition spd="med" p14:dur="700">
-        <p:fade/>
-      </p:transition>
-    </mc:Choice>
-    <mc:Fallback xmlns="">
-      <p:transition spd="med">
-        <p:fade/>
-      </p:transition>
-    </mc:Fallback>
-  </mc:AlternateContent>
-  <p:timing>
-    <p:tnLst>
-      <p:par>
-        <p:cTn id="1" dur="indefinite" restart="never" nodeType="tmRoot"/>
-      </p:par>
-    </p:tnLst>
-  </p:timing>
-</p:sld>
-</file>
-
-<file path=ppt/slides/slide14.xml><?xml version="1.0" encoding="utf-8"?>
-<p:sld xmlns:a="http://schemas.openxmlformats.org/drawingml/2006/main" xmlns:r="http://schemas.openxmlformats.org/officeDocument/2006/relationships" xmlns:p="http://schemas.openxmlformats.org/presentationml/2006/main">
-  <p:cSld>
-    <p:spTree>
-      <p:nvGrpSpPr>
-        <p:cNvPr id="1" name=""/>
-        <p:cNvGrpSpPr/>
-        <p:nvPr/>
-      </p:nvGrpSpPr>
-      <p:grpSpPr>
-        <a:xfrm>
-          <a:off x="0" y="0"/>
-          <a:ext cx="0" cy="0"/>
-          <a:chOff x="0" y="0"/>
-          <a:chExt cx="0" cy="0"/>
-        </a:xfrm>
-      </p:grpSpPr>
-      <p:sp>
-        <p:nvSpPr>
-          <p:cNvPr id="2" name="Title 1"/>
-          <p:cNvSpPr>
-            <a:spLocks noGrp="1"/>
-          </p:cNvSpPr>
-          <p:nvPr>
-            <p:ph type="title"/>
-          </p:nvPr>
-        </p:nvSpPr>
-        <p:spPr/>
-        <p:txBody>
-          <a:bodyPr/>
-          <a:lstStyle/>
-          <a:p>
-            <a:r>
-              <a:rPr lang="en-US" dirty="0" smtClean="0"/>
-              <a:t>Data Representation</a:t>
-            </a:r>
-            <a:endParaRPr lang="en-US" dirty="0"/>
           </a:p>
         </p:txBody>
       </p:sp>
@@ -8322,15 +7973,7 @@
             <a:pPr algn="just"/>
             <a:r>
               <a:rPr lang="en-US" sz="2800" dirty="0"/>
-              <a:t>Relational data are usually represented as flat files</a:t>
-            </a:r>
-            <a:r>
-              <a:rPr lang="en-US" sz="2800" dirty="0" smtClean="0"/>
-              <a:t>. Tuples </a:t>
-            </a:r>
-            <a:r>
-              <a:rPr lang="en-US" sz="2800" dirty="0"/>
-              <a:t>are stored sequentially. Enumerated types larger than the pointer size are stored in the tuple as pointers to the domain table values, domain tables can be shared among different columns and even among different relations.</a:t>
+              <a:t>Relational data are usually represented as flat files. Tuples are stored sequentially. Enumerated types larger than the pointer size are stored in the tuple as pointers to the domain table values, domain tables can be shared among different columns and even among different relations.</a:t>
             </a:r>
             <a:endParaRPr lang="en-IN" dirty="0"/>
           </a:p>
@@ -8358,17 +8001,10 @@
       </p:transition>
     </mc:Fallback>
   </mc:AlternateContent>
-  <p:timing>
-    <p:tnLst>
-      <p:par>
-        <p:cTn id="1" dur="indefinite" restart="never" nodeType="tmRoot"/>
-      </p:par>
-    </p:tnLst>
-  </p:timing>
 </p:sld>
 </file>
 
-<file path=ppt/slides/slide15.xml><?xml version="1.0" encoding="utf-8"?>
+<file path=ppt/slides/slide14.xml><?xml version="1.0" encoding="utf-8"?>
 <p:sld xmlns:a="http://schemas.openxmlformats.org/drawingml/2006/main" xmlns:r="http://schemas.openxmlformats.org/officeDocument/2006/relationships" xmlns:p="http://schemas.openxmlformats.org/presentationml/2006/main">
   <p:cSld>
     <p:spTree>
@@ -8407,7 +8043,7 @@
                 <a:gridCol w="1905000">
                   <a:extLst>
                     <a:ext uri="{9D8B030D-6E8A-4147-A177-3AD203B41FA5}">
-                      <a16:colId xmlns:a16="http://schemas.microsoft.com/office/drawing/2014/main" xmlns="" val="20000"/>
+                      <a16:colId xmlns:a16="http://schemas.microsoft.com/office/drawing/2014/main" val="20000"/>
                     </a:ext>
                   </a:extLst>
                 </a:gridCol>
@@ -8420,25 +8056,20 @@
                     <a:p>
                       <a:pPr algn="ctr"/>
                       <a:r>
-                        <a:rPr lang="en-US" dirty="0" smtClean="0">
+                        <a:rPr lang="en-US" dirty="0">
                           <a:solidFill>
                             <a:schemeClr val="tx2"/>
                           </a:solidFill>
                         </a:rPr>
                         <a:t>Domain Table</a:t>
                       </a:r>
-                      <a:endParaRPr lang="en-US" dirty="0">
-                        <a:solidFill>
-                          <a:schemeClr val="tx2"/>
-                        </a:solidFill>
-                      </a:endParaRPr>
                     </a:p>
                   </a:txBody>
                   <a:tcPr/>
                 </a:tc>
                 <a:extLst>
                   <a:ext uri="{0D108BD9-81ED-4DB2-BD59-A6C34878D82A}">
-                    <a16:rowId xmlns:a16="http://schemas.microsoft.com/office/drawing/2014/main" xmlns="" val="10000"/>
+                    <a16:rowId xmlns:a16="http://schemas.microsoft.com/office/drawing/2014/main" val="10000"/>
                   </a:ext>
                 </a:extLst>
               </a:tr>
@@ -8450,7 +8081,7 @@
                     <a:p>
                       <a:pPr algn="ctr"/>
                       <a:r>
-                        <a:rPr lang="en-US" dirty="0" smtClean="0">
+                        <a:rPr lang="en-US" dirty="0">
                           <a:solidFill>
                             <a:schemeClr val="tx2"/>
                           </a:solidFill>
@@ -8458,7 +8089,7 @@
                         <a:t>Value</a:t>
                       </a:r>
                       <a:r>
-                        <a:rPr lang="en-US" baseline="0" dirty="0" smtClean="0">
+                        <a:rPr lang="en-US" baseline="0" dirty="0">
                           <a:solidFill>
                             <a:schemeClr val="tx2"/>
                           </a:solidFill>
@@ -8476,7 +8107,7 @@
                 </a:tc>
                 <a:extLst>
                   <a:ext uri="{0D108BD9-81ED-4DB2-BD59-A6C34878D82A}">
-                    <a16:rowId xmlns:a16="http://schemas.microsoft.com/office/drawing/2014/main" xmlns="" val="10001"/>
+                    <a16:rowId xmlns:a16="http://schemas.microsoft.com/office/drawing/2014/main" val="10001"/>
                   </a:ext>
                 </a:extLst>
               </a:tr>
@@ -8488,25 +8119,20 @@
                     <a:p>
                       <a:pPr algn="ctr"/>
                       <a:r>
-                        <a:rPr lang="en-US" dirty="0" smtClean="0">
+                        <a:rPr lang="en-US" dirty="0">
                           <a:solidFill>
                             <a:schemeClr val="tx2"/>
                           </a:solidFill>
                         </a:rPr>
                         <a:t>Value 2</a:t>
                       </a:r>
-                      <a:endParaRPr lang="en-US" dirty="0">
-                        <a:solidFill>
-                          <a:schemeClr val="tx2"/>
-                        </a:solidFill>
-                      </a:endParaRPr>
                     </a:p>
                   </a:txBody>
                   <a:tcPr/>
                 </a:tc>
                 <a:extLst>
                   <a:ext uri="{0D108BD9-81ED-4DB2-BD59-A6C34878D82A}">
-                    <a16:rowId xmlns:a16="http://schemas.microsoft.com/office/drawing/2014/main" xmlns="" val="10002"/>
+                    <a16:rowId xmlns:a16="http://schemas.microsoft.com/office/drawing/2014/main" val="10002"/>
                   </a:ext>
                 </a:extLst>
               </a:tr>
@@ -8518,25 +8144,20 @@
                     <a:p>
                       <a:pPr algn="ctr"/>
                       <a:r>
-                        <a:rPr lang="en-US" dirty="0" smtClean="0">
+                        <a:rPr lang="en-US" dirty="0">
                           <a:solidFill>
                             <a:schemeClr val="tx2"/>
                           </a:solidFill>
                         </a:rPr>
                         <a:t>Value 3</a:t>
                       </a:r>
-                      <a:endParaRPr lang="en-US" dirty="0">
-                        <a:solidFill>
-                          <a:schemeClr val="tx2"/>
-                        </a:solidFill>
-                      </a:endParaRPr>
                     </a:p>
                   </a:txBody>
                   <a:tcPr/>
                 </a:tc>
                 <a:extLst>
                   <a:ext uri="{0D108BD9-81ED-4DB2-BD59-A6C34878D82A}">
-                    <a16:rowId xmlns:a16="http://schemas.microsoft.com/office/drawing/2014/main" xmlns="" val="10003"/>
+                    <a16:rowId xmlns:a16="http://schemas.microsoft.com/office/drawing/2014/main" val="10003"/>
                   </a:ext>
                 </a:extLst>
               </a:tr>
@@ -8572,42 +8193,42 @@
                 <a:gridCol w="838200">
                   <a:extLst>
                     <a:ext uri="{9D8B030D-6E8A-4147-A177-3AD203B41FA5}">
-                      <a16:colId xmlns:a16="http://schemas.microsoft.com/office/drawing/2014/main" xmlns="" val="20000"/>
+                      <a16:colId xmlns:a16="http://schemas.microsoft.com/office/drawing/2014/main" val="20000"/>
                     </a:ext>
                   </a:extLst>
                 </a:gridCol>
                 <a:gridCol w="457200">
                   <a:extLst>
                     <a:ext uri="{9D8B030D-6E8A-4147-A177-3AD203B41FA5}">
-                      <a16:colId xmlns:a16="http://schemas.microsoft.com/office/drawing/2014/main" xmlns="" val="20001"/>
+                      <a16:colId xmlns:a16="http://schemas.microsoft.com/office/drawing/2014/main" val="20001"/>
                     </a:ext>
                   </a:extLst>
                 </a:gridCol>
                 <a:gridCol w="1439254">
                   <a:extLst>
                     <a:ext uri="{9D8B030D-6E8A-4147-A177-3AD203B41FA5}">
-                      <a16:colId xmlns:a16="http://schemas.microsoft.com/office/drawing/2014/main" xmlns="" val="20002"/>
+                      <a16:colId xmlns:a16="http://schemas.microsoft.com/office/drawing/2014/main" val="20002"/>
                     </a:ext>
                   </a:extLst>
                 </a:gridCol>
                 <a:gridCol w="284860">
                   <a:extLst>
                     <a:ext uri="{9D8B030D-6E8A-4147-A177-3AD203B41FA5}">
-                      <a16:colId xmlns:a16="http://schemas.microsoft.com/office/drawing/2014/main" xmlns="" val="20003"/>
+                      <a16:colId xmlns:a16="http://schemas.microsoft.com/office/drawing/2014/main" val="20003"/>
                     </a:ext>
                   </a:extLst>
                 </a:gridCol>
                 <a:gridCol w="1704886">
                   <a:extLst>
                     <a:ext uri="{9D8B030D-6E8A-4147-A177-3AD203B41FA5}">
-                      <a16:colId xmlns:a16="http://schemas.microsoft.com/office/drawing/2014/main" xmlns="" val="20004"/>
+                      <a16:colId xmlns:a16="http://schemas.microsoft.com/office/drawing/2014/main" val="20004"/>
                     </a:ext>
                   </a:extLst>
                 </a:gridCol>
                 <a:gridCol w="304800">
                   <a:extLst>
                     <a:ext uri="{9D8B030D-6E8A-4147-A177-3AD203B41FA5}">
-                      <a16:colId xmlns:a16="http://schemas.microsoft.com/office/drawing/2014/main" xmlns="" val="20005"/>
+                      <a16:colId xmlns:a16="http://schemas.microsoft.com/office/drawing/2014/main" val="20005"/>
                     </a:ext>
                   </a:extLst>
                 </a:gridCol>
@@ -8650,7 +8271,7 @@
                     <a:p>
                       <a:pPr algn="ctr"/>
                       <a:r>
-                        <a:rPr lang="en-US" dirty="0" err="1" smtClean="0">
+                        <a:rPr lang="en-US" dirty="0" err="1">
                           <a:solidFill>
                             <a:schemeClr val="tx2"/>
                           </a:solidFill>
@@ -8700,14 +8321,14 @@
                         <a:defRPr/>
                       </a:pPr>
                       <a:r>
-                        <a:rPr lang="en-US" dirty="0" err="1" smtClean="0">
+                        <a:rPr lang="en-US" dirty="0" err="1">
                           <a:solidFill>
                             <a:schemeClr val="tx2"/>
                           </a:solidFill>
                         </a:rPr>
                         <a:t>RollNo</a:t>
                       </a:r>
-                      <a:endParaRPr lang="en-US" dirty="0" smtClean="0">
+                      <a:endParaRPr lang="en-US" dirty="0">
                         <a:solidFill>
                           <a:schemeClr val="tx2"/>
                         </a:solidFill>
@@ -8728,7 +8349,7 @@
                 </a:tc>
                 <a:extLst>
                   <a:ext uri="{0D108BD9-81ED-4DB2-BD59-A6C34878D82A}">
-                    <a16:rowId xmlns:a16="http://schemas.microsoft.com/office/drawing/2014/main" xmlns="" val="10000"/>
+                    <a16:rowId xmlns:a16="http://schemas.microsoft.com/office/drawing/2014/main" val="10000"/>
                   </a:ext>
                 </a:extLst>
               </a:tr>
@@ -8800,7 +8421,7 @@
                 </a:tc>
                 <a:extLst>
                   <a:ext uri="{0D108BD9-81ED-4DB2-BD59-A6C34878D82A}">
-                    <a16:rowId xmlns:a16="http://schemas.microsoft.com/office/drawing/2014/main" xmlns="" val="10001"/>
+                    <a16:rowId xmlns:a16="http://schemas.microsoft.com/office/drawing/2014/main" val="10001"/>
                   </a:ext>
                 </a:extLst>
               </a:tr>
@@ -8812,57 +8433,7 @@
                     <a:p>
                       <a:pPr algn="ctr"/>
                       <a:r>
-                        <a:rPr lang="en-US" dirty="0" smtClean="0">
-                          <a:solidFill>
-                            <a:schemeClr val="tx2"/>
-                          </a:solidFill>
-                        </a:rPr>
-                        <a:t>Age</a:t>
-                      </a:r>
-                      <a:endParaRPr lang="en-US" dirty="0">
-                        <a:solidFill>
-                          <a:schemeClr val="tx2"/>
-                        </a:solidFill>
-                      </a:endParaRPr>
-                    </a:p>
-                  </a:txBody>
-                  <a:tcPr/>
-                </a:tc>
-                <a:tc>
-                  <a:txBody>
-                    <a:bodyPr/>
-                    <a:lstStyle/>
-                    <a:p>
-                      <a:pPr algn="ctr"/>
-                      <a:endParaRPr lang="en-US"/>
-                    </a:p>
-                  </a:txBody>
-                  <a:tcPr/>
-                </a:tc>
-                <a:tc>
-                  <a:txBody>
-                    <a:bodyPr/>
-                    <a:lstStyle/>
-                    <a:p>
-                      <a:pPr marL="0" marR="0" indent="0" algn="ctr" defTabSz="914400" rtl="0" eaLnBrk="1" fontAlgn="auto" latinLnBrk="0" hangingPunct="1">
-                        <a:lnSpc>
-                          <a:spcPct val="100000"/>
-                        </a:lnSpc>
-                        <a:spcBef>
-                          <a:spcPts val="0"/>
-                        </a:spcBef>
-                        <a:spcAft>
-                          <a:spcPts val="0"/>
-                        </a:spcAft>
-                        <a:buClrTx/>
-                        <a:buSzTx/>
-                        <a:buFontTx/>
-                        <a:buNone/>
-                        <a:tabLst/>
-                        <a:defRPr/>
-                      </a:pPr>
-                      <a:r>
-                        <a:rPr lang="en-US" dirty="0" smtClean="0">
+                        <a:rPr lang="en-US" dirty="0">
                           <a:solidFill>
                             <a:schemeClr val="tx2"/>
                           </a:solidFill>
@@ -8907,7 +8478,52 @@
                         <a:defRPr/>
                       </a:pPr>
                       <a:r>
-                        <a:rPr lang="en-US" dirty="0" smtClean="0">
+                        <a:rPr lang="en-US" dirty="0">
+                          <a:solidFill>
+                            <a:schemeClr val="tx2"/>
+                          </a:solidFill>
+                        </a:rPr>
+                        <a:t>Age</a:t>
+                      </a:r>
+                    </a:p>
+                  </a:txBody>
+                  <a:tcPr/>
+                </a:tc>
+                <a:tc>
+                  <a:txBody>
+                    <a:bodyPr/>
+                    <a:lstStyle/>
+                    <a:p>
+                      <a:pPr algn="ctr"/>
+                      <a:endParaRPr lang="en-US"/>
+                    </a:p>
+                  </a:txBody>
+                  <a:tcPr/>
+                </a:tc>
+                <a:tc>
+                  <a:txBody>
+                    <a:bodyPr/>
+                    <a:lstStyle/>
+                    <a:p>
+                      <a:pPr marL="0" marR="0" indent="0" algn="ctr" defTabSz="914400" rtl="0" eaLnBrk="1" fontAlgn="auto" latinLnBrk="0" hangingPunct="1">
+                        <a:lnSpc>
+                          <a:spcPct val="100000"/>
+                        </a:lnSpc>
+                        <a:spcBef>
+                          <a:spcPts val="0"/>
+                        </a:spcBef>
+                        <a:spcAft>
+                          <a:spcPts val="0"/>
+                        </a:spcAft>
+                        <a:buClrTx/>
+                        <a:buSzTx/>
+                        <a:buFontTx/>
+                        <a:buNone/>
+                        <a:tabLst/>
+                        <a:defRPr/>
+                      </a:pPr>
+                      <a:r>
+                        <a:rPr lang="en-US" dirty="0">
                           <a:solidFill>
                             <a:schemeClr val="tx2"/>
                           </a:solidFill>
@@ -8930,7 +8546,7 @@
                 </a:tc>
                 <a:extLst>
                   <a:ext uri="{0D108BD9-81ED-4DB2-BD59-A6C34878D82A}">
-                    <a16:rowId xmlns:a16="http://schemas.microsoft.com/office/drawing/2014/main" xmlns="" val="10002"/>
+                    <a16:rowId xmlns:a16="http://schemas.microsoft.com/office/drawing/2014/main" val="10002"/>
                   </a:ext>
                 </a:extLst>
               </a:tr>
@@ -8962,10 +8578,9 @@
           <a:p>
             <a:pPr algn="ctr"/>
             <a:r>
-              <a:rPr lang="en-US" dirty="0" smtClean="0"/>
+              <a:rPr lang="en-US" dirty="0"/>
               <a:t>Relational Tuple</a:t>
             </a:r>
-            <a:endParaRPr lang="en-US" dirty="0"/>
           </a:p>
         </p:txBody>
       </p:sp>
@@ -9171,14 +8786,14 @@
                 <a:gridCol w="381000">
                   <a:extLst>
                     <a:ext uri="{9D8B030D-6E8A-4147-A177-3AD203B41FA5}">
-                      <a16:colId xmlns:a16="http://schemas.microsoft.com/office/drawing/2014/main" xmlns="" val="20000"/>
+                      <a16:colId xmlns:a16="http://schemas.microsoft.com/office/drawing/2014/main" val="20000"/>
                     </a:ext>
                   </a:extLst>
                 </a:gridCol>
                 <a:gridCol w="1676400">
                   <a:extLst>
                     <a:ext uri="{9D8B030D-6E8A-4147-A177-3AD203B41FA5}">
-                      <a16:colId xmlns:a16="http://schemas.microsoft.com/office/drawing/2014/main" xmlns="" val="20001"/>
+                      <a16:colId xmlns:a16="http://schemas.microsoft.com/office/drawing/2014/main" val="20001"/>
                     </a:ext>
                   </a:extLst>
                 </a:gridCol>
@@ -9201,25 +8816,20 @@
                     <a:p>
                       <a:pPr algn="ctr"/>
                       <a:r>
-                        <a:rPr lang="en-US" dirty="0" smtClean="0">
+                        <a:rPr lang="en-US" dirty="0">
                           <a:solidFill>
                             <a:schemeClr val="tx2"/>
                           </a:solidFill>
                         </a:rPr>
                         <a:t>Marks</a:t>
                       </a:r>
-                      <a:endParaRPr lang="en-US" dirty="0">
-                        <a:solidFill>
-                          <a:schemeClr val="tx2"/>
-                        </a:solidFill>
-                      </a:endParaRPr>
                     </a:p>
                   </a:txBody>
                   <a:tcPr/>
                 </a:tc>
                 <a:extLst>
                   <a:ext uri="{0D108BD9-81ED-4DB2-BD59-A6C34878D82A}">
-                    <a16:rowId xmlns:a16="http://schemas.microsoft.com/office/drawing/2014/main" xmlns="" val="10000"/>
+                    <a16:rowId xmlns:a16="http://schemas.microsoft.com/office/drawing/2014/main" val="10000"/>
                   </a:ext>
                 </a:extLst>
               </a:tr>
@@ -9241,25 +8851,20 @@
                     <a:p>
                       <a:pPr algn="ctr"/>
                       <a:r>
-                        <a:rPr lang="en-US" dirty="0" smtClean="0">
+                        <a:rPr lang="en-US" dirty="0">
                           <a:solidFill>
                             <a:schemeClr val="tx2"/>
                           </a:solidFill>
                         </a:rPr>
                         <a:t>Age</a:t>
                       </a:r>
-                      <a:endParaRPr lang="en-US" dirty="0">
-                        <a:solidFill>
-                          <a:schemeClr val="tx2"/>
-                        </a:solidFill>
-                      </a:endParaRPr>
                     </a:p>
                   </a:txBody>
                   <a:tcPr/>
                 </a:tc>
                 <a:extLst>
                   <a:ext uri="{0D108BD9-81ED-4DB2-BD59-A6C34878D82A}">
-                    <a16:rowId xmlns:a16="http://schemas.microsoft.com/office/drawing/2014/main" xmlns="" val="10001"/>
+                    <a16:rowId xmlns:a16="http://schemas.microsoft.com/office/drawing/2014/main" val="10001"/>
                   </a:ext>
                 </a:extLst>
               </a:tr>
@@ -9291,10 +8896,9 @@
           <a:p>
             <a:pPr algn="ctr"/>
             <a:r>
-              <a:rPr lang="en-US" dirty="0" smtClean="0"/>
+              <a:rPr lang="en-US" dirty="0"/>
               <a:t>Relation Tuple</a:t>
             </a:r>
-            <a:endParaRPr lang="en-US" dirty="0"/>
           </a:p>
         </p:txBody>
       </p:sp>
@@ -9427,7 +9031,7 @@
           <a:p>
             <a:pPr algn="ctr"/>
             <a:r>
-              <a:rPr lang="en-US" dirty="0" smtClean="0">
+              <a:rPr lang="en-US" dirty="0">
                 <a:solidFill>
                   <a:schemeClr val="tx2"/>
                 </a:solidFill>
@@ -9438,18 +9042,13 @@
           <a:p>
             <a:pPr algn="ctr"/>
             <a:r>
-              <a:rPr lang="en-US" dirty="0" smtClean="0">
+              <a:rPr lang="en-US" dirty="0">
                 <a:solidFill>
                   <a:schemeClr val="tx2"/>
                 </a:solidFill>
               </a:rPr>
               <a:t>To memory address</a:t>
             </a:r>
-            <a:endParaRPr lang="en-US" dirty="0">
-              <a:solidFill>
-                <a:schemeClr val="tx2"/>
-              </a:solidFill>
-            </a:endParaRPr>
           </a:p>
         </p:txBody>
       </p:sp>
@@ -9476,18 +9075,13 @@
           <a:lstStyle/>
           <a:p>
             <a:r>
-              <a:rPr lang="en-US" sz="3600" dirty="0" smtClean="0">
+              <a:rPr lang="en-US" sz="3600" dirty="0">
                 <a:solidFill>
                   <a:schemeClr val="tx2"/>
                 </a:solidFill>
               </a:rPr>
               <a:t>Data Representation Diagram</a:t>
             </a:r>
-            <a:endParaRPr lang="en-US" sz="3600" dirty="0">
-              <a:solidFill>
-                <a:schemeClr val="tx2"/>
-              </a:solidFill>
-            </a:endParaRPr>
           </a:p>
         </p:txBody>
       </p:sp>
@@ -9508,13 +9102,128 @@
       </p:transition>
     </mc:Fallback>
   </mc:AlternateContent>
-  <p:timing>
-    <p:tnLst>
-      <p:par>
-        <p:cTn id="1" dur="indefinite" restart="never" nodeType="tmRoot"/>
-      </p:par>
-    </p:tnLst>
-  </p:timing>
+</p:sld>
+</file>
+
+<file path=ppt/slides/slide15.xml><?xml version="1.0" encoding="utf-8"?>
+<p:sld xmlns:a="http://schemas.openxmlformats.org/drawingml/2006/main" xmlns:r="http://schemas.openxmlformats.org/officeDocument/2006/relationships" xmlns:p="http://schemas.openxmlformats.org/presentationml/2006/main">
+  <p:cSld>
+    <p:spTree>
+      <p:nvGrpSpPr>
+        <p:cNvPr id="1" name=""/>
+        <p:cNvGrpSpPr/>
+        <p:nvPr/>
+      </p:nvGrpSpPr>
+      <p:grpSpPr>
+        <a:xfrm>
+          <a:off x="0" y="0"/>
+          <a:ext cx="0" cy="0"/>
+          <a:chOff x="0" y="0"/>
+          <a:chExt cx="0" cy="0"/>
+        </a:xfrm>
+      </p:grpSpPr>
+      <p:sp>
+        <p:nvSpPr>
+          <p:cNvPr id="3" name="Content Placeholder 2"/>
+          <p:cNvSpPr>
+            <a:spLocks noGrp="1"/>
+          </p:cNvSpPr>
+          <p:nvPr>
+            <p:ph idx="1"/>
+          </p:nvPr>
+        </p:nvSpPr>
+        <p:spPr>
+          <a:xfrm>
+            <a:off x="533400" y="1295400"/>
+            <a:ext cx="7924800" cy="5181600"/>
+          </a:xfrm>
+        </p:spPr>
+        <p:txBody>
+          <a:bodyPr>
+            <a:normAutofit/>
+          </a:bodyPr>
+          <a:lstStyle/>
+          <a:p>
+            <a:pPr algn="just"/>
+            <a:endParaRPr lang="en-US" dirty="0"/>
+          </a:p>
+          <a:p>
+            <a:pPr algn="just"/>
+            <a:r>
+              <a:rPr lang="en-US" dirty="0"/>
+              <a:t>In DRDB , locking granules are low level.</a:t>
+            </a:r>
+          </a:p>
+          <a:p>
+            <a:pPr lvl="1" algn="just"/>
+            <a:r>
+              <a:rPr lang="en-US" dirty="0"/>
+              <a:t>To reduce contention</a:t>
+            </a:r>
+          </a:p>
+          <a:p>
+            <a:pPr lvl="1" algn="just">
+              <a:buNone/>
+            </a:pPr>
+            <a:endParaRPr lang="en-US" dirty="0"/>
+          </a:p>
+          <a:p>
+            <a:pPr algn="just"/>
+            <a:r>
+              <a:rPr lang="en-US" dirty="0"/>
+              <a:t>In IMDB, due to fast processing it create coarser locks.</a:t>
+            </a:r>
+          </a:p>
+          <a:p>
+            <a:pPr lvl="1" algn="just"/>
+            <a:r>
+              <a:rPr lang="en-US" dirty="0"/>
+              <a:t>locking granules like a relation or entire database.</a:t>
+            </a:r>
+          </a:p>
+        </p:txBody>
+      </p:sp>
+      <p:sp>
+        <p:nvSpPr>
+          <p:cNvPr id="2" name="Title 1"/>
+          <p:cNvSpPr>
+            <a:spLocks noGrp="1"/>
+          </p:cNvSpPr>
+          <p:nvPr>
+            <p:ph type="title"/>
+          </p:nvPr>
+        </p:nvSpPr>
+        <p:spPr/>
+        <p:txBody>
+          <a:bodyPr>
+            <a:normAutofit fontScale="90000"/>
+          </a:bodyPr>
+          <a:lstStyle/>
+          <a:p>
+            <a:r>
+              <a:rPr lang="en-US" dirty="0"/>
+              <a:t>Concurrency Control(lock based)</a:t>
+            </a:r>
+          </a:p>
+        </p:txBody>
+      </p:sp>
+    </p:spTree>
+  </p:cSld>
+  <p:clrMapOvr>
+    <a:masterClrMapping/>
+  </p:clrMapOvr>
+  <mc:AlternateContent xmlns:mc="http://schemas.openxmlformats.org/markup-compatibility/2006" xmlns:p14="http://schemas.microsoft.com/office/powerpoint/2010/main">
+    <mc:Choice Requires="p14">
+      <p:transition spd="med" p14:dur="700">
+        <p:fade/>
+      </p:transition>
+    </mc:Choice>
+    <mc:Fallback xmlns="">
+      <p:transition spd="med">
+        <p:fade/>
+      </p:transition>
+    </mc:Fallback>
+  </mc:AlternateContent>
 </p:sld>
 </file>
 
@@ -9547,52 +9256,60 @@
         </p:nvSpPr>
         <p:spPr>
           <a:xfrm>
-            <a:off x="533400" y="1295400"/>
-            <a:ext cx="7924800" cy="5181600"/>
+            <a:off x="762000" y="1066800"/>
+            <a:ext cx="7772401" cy="5410200"/>
           </a:xfrm>
         </p:spPr>
         <p:txBody>
           <a:bodyPr>
-            <a:normAutofit/>
+            <a:normAutofit lnSpcReduction="10000"/>
           </a:bodyPr>
           <a:lstStyle/>
           <a:p>
             <a:pPr algn="just"/>
-            <a:endParaRPr lang="en-US" dirty="0" smtClean="0"/>
+            <a:r>
+              <a:rPr lang="en-US" dirty="0"/>
+              <a:t>In DRDB, B-tree index structure is used.</a:t>
+            </a:r>
+          </a:p>
+          <a:p>
+            <a:pPr lvl="1" algn="just"/>
+            <a:r>
+              <a:rPr lang="en-US" dirty="0"/>
+              <a:t>ranges , exact match queries</a:t>
+            </a:r>
+          </a:p>
+          <a:p>
+            <a:pPr lvl="1" algn="just"/>
+            <a:r>
+              <a:rPr lang="en-US" dirty="0"/>
+              <a:t>lies in hard disk</a:t>
+            </a:r>
           </a:p>
           <a:p>
             <a:pPr algn="just"/>
-            <a:r>
-              <a:rPr lang="en-US" dirty="0" smtClean="0"/>
-              <a:t>In DRDB , locking granules are low level.</a:t>
-            </a:r>
-          </a:p>
-          <a:p>
-            <a:pPr lvl="1" algn="just"/>
-            <a:r>
-              <a:rPr lang="en-US" dirty="0" smtClean="0"/>
-              <a:t>To reduce contention</a:t>
-            </a:r>
-          </a:p>
-          <a:p>
-            <a:pPr lvl="1" algn="just">
+            <a:endParaRPr lang="en-US" dirty="0"/>
+          </a:p>
+          <a:p>
+            <a:pPr algn="just"/>
+            <a:r>
+              <a:rPr lang="en-US" dirty="0"/>
+              <a:t>In IMDB, T-tree index structure is explicitly designed </a:t>
+            </a:r>
+          </a:p>
+          <a:p>
+            <a:pPr marL="393192" lvl="1" indent="0" algn="just">
               <a:buNone/>
             </a:pPr>
-            <a:endParaRPr lang="en-US" dirty="0" smtClean="0"/>
-          </a:p>
-          <a:p>
-            <a:pPr algn="just"/>
-            <a:r>
-              <a:rPr lang="en-US" dirty="0" smtClean="0"/>
-              <a:t>In IMDB, due to fast processing it create coarser locks.</a:t>
-            </a:r>
-          </a:p>
-          <a:p>
-            <a:pPr lvl="1" algn="just"/>
-            <a:r>
-              <a:rPr lang="en-US" dirty="0" smtClean="0"/>
-              <a:t>locking granules like a relation or entire database.</a:t>
-            </a:r>
+            <a:r>
+              <a:rPr lang="en-IN"/>
+              <a:t>A </a:t>
+            </a:r>
+            <a:r>
+              <a:rPr lang="en-IN" dirty="0"/>
+              <a:t>T-tree is a balanced index tree data structure optimized for cases where both the index and the actual data are fully kept in memory. T-trees do not keep copies of the indexed data fields within the index tree nodes themselves. Instead, they take advantage of the fact that the actual data is always in main memory together with the index so that they just contain pointers to the actual data fields.</a:t>
+            </a:r>
+            <a:endParaRPr lang="en-US" dirty="0"/>
           </a:p>
         </p:txBody>
       </p:sp>
@@ -9606,18 +9323,20 @@
             <p:ph type="title"/>
           </p:nvPr>
         </p:nvSpPr>
-        <p:spPr/>
-        <p:txBody>
-          <a:bodyPr>
-            <a:normAutofit fontScale="90000"/>
-          </a:bodyPr>
+        <p:spPr>
+          <a:xfrm>
+            <a:off x="1195389" y="0"/>
+            <a:ext cx="7339012" cy="1239837"/>
+          </a:xfrm>
+        </p:spPr>
+        <p:txBody>
+          <a:bodyPr/>
           <a:lstStyle/>
           <a:p>
             <a:r>
-              <a:rPr lang="en-US" dirty="0" smtClean="0"/>
-              <a:t>Concurrency Control(lock based)</a:t>
-            </a:r>
-            <a:endParaRPr lang="en-US" dirty="0"/>
+              <a:rPr lang="en-US" dirty="0"/>
+              <a:t>Data Access Methods</a:t>
+            </a:r>
           </a:p>
         </p:txBody>
       </p:sp>
@@ -9638,13 +9357,6 @@
       </p:transition>
     </mc:Fallback>
   </mc:AlternateContent>
-  <p:timing>
-    <p:tnLst>
-      <p:par>
-        <p:cTn id="1" dur="indefinite" restart="never" nodeType="tmRoot"/>
-      </p:par>
-    </p:tnLst>
-  </p:timing>
 </p:sld>
 </file>
 
@@ -9677,60 +9389,32 @@
         </p:nvSpPr>
         <p:spPr>
           <a:xfrm>
-            <a:off x="762000" y="1066800"/>
-            <a:ext cx="7772401" cy="5410200"/>
+            <a:off x="1195389" y="1600200"/>
+            <a:ext cx="7339012" cy="1981200"/>
           </a:xfrm>
         </p:spPr>
         <p:txBody>
-          <a:bodyPr>
-            <a:normAutofit lnSpcReduction="10000"/>
-          </a:bodyPr>
+          <a:bodyPr/>
           <a:lstStyle/>
           <a:p>
-            <a:pPr algn="just"/>
-            <a:r>
-              <a:rPr lang="en-US" dirty="0" smtClean="0"/>
-              <a:t>In DRDB, B-tree index structure is used.</a:t>
-            </a:r>
-          </a:p>
-          <a:p>
-            <a:pPr lvl="1" algn="just"/>
-            <a:r>
-              <a:rPr lang="en-US" dirty="0" smtClean="0"/>
-              <a:t>ranges , exact match queries</a:t>
-            </a:r>
-          </a:p>
-          <a:p>
-            <a:pPr lvl="1" algn="just"/>
-            <a:r>
-              <a:rPr lang="en-US" dirty="0" smtClean="0"/>
-              <a:t>lies in hard disk</a:t>
-            </a:r>
-          </a:p>
-          <a:p>
-            <a:pPr algn="just"/>
-            <a:endParaRPr lang="en-US" dirty="0" smtClean="0"/>
-          </a:p>
-          <a:p>
-            <a:pPr algn="just"/>
-            <a:r>
-              <a:rPr lang="en-US" dirty="0" smtClean="0"/>
-              <a:t>In IMDB, T-tree index structure is explicitly designed </a:t>
-            </a:r>
-          </a:p>
-          <a:p>
-            <a:pPr marL="393192" lvl="1" indent="0" algn="just">
-              <a:buNone/>
-            </a:pPr>
-            <a:r>
-              <a:rPr lang="en-IN" smtClean="0"/>
-              <a:t>A </a:t>
-            </a:r>
-            <a:r>
-              <a:rPr lang="en-IN" dirty="0"/>
-              <a:t>T-tree is a balanced index tree data structure optimized for cases where both the index and the actual data are fully kept in memory. T-trees do not keep copies of the indexed data fields within the index tree nodes themselves. Instead, they take advantage of the fact that the actual data is always in main memory together with the index so that they just contain pointers to the actual data fields.</a:t>
-            </a:r>
-            <a:endParaRPr lang="en-US" dirty="0" smtClean="0"/>
+            <a:r>
+              <a:rPr lang="en-US" dirty="0"/>
+              <a:t>T-tree node consists</a:t>
+            </a:r>
+          </a:p>
+          <a:p>
+            <a:pPr lvl="1"/>
+            <a:r>
+              <a:rPr lang="en-US" dirty="0"/>
+              <a:t>ordered elements in the range min and max values</a:t>
+            </a:r>
+          </a:p>
+          <a:p>
+            <a:pPr lvl="1"/>
+            <a:r>
+              <a:rPr lang="en-US" dirty="0"/>
+              <a:t>two pointers to the left and right nodes</a:t>
+            </a:r>
           </a:p>
         </p:txBody>
       </p:sp>
@@ -9755,124 +9439,9 @@
           <a:lstStyle/>
           <a:p>
             <a:r>
-              <a:rPr lang="en-US" dirty="0" smtClean="0"/>
-              <a:t>Data Access Methods</a:t>
-            </a:r>
-            <a:endParaRPr lang="en-US" dirty="0"/>
-          </a:p>
-        </p:txBody>
-      </p:sp>
-    </p:spTree>
-  </p:cSld>
-  <p:clrMapOvr>
-    <a:masterClrMapping/>
-  </p:clrMapOvr>
-  <mc:AlternateContent xmlns:mc="http://schemas.openxmlformats.org/markup-compatibility/2006" xmlns:p14="http://schemas.microsoft.com/office/powerpoint/2010/main">
-    <mc:Choice Requires="p14">
-      <p:transition spd="med" p14:dur="700">
-        <p:fade/>
-      </p:transition>
-    </mc:Choice>
-    <mc:Fallback xmlns="">
-      <p:transition spd="med">
-        <p:fade/>
-      </p:transition>
-    </mc:Fallback>
-  </mc:AlternateContent>
-  <p:timing>
-    <p:tnLst>
-      <p:par>
-        <p:cTn id="1" dur="indefinite" restart="never" nodeType="tmRoot"/>
-      </p:par>
-    </p:tnLst>
-  </p:timing>
-</p:sld>
-</file>
-
-<file path=ppt/slides/slide18.xml><?xml version="1.0" encoding="utf-8"?>
-<p:sld xmlns:a="http://schemas.openxmlformats.org/drawingml/2006/main" xmlns:r="http://schemas.openxmlformats.org/officeDocument/2006/relationships" xmlns:p="http://schemas.openxmlformats.org/presentationml/2006/main">
-  <p:cSld>
-    <p:spTree>
-      <p:nvGrpSpPr>
-        <p:cNvPr id="1" name=""/>
-        <p:cNvGrpSpPr/>
-        <p:nvPr/>
-      </p:nvGrpSpPr>
-      <p:grpSpPr>
-        <a:xfrm>
-          <a:off x="0" y="0"/>
-          <a:ext cx="0" cy="0"/>
-          <a:chOff x="0" y="0"/>
-          <a:chExt cx="0" cy="0"/>
-        </a:xfrm>
-      </p:grpSpPr>
-      <p:sp>
-        <p:nvSpPr>
-          <p:cNvPr id="3" name="Content Placeholder 2"/>
-          <p:cNvSpPr>
-            <a:spLocks noGrp="1"/>
-          </p:cNvSpPr>
-          <p:nvPr>
-            <p:ph idx="1"/>
-          </p:nvPr>
-        </p:nvSpPr>
-        <p:spPr>
-          <a:xfrm>
-            <a:off x="1195389" y="1600200"/>
-            <a:ext cx="7339012" cy="1981200"/>
-          </a:xfrm>
-        </p:spPr>
-        <p:txBody>
-          <a:bodyPr/>
-          <a:lstStyle/>
-          <a:p>
-            <a:r>
-              <a:rPr lang="en-US" dirty="0" smtClean="0"/>
-              <a:t>T-tree node consists</a:t>
-            </a:r>
-          </a:p>
-          <a:p>
-            <a:pPr lvl="1"/>
-            <a:r>
-              <a:rPr lang="en-US" dirty="0" smtClean="0"/>
-              <a:t>ordered elements in the range min and max values</a:t>
-            </a:r>
-          </a:p>
-          <a:p>
-            <a:pPr lvl="1"/>
-            <a:r>
-              <a:rPr lang="en-US" dirty="0" smtClean="0"/>
-              <a:t>two pointers to the left and right nodes</a:t>
-            </a:r>
-            <a:endParaRPr lang="en-US" dirty="0"/>
-          </a:p>
-        </p:txBody>
-      </p:sp>
-      <p:sp>
-        <p:nvSpPr>
-          <p:cNvPr id="2" name="Title 1"/>
-          <p:cNvSpPr>
-            <a:spLocks noGrp="1"/>
-          </p:cNvSpPr>
-          <p:nvPr>
-            <p:ph type="title"/>
-          </p:nvPr>
-        </p:nvSpPr>
-        <p:spPr>
-          <a:xfrm>
-            <a:off x="1195389" y="0"/>
-            <a:ext cx="7339012" cy="1239837"/>
-          </a:xfrm>
-        </p:spPr>
-        <p:txBody>
-          <a:bodyPr/>
-          <a:lstStyle/>
-          <a:p>
-            <a:r>
-              <a:rPr lang="en-US" dirty="0" smtClean="0"/>
+              <a:rPr lang="en-US" dirty="0"/>
               <a:t>T-tree </a:t>
             </a:r>
-            <a:endParaRPr lang="en-US" dirty="0"/>
           </a:p>
         </p:txBody>
       </p:sp>
@@ -9939,10 +9508,9 @@
               <a:p>
                 <a:pPr algn="ctr"/>
                 <a:r>
-                  <a:rPr lang="en-US" dirty="0" smtClean="0"/>
+                  <a:rPr lang="en-US" dirty="0"/>
                   <a:t>……………..</a:t>
                 </a:r>
-                <a:endParaRPr lang="en-US" dirty="0"/>
               </a:p>
             </p:txBody>
           </p:sp>
@@ -9981,10 +9549,9 @@
               <a:p>
                 <a:pPr algn="ctr"/>
                 <a:r>
-                  <a:rPr lang="en-US" dirty="0" smtClean="0"/>
+                  <a:rPr lang="en-US" dirty="0"/>
                   <a:t>Parent</a:t>
                 </a:r>
-                <a:endParaRPr lang="en-US" dirty="0"/>
               </a:p>
             </p:txBody>
           </p:sp>
@@ -10202,10 +9769,9 @@
               <a:lstStyle/>
               <a:p>
                 <a:r>
-                  <a:rPr lang="en-US" dirty="0" smtClean="0"/>
+                  <a:rPr lang="en-US" dirty="0"/>
                   <a:t>Key 1</a:t>
                 </a:r>
-                <a:endParaRPr lang="en-US" dirty="0"/>
               </a:p>
             </p:txBody>
           </p:sp>
@@ -10232,10 +9798,9 @@
               <a:lstStyle/>
               <a:p>
                 <a:r>
-                  <a:rPr lang="en-US" dirty="0" smtClean="0"/>
+                  <a:rPr lang="en-US" dirty="0"/>
                   <a:t>Key..</a:t>
                 </a:r>
-                <a:endParaRPr lang="en-US" dirty="0"/>
               </a:p>
             </p:txBody>
           </p:sp>
@@ -10262,10 +9827,9 @@
               <a:lstStyle/>
               <a:p>
                 <a:r>
-                  <a:rPr lang="en-US" dirty="0" smtClean="0"/>
+                  <a:rPr lang="en-US" dirty="0"/>
                   <a:t>Key n</a:t>
                 </a:r>
-                <a:endParaRPr lang="en-US" dirty="0"/>
               </a:p>
             </p:txBody>
           </p:sp>
@@ -10292,10 +9856,9 @@
               <a:lstStyle/>
               <a:p>
                 <a:r>
-                  <a:rPr lang="en-US" dirty="0" smtClean="0"/>
+                  <a:rPr lang="en-US" dirty="0"/>
                   <a:t>Control</a:t>
                 </a:r>
-                <a:endParaRPr lang="en-US" dirty="0"/>
               </a:p>
             </p:txBody>
           </p:sp>
@@ -10388,11 +9951,11 @@
               <a:lstStyle/>
               <a:p>
                 <a:r>
-                  <a:rPr lang="en-US" sz="2000" dirty="0" smtClean="0"/>
+                  <a:rPr lang="en-US" sz="2000" dirty="0"/>
                   <a:t>Left </a:t>
                 </a:r>
                 <a:r>
-                  <a:rPr lang="en-US" sz="2000" dirty="0" err="1" smtClean="0"/>
+                  <a:rPr lang="en-US" sz="2000" dirty="0" err="1"/>
                   <a:t>ptr</a:t>
                 </a:r>
                 <a:endParaRPr lang="en-US" sz="2000" dirty="0"/>
@@ -10422,11 +9985,11 @@
               <a:lstStyle/>
               <a:p>
                 <a:r>
-                  <a:rPr lang="en-US" sz="2000" dirty="0" smtClean="0"/>
+                  <a:rPr lang="en-US" sz="2000" dirty="0"/>
                   <a:t>Right </a:t>
                 </a:r>
                 <a:r>
-                  <a:rPr lang="en-US" sz="2000" dirty="0" err="1" smtClean="0"/>
+                  <a:rPr lang="en-US" sz="2000" dirty="0" err="1"/>
                   <a:t>ptr</a:t>
                 </a:r>
                 <a:endParaRPr lang="en-US" sz="2000" dirty="0"/>
@@ -10457,10 +10020,9 @@
             <a:lstStyle/>
             <a:p>
               <a:r>
-                <a:rPr lang="en-US" dirty="0" smtClean="0"/>
+                <a:rPr lang="en-US" dirty="0"/>
                 <a:t>Minimum Element</a:t>
               </a:r>
-              <a:endParaRPr lang="en-US" dirty="0"/>
             </a:p>
           </p:txBody>
         </p:sp>
@@ -10525,10 +10087,9 @@
             <a:lstStyle/>
             <a:p>
               <a:r>
-                <a:rPr lang="en-US" dirty="0" smtClean="0"/>
+                <a:rPr lang="en-US" dirty="0"/>
                 <a:t>Maximum Element</a:t>
               </a:r>
-              <a:endParaRPr lang="en-US" dirty="0"/>
             </a:p>
           </p:txBody>
         </p:sp>
@@ -10629,10 +10190,9 @@
             <a:lstStyle/>
             <a:p>
               <a:r>
-                <a:rPr lang="en-US" dirty="0" smtClean="0"/>
+                <a:rPr lang="en-US" dirty="0"/>
                 <a:t>Pointer to parent</a:t>
               </a:r>
-              <a:endParaRPr lang="en-US" dirty="0"/>
             </a:p>
           </p:txBody>
         </p:sp>
@@ -10654,17 +10214,10 @@
       </p:transition>
     </mc:Fallback>
   </mc:AlternateContent>
-  <p:timing>
-    <p:tnLst>
-      <p:par>
-        <p:cTn id="1" dur="indefinite" restart="never" nodeType="tmRoot"/>
-      </p:par>
-    </p:tnLst>
-  </p:timing>
 </p:sld>
 </file>
 
-<file path=ppt/slides/slide19.xml><?xml version="1.0" encoding="utf-8"?>
+<file path=ppt/slides/slide18.xml><?xml version="1.0" encoding="utf-8"?>
 <p:sld xmlns:a="http://schemas.openxmlformats.org/drawingml/2006/main" xmlns:r="http://schemas.openxmlformats.org/officeDocument/2006/relationships" xmlns:p="http://schemas.openxmlformats.org/presentationml/2006/main">
   <p:cSld>
     <p:spTree>
@@ -10734,35 +10287,14 @@
               <a:rPr lang="en-US" sz="2800" dirty="0"/>
               <a:t>T-trees uphold the fact that the actual data is always in main memory collectively with the index, hence it do not keep copies of actual attribute values within the index tree nodes. Instead it just contains pointers to the actual data fields . It is an ordered structure like an AVL tree having multiple keys per node. It is an Ideal index structure for ordered search over data. </a:t>
             </a:r>
-            <a:endParaRPr lang="en-US" sz="2800" dirty="0" smtClean="0"/>
           </a:p>
           <a:p>
             <a:pPr marL="109728" indent="0" algn="just">
               <a:buNone/>
             </a:pPr>
             <a:r>
-              <a:rPr lang="en-US" sz="2800" dirty="0" smtClean="0"/>
-              <a:t>Other </a:t>
-            </a:r>
-            <a:r>
               <a:rPr lang="en-US" sz="2800" dirty="0"/>
-              <a:t>index structure supported by MMDB is heap file for handling a large number of fixed-length data items. Hash file supports unordered scan of data items as well as locking of data item that are obtained transparently when items are inserted, deleted, updated or scanned. </a:t>
-            </a:r>
-            <a:r>
-              <a:rPr lang="en-US" sz="2800" dirty="0" smtClean="0"/>
-              <a:t>Use </a:t>
-            </a:r>
-            <a:r>
-              <a:rPr lang="en-US" sz="2800" dirty="0"/>
-              <a:t>of T-trees dramatically reduces the CPU processing required to access data and completely eliminates the index value compression and </a:t>
-            </a:r>
-            <a:r>
-              <a:rPr lang="en-US" sz="2800" dirty="0" smtClean="0"/>
-              <a:t>expansion found </a:t>
-            </a:r>
-            <a:r>
-              <a:rPr lang="en-US" sz="2800" dirty="0"/>
-              <a:t>in B-trees.</a:t>
+              <a:t>Other index structure supported by MMDB is heap file for handling a large number of fixed-length data items. Hash file supports unordered scan of data items as well as locking of data item that are obtained transparently when items are inserted, deleted, updated or scanned. Use of T-trees dramatically reduces the CPU processing required to access data and completely eliminates the index value compression and expansion found in B-trees.</a:t>
             </a:r>
             <a:endParaRPr lang="en-IN" dirty="0"/>
           </a:p>
@@ -10790,13 +10322,149 @@
       </p:transition>
     </mc:Fallback>
   </mc:AlternateContent>
-  <p:timing>
-    <p:tnLst>
-      <p:par>
-        <p:cTn id="1" dur="indefinite" restart="never" nodeType="tmRoot"/>
-      </p:par>
-    </p:tnLst>
-  </p:timing>
+</p:sld>
+</file>
+
+<file path=ppt/slides/slide19.xml><?xml version="1.0" encoding="utf-8"?>
+<p:sld xmlns:a="http://schemas.openxmlformats.org/drawingml/2006/main" xmlns:r="http://schemas.openxmlformats.org/officeDocument/2006/relationships" xmlns:p="http://schemas.openxmlformats.org/presentationml/2006/main">
+  <p:cSld>
+    <p:spTree>
+      <p:nvGrpSpPr>
+        <p:cNvPr id="1" name=""/>
+        <p:cNvGrpSpPr/>
+        <p:nvPr/>
+      </p:nvGrpSpPr>
+      <p:grpSpPr>
+        <a:xfrm>
+          <a:off x="0" y="0"/>
+          <a:ext cx="0" cy="0"/>
+          <a:chOff x="0" y="0"/>
+          <a:chExt cx="0" cy="0"/>
+        </a:xfrm>
+      </p:grpSpPr>
+      <p:sp>
+        <p:nvSpPr>
+          <p:cNvPr id="3" name="Content Placeholder 2"/>
+          <p:cNvSpPr>
+            <a:spLocks noGrp="1"/>
+          </p:cNvSpPr>
+          <p:nvPr>
+            <p:ph idx="1"/>
+          </p:nvPr>
+        </p:nvSpPr>
+        <p:spPr>
+          <a:xfrm>
+            <a:off x="457200" y="1066800"/>
+            <a:ext cx="8229600" cy="4940491"/>
+          </a:xfrm>
+        </p:spPr>
+        <p:txBody>
+          <a:bodyPr>
+            <a:normAutofit/>
+          </a:bodyPr>
+          <a:lstStyle/>
+          <a:p>
+            <a:pPr algn="just"/>
+            <a:r>
+              <a:rPr lang="en-US" dirty="0"/>
+              <a:t>In DRDB, main focus is on processing costs, and attempt to minimize disk access.</a:t>
+            </a:r>
+          </a:p>
+          <a:p>
+            <a:pPr algn="just"/>
+            <a:endParaRPr lang="en-US" dirty="0"/>
+          </a:p>
+          <a:p>
+            <a:pPr algn="just"/>
+            <a:r>
+              <a:rPr lang="en-US" dirty="0"/>
+              <a:t>In IMDB, main factors are</a:t>
+            </a:r>
+          </a:p>
+          <a:p>
+            <a:pPr lvl="1" algn="just"/>
+            <a:r>
+              <a:rPr lang="en-US" dirty="0"/>
+              <a:t>Cardinality of table</a:t>
+            </a:r>
+          </a:p>
+          <a:p>
+            <a:pPr lvl="1" algn="just"/>
+            <a:r>
+              <a:rPr lang="en-US" dirty="0"/>
+              <a:t>Presence of index</a:t>
+            </a:r>
+          </a:p>
+          <a:p>
+            <a:pPr lvl="1" algn="just"/>
+            <a:r>
+              <a:rPr lang="en-US" dirty="0"/>
+              <a:t>Any ORDER BY clause</a:t>
+            </a:r>
+          </a:p>
+          <a:p>
+            <a:pPr lvl="1" algn="just"/>
+            <a:r>
+              <a:rPr lang="en-US" dirty="0"/>
+              <a:t>Predicate evaluation</a:t>
+            </a:r>
+          </a:p>
+          <a:p>
+            <a:pPr lvl="1" algn="just"/>
+            <a:endParaRPr lang="en-US" dirty="0"/>
+          </a:p>
+          <a:p>
+            <a:pPr marL="109728" indent="0" algn="just">
+              <a:buNone/>
+            </a:pPr>
+            <a:endParaRPr lang="en-US" dirty="0"/>
+          </a:p>
+        </p:txBody>
+      </p:sp>
+      <p:sp>
+        <p:nvSpPr>
+          <p:cNvPr id="2" name="Title 1"/>
+          <p:cNvSpPr>
+            <a:spLocks noGrp="1"/>
+          </p:cNvSpPr>
+          <p:nvPr>
+            <p:ph type="title"/>
+          </p:nvPr>
+        </p:nvSpPr>
+        <p:spPr>
+          <a:xfrm>
+            <a:off x="152400" y="1"/>
+            <a:ext cx="8382001" cy="1143000"/>
+          </a:xfrm>
+        </p:spPr>
+        <p:txBody>
+          <a:bodyPr/>
+          <a:lstStyle/>
+          <a:p>
+            <a:r>
+              <a:rPr lang="en-US" dirty="0"/>
+              <a:t>Query Processing</a:t>
+            </a:r>
+          </a:p>
+        </p:txBody>
+      </p:sp>
+    </p:spTree>
+  </p:cSld>
+  <p:clrMapOvr>
+    <a:masterClrMapping/>
+  </p:clrMapOvr>
+  <mc:AlternateContent xmlns:mc="http://schemas.openxmlformats.org/markup-compatibility/2006" xmlns:p14="http://schemas.microsoft.com/office/powerpoint/2010/main">
+    <mc:Choice Requires="p14">
+      <p:transition spd="med" p14:dur="700">
+        <p:fade/>
+      </p:transition>
+    </mc:Choice>
+    <mc:Fallback xmlns="">
+      <p:transition spd="med">
+        <p:fade/>
+      </p:transition>
+    </mc:Fallback>
+  </mc:AlternateContent>
 </p:sld>
 </file>
 
@@ -10841,28 +10509,8 @@
           <a:p>
             <a:pPr algn="just"/>
             <a:r>
-              <a:rPr lang="en-US" dirty="0" smtClean="0"/>
+              <a:rPr lang="en-US" dirty="0"/>
               <a:t> An </a:t>
-            </a:r>
-            <a:r>
-              <a:rPr lang="en-US" b="1" dirty="0" smtClean="0"/>
-              <a:t>IMDB</a:t>
-            </a:r>
-            <a:r>
-              <a:rPr lang="en-US" dirty="0" smtClean="0"/>
-              <a:t> also called </a:t>
-            </a:r>
-            <a:r>
-              <a:rPr lang="en-US" b="1" dirty="0" smtClean="0"/>
-              <a:t>Main memory Database(MMDB) </a:t>
-            </a:r>
-            <a:r>
-              <a:rPr lang="en-US" dirty="0" smtClean="0"/>
-              <a:t>is a database whose primary data store is main memory.</a:t>
-            </a:r>
-            <a:r>
-              <a:rPr lang="en-US" dirty="0"/>
-              <a:t> That means in </a:t>
             </a:r>
             <a:r>
               <a:rPr lang="en-US" b="1" dirty="0"/>
@@ -10870,11 +10518,23 @@
             </a:r>
             <a:r>
               <a:rPr lang="en-US" dirty="0"/>
-              <a:t> the primary copy lives permanently in memory</a:t>
-            </a:r>
-            <a:r>
-              <a:rPr lang="en-US" dirty="0" smtClean="0"/>
-              <a:t>.</a:t>
+              <a:t> also called </a:t>
+            </a:r>
+            <a:r>
+              <a:rPr lang="en-US" b="1" dirty="0"/>
+              <a:t>Main memory Database(MMDB) </a:t>
+            </a:r>
+            <a:r>
+              <a:rPr lang="en-US" dirty="0"/>
+              <a:t>is a database whose primary data store is main memory. That means in </a:t>
+            </a:r>
+            <a:r>
+              <a:rPr lang="en-US" b="1" dirty="0"/>
+              <a:t>IMDB</a:t>
+            </a:r>
+            <a:r>
+              <a:rPr lang="en-US" dirty="0"/>
+              <a:t> the primary copy lives permanently in memory.</a:t>
             </a:r>
           </a:p>
           <a:p>
@@ -10887,29 +10547,29 @@
             <a:pPr algn="just">
               <a:buNone/>
             </a:pPr>
-            <a:endParaRPr lang="en-US" dirty="0" smtClean="0"/>
+            <a:endParaRPr lang="en-US" dirty="0"/>
           </a:p>
           <a:p>
             <a:pPr algn="just">
               <a:buNone/>
             </a:pPr>
-            <a:endParaRPr lang="en-US" dirty="0" smtClean="0"/>
+            <a:endParaRPr lang="en-US" dirty="0"/>
           </a:p>
           <a:p>
             <a:pPr algn="just"/>
-            <a:endParaRPr lang="en-US" dirty="0" smtClean="0"/>
+            <a:endParaRPr lang="en-US" dirty="0"/>
           </a:p>
           <a:p>
             <a:pPr algn="just"/>
-            <a:endParaRPr lang="en-US" dirty="0" smtClean="0"/>
+            <a:endParaRPr lang="en-US" dirty="0"/>
           </a:p>
           <a:p>
             <a:pPr algn="just"/>
-            <a:endParaRPr lang="en-US" dirty="0" smtClean="0"/>
+            <a:endParaRPr lang="en-US" dirty="0"/>
           </a:p>
           <a:p>
             <a:pPr algn="just"/>
-            <a:endParaRPr lang="en-US" dirty="0" smtClean="0"/>
+            <a:endParaRPr lang="en-US" dirty="0"/>
           </a:p>
           <a:p>
             <a:pPr algn="just"/>
@@ -10938,10 +10598,9 @@
           <a:lstStyle/>
           <a:p>
             <a:r>
-              <a:rPr lang="en-US" b="1" dirty="0" smtClean="0"/>
+              <a:rPr lang="en-US" b="1" dirty="0"/>
               <a:t>Introduction</a:t>
             </a:r>
-            <a:endParaRPr lang="en-US" b="1" dirty="0"/>
           </a:p>
         </p:txBody>
       </p:sp>
@@ -10962,13 +10621,6 @@
       </p:transition>
     </mc:Fallback>
   </mc:AlternateContent>
-  <p:timing>
-    <p:tnLst>
-      <p:par>
-        <p:cTn id="1" dur="indefinite" restart="never" nodeType="tmRoot"/>
-      </p:par>
-    </p:tnLst>
-  </p:timing>
 </p:sld>
 </file>
 
@@ -11001,8 +10653,8 @@
         </p:nvSpPr>
         <p:spPr>
           <a:xfrm>
-            <a:off x="457200" y="1066800"/>
-            <a:ext cx="8229600" cy="4940491"/>
+            <a:off x="609600" y="1219200"/>
+            <a:ext cx="7924801" cy="5029200"/>
           </a:xfrm>
         </p:spPr>
         <p:txBody>
@@ -11013,58 +10665,45 @@
           <a:p>
             <a:pPr algn="just"/>
             <a:r>
-              <a:rPr lang="en-US" dirty="0" smtClean="0"/>
-              <a:t>In DRDB, main focus is on processing costs, and attempt to minimize disk access.</a:t>
+              <a:rPr lang="en-US" dirty="0"/>
+              <a:t>IMDBs can be said to lack support for the durability portion of the ACID</a:t>
             </a:r>
           </a:p>
           <a:p>
             <a:pPr algn="just"/>
-            <a:endParaRPr lang="en-US" dirty="0" smtClean="0"/>
+            <a:endParaRPr lang="en-US" dirty="0"/>
           </a:p>
           <a:p>
             <a:pPr algn="just"/>
             <a:r>
-              <a:rPr lang="en-US" dirty="0" smtClean="0"/>
-              <a:t>In IMDB, main factors are</a:t>
+              <a:rPr lang="en-US" dirty="0"/>
+              <a:t>Many MMDBs have added durability via the following mechanisms:</a:t>
             </a:r>
           </a:p>
           <a:p>
             <a:pPr lvl="1" algn="just"/>
             <a:r>
-              <a:rPr lang="en-US" dirty="0" smtClean="0"/>
-              <a:t>Cardinality of table</a:t>
+              <a:rPr lang="en-US" dirty="0"/>
+              <a:t>Checkpoints</a:t>
             </a:r>
           </a:p>
           <a:p>
             <a:pPr lvl="1" algn="just"/>
             <a:r>
-              <a:rPr lang="en-US" dirty="0" smtClean="0"/>
-              <a:t>Presence of index</a:t>
+              <a:rPr lang="en-US" dirty="0"/>
+              <a:t>Transaction logging</a:t>
             </a:r>
           </a:p>
           <a:p>
             <a:pPr lvl="1" algn="just"/>
             <a:r>
-              <a:rPr lang="en-US" dirty="0" smtClean="0"/>
-              <a:t>Any ORDER BY clause</a:t>
+              <a:rPr lang="en-US" dirty="0"/>
+              <a:t>NVRAM(Non-Volatile RAM)</a:t>
             </a:r>
           </a:p>
           <a:p>
             <a:pPr lvl="1" algn="just"/>
-            <a:r>
-              <a:rPr lang="en-US" dirty="0" smtClean="0"/>
-              <a:t>Predicate evaluation</a:t>
-            </a:r>
-          </a:p>
-          <a:p>
-            <a:pPr lvl="1" algn="just"/>
-            <a:endParaRPr lang="en-US" dirty="0" smtClean="0"/>
-          </a:p>
-          <a:p>
-            <a:pPr marL="109728" indent="0" algn="just">
-              <a:buNone/>
-            </a:pPr>
-            <a:endParaRPr lang="en-US" dirty="0" smtClean="0"/>
+            <a:endParaRPr lang="en-US" dirty="0"/>
           </a:p>
         </p:txBody>
       </p:sp>
@@ -11078,21 +10717,15 @@
             <p:ph type="title"/>
           </p:nvPr>
         </p:nvSpPr>
-        <p:spPr>
-          <a:xfrm>
-            <a:off x="152400" y="1"/>
-            <a:ext cx="8382001" cy="1143000"/>
-          </a:xfrm>
-        </p:spPr>
+        <p:spPr/>
         <p:txBody>
           <a:bodyPr/>
           <a:lstStyle/>
           <a:p>
             <a:r>
-              <a:rPr lang="en-US" dirty="0" smtClean="0"/>
-              <a:t>Query Processing</a:t>
-            </a:r>
-            <a:endParaRPr lang="en-US" dirty="0"/>
+              <a:rPr lang="en-US" dirty="0"/>
+              <a:t>ACID Properties</a:t>
+            </a:r>
           </a:p>
         </p:txBody>
       </p:sp>
@@ -11113,13 +10746,6 @@
       </p:transition>
     </mc:Fallback>
   </mc:AlternateContent>
-  <p:timing>
-    <p:tnLst>
-      <p:par>
-        <p:cTn id="1" dur="indefinite" restart="never" nodeType="tmRoot"/>
-      </p:par>
-    </p:tnLst>
-  </p:timing>
 </p:sld>
 </file>
 
@@ -11152,8 +10778,8 @@
         </p:nvSpPr>
         <p:spPr>
           <a:xfrm>
-            <a:off x="609600" y="1219200"/>
-            <a:ext cx="7924801" cy="5029200"/>
+            <a:off x="457200" y="1066800"/>
+            <a:ext cx="8229600" cy="4940491"/>
           </a:xfrm>
         </p:spPr>
         <p:txBody>
@@ -11164,45 +10790,41 @@
           <a:p>
             <a:pPr algn="just"/>
             <a:r>
-              <a:rPr lang="en-US" dirty="0" smtClean="0"/>
-              <a:t>IMDBs can be said to lack support for the durability portion of the ACID</a:t>
+              <a:rPr lang="en-US" dirty="0"/>
+              <a:t>Mechanisms for recovery are :</a:t>
+            </a:r>
+          </a:p>
+          <a:p>
+            <a:pPr lvl="1" algn="just"/>
+            <a:r>
+              <a:rPr lang="en-US" dirty="0"/>
+              <a:t>Logging</a:t>
+            </a:r>
+          </a:p>
+          <a:p>
+            <a:pPr lvl="1" algn="just"/>
+            <a:r>
+              <a:rPr lang="en-US" dirty="0"/>
+              <a:t>Checkpoints</a:t>
+            </a:r>
+          </a:p>
+          <a:p>
+            <a:pPr lvl="1" algn="just"/>
+            <a:r>
+              <a:rPr lang="en-US" dirty="0"/>
+              <a:t>Reloading</a:t>
             </a:r>
           </a:p>
           <a:p>
             <a:pPr algn="just"/>
-            <a:endParaRPr lang="en-US" dirty="0" smtClean="0"/>
+            <a:endParaRPr lang="en-US" dirty="0"/>
           </a:p>
           <a:p>
             <a:pPr algn="just"/>
             <a:r>
-              <a:rPr lang="en-US" dirty="0" smtClean="0"/>
-              <a:t>Many MMDBs have added durability via the following mechanisms:</a:t>
-            </a:r>
-          </a:p>
-          <a:p>
-            <a:pPr lvl="1" algn="just"/>
-            <a:r>
-              <a:rPr lang="en-US" dirty="0" smtClean="0"/>
-              <a:t>Checkpoints</a:t>
-            </a:r>
-          </a:p>
-          <a:p>
-            <a:pPr lvl="1" algn="just"/>
-            <a:r>
-              <a:rPr lang="en-US" dirty="0" smtClean="0"/>
-              <a:t>Transaction logging</a:t>
-            </a:r>
-          </a:p>
-          <a:p>
-            <a:pPr lvl="1" algn="just"/>
-            <a:r>
-              <a:rPr lang="en-US" dirty="0" smtClean="0"/>
-              <a:t>NVRAM(Non-Volatile RAM)</a:t>
-            </a:r>
-          </a:p>
-          <a:p>
-            <a:pPr lvl="1" algn="just"/>
-            <a:endParaRPr lang="en-US" dirty="0"/>
+              <a:rPr lang="en-US" dirty="0"/>
+              <a:t>transactional durability is kept, by keeping two separate but synchronized copies of the database at all times as well as storing log files on-disk.</a:t>
+            </a:r>
           </a:p>
         </p:txBody>
       </p:sp>
@@ -11216,16 +10838,20 @@
             <p:ph type="title"/>
           </p:nvPr>
         </p:nvSpPr>
-        <p:spPr/>
+        <p:spPr>
+          <a:xfrm>
+            <a:off x="1195389" y="0"/>
+            <a:ext cx="7339012" cy="1239837"/>
+          </a:xfrm>
+        </p:spPr>
         <p:txBody>
           <a:bodyPr/>
           <a:lstStyle/>
           <a:p>
             <a:r>
-              <a:rPr lang="en-US" dirty="0" smtClean="0"/>
-              <a:t>ACID Properties</a:t>
-            </a:r>
-            <a:endParaRPr lang="en-US" dirty="0"/>
+              <a:rPr lang="en-US" dirty="0"/>
+              <a:t>Recovery</a:t>
+            </a:r>
           </a:p>
         </p:txBody>
       </p:sp>
@@ -11246,13 +10872,6 @@
       </p:transition>
     </mc:Fallback>
   </mc:AlternateContent>
-  <p:timing>
-    <p:tnLst>
-      <p:par>
-        <p:cTn id="1" dur="indefinite" restart="never" nodeType="tmRoot"/>
-      </p:par>
-    </p:tnLst>
-  </p:timing>
 </p:sld>
 </file>
 
@@ -11285,53 +10904,42 @@
         </p:nvSpPr>
         <p:spPr>
           <a:xfrm>
-            <a:off x="457200" y="1066800"/>
-            <a:ext cx="8229600" cy="4940491"/>
+            <a:off x="1066800" y="1600200"/>
+            <a:ext cx="7467601" cy="4953000"/>
           </a:xfrm>
         </p:spPr>
         <p:txBody>
-          <a:bodyPr>
-            <a:normAutofit/>
-          </a:bodyPr>
+          <a:bodyPr/>
           <a:lstStyle/>
           <a:p>
-            <a:pPr algn="just"/>
-            <a:r>
-              <a:rPr lang="en-US" dirty="0" smtClean="0"/>
-              <a:t>Mechanisms for recovery are :</a:t>
-            </a:r>
-          </a:p>
-          <a:p>
-            <a:pPr lvl="1" algn="just"/>
-            <a:r>
-              <a:rPr lang="en-US" dirty="0" smtClean="0"/>
-              <a:t>Logging</a:t>
-            </a:r>
-          </a:p>
-          <a:p>
-            <a:pPr lvl="1" algn="just"/>
-            <a:r>
-              <a:rPr lang="en-US" dirty="0" smtClean="0"/>
-              <a:t>Checkpoints</a:t>
-            </a:r>
-          </a:p>
-          <a:p>
-            <a:pPr lvl="1" algn="just"/>
-            <a:r>
-              <a:rPr lang="en-US" dirty="0" smtClean="0"/>
-              <a:t>Reloading</a:t>
-            </a:r>
-          </a:p>
-          <a:p>
-            <a:pPr algn="just"/>
-            <a:endParaRPr lang="en-US" dirty="0" smtClean="0"/>
-          </a:p>
-          <a:p>
-            <a:pPr algn="just"/>
-            <a:r>
-              <a:rPr lang="en-US" dirty="0" smtClean="0"/>
-              <a:t>transactional durability is kept, by keeping two separate but synchronized copies of the database at all times as well as storing log files on-disk.</a:t>
-            </a:r>
+            <a:r>
+              <a:rPr lang="en-US" dirty="0"/>
+              <a:t>Durability </a:t>
+            </a:r>
+          </a:p>
+          <a:p>
+            <a:pPr>
+              <a:buNone/>
+            </a:pPr>
+            <a:endParaRPr lang="en-US" dirty="0"/>
+          </a:p>
+          <a:p>
+            <a:r>
+              <a:rPr lang="en-US" dirty="0"/>
+              <a:t>Query optimization</a:t>
+            </a:r>
+          </a:p>
+          <a:p>
+            <a:endParaRPr lang="en-US" dirty="0"/>
+          </a:p>
+          <a:p>
+            <a:r>
+              <a:rPr lang="en-US" dirty="0"/>
+              <a:t>Size of Data Base</a:t>
+            </a:r>
+          </a:p>
+          <a:p>
+            <a:endParaRPr lang="en-US" dirty="0"/>
           </a:p>
         </p:txBody>
       </p:sp>
@@ -11347,7 +10955,7 @@
         </p:nvSpPr>
         <p:spPr>
           <a:xfrm>
-            <a:off x="1195389" y="0"/>
+            <a:off x="1195389" y="76200"/>
             <a:ext cx="7339012" cy="1239837"/>
           </a:xfrm>
         </p:spPr>
@@ -11356,14 +10964,18 @@
           <a:lstStyle/>
           <a:p>
             <a:r>
-              <a:rPr lang="en-US" dirty="0" smtClean="0"/>
-              <a:t>Recovery</a:t>
-            </a:r>
-            <a:endParaRPr lang="en-US" dirty="0"/>
+              <a:rPr lang="en-US" dirty="0"/>
+              <a:t>Challenges in IMDB</a:t>
+            </a:r>
           </a:p>
         </p:txBody>
       </p:sp>
     </p:spTree>
+    <p:extLst>
+      <p:ext uri="{BB962C8B-B14F-4D97-AF65-F5344CB8AC3E}">
+        <p14:creationId xmlns:p14="http://schemas.microsoft.com/office/powerpoint/2010/main" val="3448432176"/>
+      </p:ext>
+    </p:extLst>
   </p:cSld>
   <p:clrMapOvr>
     <a:masterClrMapping/>
@@ -11380,13 +10992,6 @@
       </p:transition>
     </mc:Fallback>
   </mc:AlternateContent>
-  <p:timing>
-    <p:tnLst>
-      <p:par>
-        <p:cTn id="1" dur="indefinite" restart="never" nodeType="tmRoot"/>
-      </p:par>
-    </p:tnLst>
-  </p:timing>
 </p:sld>
 </file>
 
@@ -11417,44 +11022,39 @@
             <p:ph idx="1"/>
           </p:nvPr>
         </p:nvSpPr>
-        <p:spPr>
-          <a:xfrm>
-            <a:off x="1066800" y="1600200"/>
-            <a:ext cx="7467601" cy="4953000"/>
-          </a:xfrm>
-        </p:spPr>
+        <p:spPr/>
         <p:txBody>
           <a:bodyPr/>
           <a:lstStyle/>
           <a:p>
             <a:r>
-              <a:rPr lang="en-US" dirty="0" smtClean="0"/>
-              <a:t>Durability </a:t>
-            </a:r>
-          </a:p>
-          <a:p>
-            <a:pPr>
-              <a:buNone/>
-            </a:pPr>
-            <a:endParaRPr lang="en-US" dirty="0" smtClean="0"/>
-          </a:p>
-          <a:p>
-            <a:r>
-              <a:rPr lang="en-US" dirty="0" smtClean="0"/>
-              <a:t>Query optimization</a:t>
-            </a:r>
-          </a:p>
-          <a:p>
-            <a:endParaRPr lang="en-US" dirty="0" smtClean="0"/>
-          </a:p>
-          <a:p>
-            <a:r>
-              <a:rPr lang="en-US" dirty="0" smtClean="0"/>
-              <a:t>Size of Data Base</a:t>
-            </a:r>
-          </a:p>
-          <a:p>
-            <a:endParaRPr lang="en-US" dirty="0"/>
+              <a:rPr lang="en-US" dirty="0"/>
+              <a:t>CSQL</a:t>
+            </a:r>
+          </a:p>
+          <a:p>
+            <a:r>
+              <a:rPr lang="en-US" dirty="0"/>
+              <a:t>HyperSQL</a:t>
+            </a:r>
+          </a:p>
+          <a:p>
+            <a:r>
+              <a:rPr lang="en-US" dirty="0"/>
+              <a:t>VoltDB</a:t>
+            </a:r>
+          </a:p>
+          <a:p>
+            <a:r>
+              <a:rPr lang="en-US" dirty="0"/>
+              <a:t>Mcobject</a:t>
+            </a:r>
+          </a:p>
+          <a:p>
+            <a:r>
+              <a:rPr lang="en-US" dirty="0"/>
+              <a:t>MonetDB</a:t>
+            </a:r>
           </a:p>
         </p:txBody>
       </p:sp>
@@ -11468,21 +11068,15 @@
             <p:ph type="title"/>
           </p:nvPr>
         </p:nvSpPr>
-        <p:spPr>
-          <a:xfrm>
-            <a:off x="1195389" y="76200"/>
-            <a:ext cx="7339012" cy="1239837"/>
-          </a:xfrm>
-        </p:spPr>
+        <p:spPr/>
         <p:txBody>
           <a:bodyPr/>
           <a:lstStyle/>
           <a:p>
             <a:r>
-              <a:rPr lang="en-US" dirty="0" smtClean="0"/>
-              <a:t>Challenges in IMDB</a:t>
-            </a:r>
-            <a:endParaRPr lang="en-US" dirty="0"/>
+              <a:rPr lang="en-US" dirty="0"/>
+              <a:t>IMDB Open Sources:</a:t>
+            </a:r>
           </a:p>
         </p:txBody>
       </p:sp>
@@ -11503,127 +11097,6 @@
       </p:transition>
     </mc:Fallback>
   </mc:AlternateContent>
-  <p:timing>
-    <p:tnLst>
-      <p:par>
-        <p:cTn id="1" dur="indefinite" restart="never" nodeType="tmRoot"/>
-      </p:par>
-    </p:tnLst>
-  </p:timing>
-</p:sld>
-</file>
-
-<file path=ppt/slides/slide24.xml><?xml version="1.0" encoding="utf-8"?>
-<p:sld xmlns:a="http://schemas.openxmlformats.org/drawingml/2006/main" xmlns:r="http://schemas.openxmlformats.org/officeDocument/2006/relationships" xmlns:p="http://schemas.openxmlformats.org/presentationml/2006/main">
-  <p:cSld>
-    <p:spTree>
-      <p:nvGrpSpPr>
-        <p:cNvPr id="1" name=""/>
-        <p:cNvGrpSpPr/>
-        <p:nvPr/>
-      </p:nvGrpSpPr>
-      <p:grpSpPr>
-        <a:xfrm>
-          <a:off x="0" y="0"/>
-          <a:ext cx="0" cy="0"/>
-          <a:chOff x="0" y="0"/>
-          <a:chExt cx="0" cy="0"/>
-        </a:xfrm>
-      </p:grpSpPr>
-      <p:sp>
-        <p:nvSpPr>
-          <p:cNvPr id="3" name="Content Placeholder 2"/>
-          <p:cNvSpPr>
-            <a:spLocks noGrp="1"/>
-          </p:cNvSpPr>
-          <p:nvPr>
-            <p:ph idx="1"/>
-          </p:nvPr>
-        </p:nvSpPr>
-        <p:spPr/>
-        <p:txBody>
-          <a:bodyPr/>
-          <a:lstStyle/>
-          <a:p>
-            <a:r>
-              <a:rPr lang="en-US" dirty="0" smtClean="0"/>
-              <a:t>CSQL</a:t>
-            </a:r>
-          </a:p>
-          <a:p>
-            <a:r>
-              <a:rPr lang="en-US" dirty="0" smtClean="0"/>
-              <a:t>HyperSQL</a:t>
-            </a:r>
-          </a:p>
-          <a:p>
-            <a:r>
-              <a:rPr lang="en-US" dirty="0" smtClean="0"/>
-              <a:t>VoltDB</a:t>
-            </a:r>
-          </a:p>
-          <a:p>
-            <a:r>
-              <a:rPr lang="en-US" dirty="0" smtClean="0"/>
-              <a:t>Mcobject</a:t>
-            </a:r>
-          </a:p>
-          <a:p>
-            <a:r>
-              <a:rPr lang="en-US" dirty="0" smtClean="0"/>
-              <a:t>MonetDB</a:t>
-            </a:r>
-            <a:endParaRPr lang="en-US" dirty="0"/>
-          </a:p>
-        </p:txBody>
-      </p:sp>
-      <p:sp>
-        <p:nvSpPr>
-          <p:cNvPr id="2" name="Title 1"/>
-          <p:cNvSpPr>
-            <a:spLocks noGrp="1"/>
-          </p:cNvSpPr>
-          <p:nvPr>
-            <p:ph type="title"/>
-          </p:nvPr>
-        </p:nvSpPr>
-        <p:spPr/>
-        <p:txBody>
-          <a:bodyPr/>
-          <a:lstStyle/>
-          <a:p>
-            <a:r>
-              <a:rPr lang="en-US" dirty="0" smtClean="0"/>
-              <a:t>IMDB Open Sources:</a:t>
-            </a:r>
-            <a:endParaRPr lang="en-US" dirty="0"/>
-          </a:p>
-        </p:txBody>
-      </p:sp>
-    </p:spTree>
-  </p:cSld>
-  <p:clrMapOvr>
-    <a:masterClrMapping/>
-  </p:clrMapOvr>
-  <mc:AlternateContent xmlns:mc="http://schemas.openxmlformats.org/markup-compatibility/2006" xmlns:p14="http://schemas.microsoft.com/office/powerpoint/2010/main">
-    <mc:Choice Requires="p14">
-      <p:transition spd="med" p14:dur="700">
-        <p:fade/>
-      </p:transition>
-    </mc:Choice>
-    <mc:Fallback xmlns="">
-      <p:transition spd="med">
-        <p:fade/>
-      </p:transition>
-    </mc:Fallback>
-  </mc:AlternateContent>
-  <p:timing>
-    <p:tnLst>
-      <p:par>
-        <p:cTn id="1" dur="indefinite" restart="never" nodeType="tmRoot"/>
-      </p:par>
-    </p:tnLst>
-  </p:timing>
 </p:sld>
 </file>
 
@@ -11664,11 +11137,11 @@
           <a:bodyPr/>
           <a:lstStyle/>
           <a:p>
-            <a:endParaRPr lang="en-US" dirty="0" smtClean="0"/>
-          </a:p>
-          <a:p>
-            <a:r>
-              <a:rPr lang="en-US" dirty="0" smtClean="0"/>
+            <a:endParaRPr lang="en-US" dirty="0"/>
+          </a:p>
+          <a:p>
+            <a:r>
+              <a:rPr lang="en-US" dirty="0"/>
               <a:t>Is this a new idea?  NO!!!</a:t>
             </a:r>
           </a:p>
@@ -11676,14 +11149,14 @@
             <a:pPr>
               <a:buNone/>
             </a:pPr>
-            <a:endParaRPr lang="en-US" dirty="0" smtClean="0"/>
-          </a:p>
-          <a:p>
-            <a:endParaRPr lang="en-US" dirty="0" smtClean="0"/>
-          </a:p>
-          <a:p>
-            <a:r>
-              <a:rPr lang="en-US" dirty="0" smtClean="0"/>
+            <a:endParaRPr lang="en-US" dirty="0"/>
+          </a:p>
+          <a:p>
+            <a:endParaRPr lang="en-US" dirty="0"/>
+          </a:p>
+          <a:p>
+            <a:r>
+              <a:rPr lang="en-US" dirty="0"/>
               <a:t>Why now so important?</a:t>
             </a:r>
           </a:p>
@@ -11692,7 +11165,7 @@
               <a:buNone/>
             </a:pPr>
             <a:r>
-              <a:rPr lang="en-US" dirty="0" smtClean="0"/>
+              <a:rPr lang="en-US" dirty="0"/>
               <a:t> 				</a:t>
             </a:r>
           </a:p>
@@ -11701,12 +11174,12 @@
               <a:buNone/>
             </a:pPr>
             <a:r>
-              <a:rPr lang="en-US" dirty="0" smtClean="0"/>
+              <a:rPr lang="en-US" dirty="0"/>
               <a:t>			Due to 4 factors </a:t>
             </a:r>
           </a:p>
           <a:p>
-            <a:endParaRPr lang="en-US" dirty="0" smtClean="0"/>
+            <a:endParaRPr lang="en-US" dirty="0"/>
           </a:p>
           <a:p>
             <a:endParaRPr lang="en-US" dirty="0"/>
@@ -11734,10 +11207,9 @@
           <a:lstStyle/>
           <a:p>
             <a:r>
-              <a:rPr lang="en-US" dirty="0" smtClean="0"/>
+              <a:rPr lang="en-US" dirty="0"/>
               <a:t>History</a:t>
             </a:r>
-            <a:endParaRPr lang="en-US" dirty="0"/>
           </a:p>
         </p:txBody>
       </p:sp>
@@ -11815,13 +11287,6 @@
       </p:transition>
     </mc:Fallback>
   </mc:AlternateContent>
-  <p:timing>
-    <p:tnLst>
-      <p:par>
-        <p:cTn id="1" dur="indefinite" restart="never" nodeType="tmRoot"/>
-      </p:par>
-    </p:tnLst>
-  </p:timing>
 </p:sld>
 </file>
 
@@ -11865,54 +11330,54 @@
           <a:lstStyle/>
           <a:p>
             <a:r>
-              <a:rPr lang="en-US" b="1" dirty="0" smtClean="0"/>
+              <a:rPr lang="en-US" b="1" dirty="0"/>
               <a:t>LOWER ING COSTS &amp; GROWING SIZE (RAM):</a:t>
             </a:r>
           </a:p>
           <a:p>
             <a:pPr lvl="1"/>
             <a:r>
-              <a:rPr lang="en-US" dirty="0" smtClean="0"/>
+              <a:rPr lang="en-US" dirty="0"/>
               <a:t>In early 2000, the cost of </a:t>
             </a:r>
             <a:r>
-              <a:rPr lang="de-DE" dirty="0" smtClean="0"/>
+              <a:rPr lang="de-DE" dirty="0"/>
               <a:t>64 MB </a:t>
             </a:r>
             <a:r>
-              <a:rPr lang="en-US" dirty="0" smtClean="0"/>
+              <a:rPr lang="en-US" dirty="0"/>
               <a:t>RAM</a:t>
             </a:r>
             <a:r>
-              <a:rPr lang="de-DE" dirty="0" smtClean="0"/>
+              <a:rPr lang="de-DE" dirty="0"/>
               <a:t> @ $71</a:t>
             </a:r>
           </a:p>
           <a:p>
             <a:pPr lvl="1"/>
             <a:r>
-              <a:rPr lang="de-DE" dirty="0" smtClean="0"/>
+              <a:rPr lang="de-DE" dirty="0"/>
               <a:t>But now , </a:t>
             </a:r>
             <a:r>
-              <a:rPr lang="en-US" dirty="0" smtClean="0"/>
+              <a:rPr lang="en-US" dirty="0"/>
               <a:t>8GB DDR3 @ $69.99</a:t>
             </a:r>
           </a:p>
           <a:p>
             <a:pPr lvl="1"/>
-            <a:endParaRPr lang="en-US" dirty="0" smtClean="0"/>
-          </a:p>
-          <a:p>
-            <a:r>
-              <a:rPr lang="en-US" b="1" dirty="0" smtClean="0"/>
+            <a:endParaRPr lang="en-US" dirty="0"/>
+          </a:p>
+          <a:p>
+            <a:r>
+              <a:rPr lang="en-US" b="1" dirty="0"/>
               <a:t>MULTICORE PROCESSORS</a:t>
             </a:r>
           </a:p>
           <a:p>
             <a:pPr lvl="1"/>
             <a:r>
-              <a:rPr lang="en-US" dirty="0" smtClean="0"/>
+              <a:rPr lang="en-US" dirty="0"/>
               <a:t>parallel and faster computation</a:t>
             </a:r>
           </a:p>
@@ -11920,28 +11385,28 @@
             <a:pPr lvl="1">
               <a:buNone/>
             </a:pPr>
-            <a:endParaRPr lang="en-US" b="1" dirty="0" smtClean="0"/>
-          </a:p>
-          <a:p>
-            <a:r>
-              <a:rPr lang="en-US" b="1" dirty="0" smtClean="0"/>
+            <a:endParaRPr lang="en-US" b="1" dirty="0"/>
+          </a:p>
+          <a:p>
+            <a:r>
+              <a:rPr lang="en-US" b="1" dirty="0"/>
               <a:t>64 bit Computing</a:t>
             </a:r>
           </a:p>
           <a:p>
             <a:pPr lvl="1"/>
             <a:r>
-              <a:rPr lang="en-US" dirty="0" smtClean="0"/>
+              <a:rPr lang="en-US" dirty="0"/>
               <a:t>multiple GB of main memory</a:t>
             </a:r>
           </a:p>
           <a:p>
             <a:pPr lvl="1"/>
-            <a:endParaRPr lang="en-US" b="1" dirty="0" smtClean="0"/>
-          </a:p>
-          <a:p>
-            <a:r>
-              <a:rPr lang="en-US" b="1" dirty="0" smtClean="0"/>
+            <a:endParaRPr lang="en-US" b="1" dirty="0"/>
+          </a:p>
+          <a:p>
+            <a:r>
+              <a:rPr lang="en-US" b="1" dirty="0"/>
               <a:t>Faster  responses  to queries</a:t>
             </a:r>
           </a:p>
@@ -11950,10 +11415,9 @@
               <a:buNone/>
             </a:pPr>
             <a:r>
-              <a:rPr lang="en-US" b="1" dirty="0" smtClean="0"/>
+              <a:rPr lang="en-US" b="1" dirty="0"/>
               <a:t> </a:t>
             </a:r>
-            <a:endParaRPr lang="en-US" b="1" dirty="0"/>
           </a:p>
         </p:txBody>
       </p:sp>
@@ -11978,10 +11442,9 @@
           <a:lstStyle/>
           <a:p>
             <a:r>
-              <a:rPr lang="en-US" dirty="0" smtClean="0"/>
+              <a:rPr lang="en-US" dirty="0"/>
               <a:t>Factors:</a:t>
             </a:r>
-            <a:endParaRPr lang="en-US" dirty="0"/>
           </a:p>
         </p:txBody>
       </p:sp>
@@ -12002,13 +11465,6 @@
       </p:transition>
     </mc:Fallback>
   </mc:AlternateContent>
-  <p:timing>
-    <p:tnLst>
-      <p:par>
-        <p:cTn id="1" dur="indefinite" restart="never" nodeType="tmRoot"/>
-      </p:par>
-    </p:tnLst>
-  </p:timing>
 </p:sld>
 </file>
 
@@ -12054,8 +11510,20 @@
                 <a:tableStyleId>{5C22544A-7EE6-4342-B048-85BDC9FD1C3A}</a:tableStyleId>
               </a:tblPr>
               <a:tblGrid>
-                <a:gridCol w="4191000"/>
-                <a:gridCol w="4191000"/>
+                <a:gridCol w="4191000">
+                  <a:extLst>
+                    <a:ext uri="{9D8B030D-6E8A-4147-A177-3AD203B41FA5}">
+                      <a16:colId xmlns:a16="http://schemas.microsoft.com/office/drawing/2014/main" val="20000"/>
+                    </a:ext>
+                  </a:extLst>
+                </a:gridCol>
+                <a:gridCol w="4191000">
+                  <a:extLst>
+                    <a:ext uri="{9D8B030D-6E8A-4147-A177-3AD203B41FA5}">
+                      <a16:colId xmlns:a16="http://schemas.microsoft.com/office/drawing/2014/main" val="20001"/>
+                    </a:ext>
+                  </a:extLst>
+                </a:gridCol>
               </a:tblGrid>
               <a:tr h="521494">
                 <a:tc>
@@ -12065,10 +11533,9 @@
                     <a:p>
                       <a:pPr algn="ctr"/>
                       <a:r>
-                        <a:rPr lang="en-IN" sz="2400" dirty="0" smtClean="0"/>
+                        <a:rPr lang="en-IN" sz="2400" dirty="0"/>
                         <a:t>In-memory</a:t>
                       </a:r>
-                      <a:endParaRPr lang="en-IN" sz="2400" dirty="0"/>
                     </a:p>
                   </a:txBody>
                   <a:tcPr/>
@@ -12080,14 +11547,18 @@
                     <a:p>
                       <a:pPr algn="ctr"/>
                       <a:r>
-                        <a:rPr lang="en-IN" sz="2400" dirty="0" smtClean="0"/>
+                        <a:rPr lang="en-IN" sz="2400" dirty="0"/>
                         <a:t>Traditional</a:t>
                       </a:r>
-                      <a:endParaRPr lang="en-IN" sz="2400" dirty="0"/>
                     </a:p>
                   </a:txBody>
                   <a:tcPr/>
                 </a:tc>
+                <a:extLst>
+                  <a:ext uri="{0D108BD9-81ED-4DB2-BD59-A6C34878D82A}">
+                    <a16:rowId xmlns:a16="http://schemas.microsoft.com/office/drawing/2014/main" val="10000"/>
+                  </a:ext>
+                </a:extLst>
               </a:tr>
               <a:tr h="900112">
                 <a:tc>
@@ -12097,11 +11568,11 @@
                     <a:p>
                       <a:pPr algn="ctr"/>
                       <a:r>
-                        <a:rPr lang="en-IN" sz="2400" dirty="0" smtClean="0"/>
+                        <a:rPr lang="en-IN" sz="2400" dirty="0"/>
                         <a:t>Data stored</a:t>
                       </a:r>
                       <a:r>
-                        <a:rPr lang="en-IN" sz="2400" baseline="0" dirty="0" smtClean="0"/>
+                        <a:rPr lang="en-IN" sz="2400" baseline="0" dirty="0"/>
                         <a:t> in main memory</a:t>
                       </a:r>
                       <a:endParaRPr lang="en-IN" sz="2400" dirty="0"/>
@@ -12116,14 +11587,18 @@
                     <a:p>
                       <a:pPr algn="ctr"/>
                       <a:r>
-                        <a:rPr lang="en-IN" sz="2400" dirty="0" smtClean="0"/>
+                        <a:rPr lang="en-IN" sz="2400" dirty="0"/>
                         <a:t>Data stored in disk</a:t>
                       </a:r>
-                      <a:endParaRPr lang="en-IN" sz="2400" dirty="0"/>
                     </a:p>
                   </a:txBody>
                   <a:tcPr/>
                 </a:tc>
+                <a:extLst>
+                  <a:ext uri="{0D108BD9-81ED-4DB2-BD59-A6C34878D82A}">
+                    <a16:rowId xmlns:a16="http://schemas.microsoft.com/office/drawing/2014/main" val="10001"/>
+                  </a:ext>
+                </a:extLst>
               </a:tr>
               <a:tr h="900112">
                 <a:tc>
@@ -12133,10 +11608,9 @@
                     <a:p>
                       <a:pPr algn="ctr"/>
                       <a:r>
-                        <a:rPr lang="en-IN" sz="2400" dirty="0" smtClean="0"/>
+                        <a:rPr lang="en-IN" sz="2400" dirty="0"/>
                         <a:t>Data may be persistent or volatile</a:t>
                       </a:r>
-                      <a:endParaRPr lang="en-IN" sz="2400" dirty="0"/>
                     </a:p>
                   </a:txBody>
                   <a:tcPr/>
@@ -12148,14 +11622,18 @@
                     <a:p>
                       <a:pPr algn="ctr"/>
                       <a:r>
-                        <a:rPr lang="en-IN" sz="2400" dirty="0" smtClean="0"/>
+                        <a:rPr lang="en-IN" sz="2400" dirty="0"/>
                         <a:t>Data is always persistent</a:t>
                       </a:r>
-                      <a:endParaRPr lang="en-IN" sz="2400" dirty="0"/>
                     </a:p>
                   </a:txBody>
                   <a:tcPr/>
                 </a:tc>
+                <a:extLst>
+                  <a:ext uri="{0D108BD9-81ED-4DB2-BD59-A6C34878D82A}">
+                    <a16:rowId xmlns:a16="http://schemas.microsoft.com/office/drawing/2014/main" val="10002"/>
+                  </a:ext>
+                </a:extLst>
               </a:tr>
               <a:tr h="1285875">
                 <a:tc>
@@ -12165,10 +11643,9 @@
                     <a:p>
                       <a:pPr algn="ctr"/>
                       <a:r>
-                        <a:rPr lang="en-IN" sz="2400" dirty="0" smtClean="0"/>
+                        <a:rPr lang="en-IN" sz="2400" dirty="0"/>
                         <a:t>Size is less or limited because of less main memory </a:t>
                       </a:r>
-                      <a:endParaRPr lang="en-IN" sz="2400" dirty="0"/>
                     </a:p>
                   </a:txBody>
                   <a:tcPr/>
@@ -12180,14 +11657,18 @@
                     <a:p>
                       <a:pPr algn="ctr"/>
                       <a:r>
-                        <a:rPr lang="en-IN" sz="2400" dirty="0" smtClean="0"/>
+                        <a:rPr lang="en-IN" sz="2400" dirty="0"/>
                         <a:t>Size is large</a:t>
                       </a:r>
-                      <a:endParaRPr lang="en-IN" sz="2400" dirty="0"/>
                     </a:p>
                   </a:txBody>
                   <a:tcPr/>
                 </a:tc>
+                <a:extLst>
+                  <a:ext uri="{0D108BD9-81ED-4DB2-BD59-A6C34878D82A}">
+                    <a16:rowId xmlns:a16="http://schemas.microsoft.com/office/drawing/2014/main" val="10003"/>
+                  </a:ext>
+                </a:extLst>
               </a:tr>
               <a:tr h="521494">
                 <a:tc>
@@ -12197,10 +11678,9 @@
                     <a:p>
                       <a:pPr algn="ctr"/>
                       <a:r>
-                        <a:rPr lang="en-IN" sz="2400" dirty="0" smtClean="0"/>
+                        <a:rPr lang="en-IN" sz="2400" dirty="0"/>
                         <a:t>Extra memory for cache</a:t>
                       </a:r>
-                      <a:endParaRPr lang="en-IN" sz="2400" dirty="0"/>
                     </a:p>
                   </a:txBody>
                   <a:tcPr/>
@@ -12212,14 +11692,18 @@
                     <a:p>
                       <a:pPr algn="ctr"/>
                       <a:r>
-                        <a:rPr lang="en-IN" sz="2400" dirty="0" smtClean="0"/>
+                        <a:rPr lang="en-IN" sz="2400" dirty="0"/>
                         <a:t>No extra memory</a:t>
                       </a:r>
-                      <a:endParaRPr lang="en-IN" sz="2400" dirty="0"/>
                     </a:p>
                   </a:txBody>
                   <a:tcPr/>
                 </a:tc>
+                <a:extLst>
+                  <a:ext uri="{0D108BD9-81ED-4DB2-BD59-A6C34878D82A}">
+                    <a16:rowId xmlns:a16="http://schemas.microsoft.com/office/drawing/2014/main" val="10004"/>
+                  </a:ext>
+                </a:extLst>
               </a:tr>
               <a:tr h="900112">
                 <a:tc>
@@ -12229,10 +11713,9 @@
                     <a:p>
                       <a:pPr algn="ctr"/>
                       <a:r>
-                        <a:rPr lang="en-IN" sz="2400" dirty="0" smtClean="0"/>
+                        <a:rPr lang="en-IN" sz="2400" dirty="0"/>
                         <a:t>Optimized for specialized workloads</a:t>
                       </a:r>
-                      <a:endParaRPr lang="en-IN" sz="2400" dirty="0"/>
                     </a:p>
                   </a:txBody>
                   <a:tcPr/>
@@ -12244,11 +11727,11 @@
                     <a:p>
                       <a:pPr algn="ctr"/>
                       <a:r>
-                        <a:rPr lang="en-IN" sz="2400" dirty="0" smtClean="0"/>
+                        <a:rPr lang="en-IN" sz="2400" dirty="0"/>
                         <a:t>Support very broad</a:t>
                       </a:r>
                       <a:r>
-                        <a:rPr lang="en-IN" sz="2400" baseline="0" dirty="0" smtClean="0"/>
+                        <a:rPr lang="en-IN" sz="2400" baseline="0" dirty="0"/>
                         <a:t> set of workloads</a:t>
                       </a:r>
                       <a:endParaRPr lang="en-IN" sz="2400" dirty="0"/>
@@ -12256,6 +11739,11 @@
                   </a:txBody>
                   <a:tcPr/>
                 </a:tc>
+                <a:extLst>
+                  <a:ext uri="{0D108BD9-81ED-4DB2-BD59-A6C34878D82A}">
+                    <a16:rowId xmlns:a16="http://schemas.microsoft.com/office/drawing/2014/main" val="10005"/>
+                  </a:ext>
+                </a:extLst>
               </a:tr>
             </a:tbl>
           </a:graphicData>
@@ -12324,10 +11812,9 @@
           <a:lstStyle/>
           <a:p>
             <a:r>
-              <a:rPr lang="en-US" dirty="0" smtClean="0"/>
+              <a:rPr lang="en-US" dirty="0"/>
               <a:t>Architecture</a:t>
             </a:r>
-            <a:endParaRPr lang="en-US" dirty="0"/>
           </a:p>
         </p:txBody>
       </p:sp>
@@ -12354,10 +11841,9 @@
           <a:lstStyle/>
           <a:p>
             <a:r>
-              <a:rPr lang="en-US" dirty="0" smtClean="0"/>
+              <a:rPr lang="en-US" dirty="0"/>
               <a:t>Recovery Purpose</a:t>
             </a:r>
-            <a:endParaRPr lang="en-US" dirty="0"/>
           </a:p>
         </p:txBody>
       </p:sp>
@@ -12410,10 +11896,9 @@
             <a:p>
               <a:pPr algn="ctr"/>
               <a:r>
-                <a:rPr lang="en-US" dirty="0" smtClean="0"/>
+                <a:rPr lang="en-US" dirty="0"/>
                 <a:t>Application</a:t>
               </a:r>
-              <a:endParaRPr lang="en-US" dirty="0"/>
             </a:p>
           </p:txBody>
         </p:sp>
@@ -12440,18 +11925,13 @@
             <a:lstStyle/>
             <a:p>
               <a:r>
-                <a:rPr lang="en-US" sz="2400" dirty="0" smtClean="0">
+                <a:rPr lang="en-US" sz="2400" dirty="0">
                   <a:solidFill>
                     <a:srgbClr val="C00000"/>
                   </a:solidFill>
                 </a:rPr>
                 <a:t>In – Memory Database</a:t>
               </a:r>
-              <a:endParaRPr lang="en-US" sz="2400" dirty="0">
-                <a:solidFill>
-                  <a:srgbClr val="C00000"/>
-                </a:solidFill>
-              </a:endParaRPr>
             </a:p>
           </p:txBody>
         </p:sp>
@@ -12528,7 +12008,7 @@
             <a:p>
               <a:pPr algn="ctr"/>
               <a:r>
-                <a:rPr lang="en-US" b="1" dirty="0" smtClean="0">
+                <a:rPr lang="en-US" b="1" dirty="0">
                   <a:solidFill>
                     <a:schemeClr val="tx2">
                       <a:lumMod val="95000"/>
@@ -12538,14 +12018,6 @@
                 </a:rPr>
                 <a:t>SQL Engine</a:t>
               </a:r>
-              <a:endParaRPr lang="en-US" b="1" dirty="0">
-                <a:solidFill>
-                  <a:schemeClr val="tx2">
-                    <a:lumMod val="95000"/>
-                    <a:lumOff val="5000"/>
-                  </a:schemeClr>
-                </a:solidFill>
-              </a:endParaRPr>
             </a:p>
           </p:txBody>
         </p:sp>
@@ -12586,10 +12058,9 @@
             <a:p>
               <a:pPr algn="ctr"/>
               <a:r>
-                <a:rPr lang="en-US" dirty="0" smtClean="0"/>
+                <a:rPr lang="en-US" dirty="0"/>
                 <a:t>Secondary Storage</a:t>
               </a:r>
-              <a:endParaRPr lang="en-US" dirty="0"/>
             </a:p>
           </p:txBody>
         </p:sp>
@@ -12630,18 +12101,13 @@
             <a:p>
               <a:pPr algn="ctr"/>
               <a:r>
-                <a:rPr lang="en-US" sz="2800" dirty="0" smtClean="0">
+                <a:rPr lang="en-US" sz="2800" dirty="0">
                   <a:solidFill>
                     <a:schemeClr val="tx2"/>
                   </a:solidFill>
                 </a:rPr>
                 <a:t>Data Store</a:t>
               </a:r>
-              <a:endParaRPr lang="en-US" sz="2800" dirty="0">
-                <a:solidFill>
-                  <a:schemeClr val="tx2"/>
-                </a:solidFill>
-              </a:endParaRPr>
             </a:p>
           </p:txBody>
         </p:sp>
@@ -12704,18 +12170,13 @@
             <a:lstStyle/>
             <a:p>
               <a:r>
-                <a:rPr lang="en-US" sz="2000" dirty="0" smtClean="0">
+                <a:rPr lang="en-US" sz="2000" dirty="0">
                   <a:solidFill>
                     <a:schemeClr val="tx2"/>
                   </a:solidFill>
                 </a:rPr>
                 <a:t>Memory Address</a:t>
               </a:r>
-              <a:endParaRPr lang="en-US" sz="2000" dirty="0">
-                <a:solidFill>
-                  <a:schemeClr val="tx2"/>
-                </a:solidFill>
-              </a:endParaRPr>
             </a:p>
           </p:txBody>
         </p:sp>
@@ -12742,18 +12203,13 @@
             <a:lstStyle/>
             <a:p>
               <a:r>
-                <a:rPr lang="en-US" sz="2400" dirty="0" smtClean="0">
+                <a:rPr lang="en-US" sz="2400" dirty="0">
                   <a:solidFill>
                     <a:schemeClr val="tx2"/>
                   </a:solidFill>
                 </a:rPr>
                 <a:t>Query Optimizer</a:t>
               </a:r>
-              <a:endParaRPr lang="en-US" sz="2400" dirty="0">
-                <a:solidFill>
-                  <a:schemeClr val="tx2"/>
-                </a:solidFill>
-              </a:endParaRPr>
             </a:p>
           </p:txBody>
         </p:sp>
@@ -12817,7 +12273,7 @@
             <a:lstStyle/>
             <a:p>
               <a:r>
-                <a:rPr lang="en-US" dirty="0" smtClean="0">
+                <a:rPr lang="en-US" dirty="0">
                   <a:solidFill>
                     <a:schemeClr val="tx2"/>
                   </a:solidFill>
@@ -12825,7 +12281,7 @@
                 <a:t>Logs/Redo/</a:t>
               </a:r>
               <a:r>
-                <a:rPr lang="en-US" dirty="0" err="1" smtClean="0">
+                <a:rPr lang="en-US" dirty="0" err="1">
                   <a:solidFill>
                     <a:schemeClr val="tx2"/>
                   </a:solidFill>
@@ -12875,10 +12331,9 @@
             <a:p>
               <a:pPr algn="ctr"/>
               <a:r>
-                <a:rPr lang="en-US" dirty="0" smtClean="0"/>
+                <a:rPr lang="en-US" dirty="0"/>
                 <a:t>Index and Data Manager</a:t>
               </a:r>
-              <a:endParaRPr lang="en-US" dirty="0"/>
             </a:p>
           </p:txBody>
         </p:sp>
@@ -12917,10 +12372,9 @@
             <a:p>
               <a:pPr algn="ctr"/>
               <a:r>
-                <a:rPr lang="en-US" dirty="0" smtClean="0"/>
+                <a:rPr lang="en-US" dirty="0"/>
                 <a:t>Lock , Log</a:t>
               </a:r>
-              <a:endParaRPr lang="en-US" dirty="0"/>
             </a:p>
           </p:txBody>
         </p:sp>
@@ -12947,18 +12401,13 @@
             <a:lstStyle/>
             <a:p>
               <a:r>
-                <a:rPr lang="en-US" sz="2000" dirty="0" smtClean="0">
+                <a:rPr lang="en-US" sz="2000" dirty="0">
                   <a:solidFill>
                     <a:schemeClr val="tx2"/>
                   </a:solidFill>
                 </a:rPr>
                 <a:t>Primary Storage of Data Base</a:t>
               </a:r>
-              <a:endParaRPr lang="en-US" sz="2000" dirty="0">
-                <a:solidFill>
-                  <a:schemeClr val="tx2"/>
-                </a:solidFill>
-              </a:endParaRPr>
             </a:p>
           </p:txBody>
         </p:sp>
@@ -12980,13 +12429,6 @@
       </p:transition>
     </mc:Fallback>
   </mc:AlternateContent>
-  <p:timing>
-    <p:tnLst>
-      <p:par>
-        <p:cTn id="1" dur="indefinite" restart="never" nodeType="tmRoot"/>
-      </p:par>
-    </p:tnLst>
-  </p:timing>
 </p:sld>
 </file>
 
@@ -13031,12 +12473,8 @@
           <a:p>
             <a:pPr algn="just"/>
             <a:r>
-              <a:rPr lang="en-US" dirty="0" smtClean="0"/>
-              <a:t>1.IMDB </a:t>
-            </a:r>
-            <a:r>
               <a:rPr lang="en-US" dirty="0"/>
-              <a:t>eliminates disk access by storing and manipulating entire database in main memory.</a:t>
+              <a:t>1.IMDB eliminates disk access by storing and manipulating entire database in main memory.</a:t>
             </a:r>
           </a:p>
           <a:p>
@@ -13100,12 +12538,8 @@
           <a:lstStyle/>
           <a:p>
             <a:r>
-              <a:rPr lang="en-US" dirty="0" smtClean="0"/>
+              <a:rPr lang="en-US" dirty="0"/>
               <a:t>Architecture</a:t>
-            </a:r>
-            <a:r>
-              <a:rPr lang="en-US" dirty="0"/>
-              <a:t/>
             </a:r>
             <a:br>
               <a:rPr lang="en-US" dirty="0"/>
@@ -13136,13 +12570,6 @@
       </p:transition>
     </mc:Fallback>
   </mc:AlternateContent>
-  <p:timing>
-    <p:tnLst>
-      <p:par>
-        <p:cTn id="1" dur="indefinite" restart="never" nodeType="tmRoot"/>
-      </p:par>
-    </p:tnLst>
-  </p:timing>
 </p:sld>
 </file>
 
@@ -13249,13 +12676,6 @@
       </p:transition>
     </mc:Fallback>
   </mc:AlternateContent>
-  <p:timing>
-    <p:tnLst>
-      <p:par>
-        <p:cTn id="1" dur="indefinite" restart="never" nodeType="tmRoot"/>
-      </p:par>
-    </p:tnLst>
-  </p:timing>
 </p:sld>
 </file>
 
@@ -13299,50 +12719,49 @@
           <a:lstStyle/>
           <a:p>
             <a:pPr algn="just"/>
-            <a:endParaRPr lang="en-US" dirty="0" smtClean="0"/>
+            <a:endParaRPr lang="en-US" dirty="0"/>
           </a:p>
           <a:p>
             <a:pPr algn="just"/>
             <a:r>
-              <a:rPr lang="en-US" dirty="0" smtClean="0"/>
+              <a:rPr lang="en-US" dirty="0"/>
               <a:t>Applications that demand very fast data access, storage and manipulation</a:t>
             </a:r>
           </a:p>
           <a:p>
             <a:pPr algn="just"/>
             <a:r>
-              <a:rPr lang="en-US" dirty="0" smtClean="0"/>
+              <a:rPr lang="en-US" dirty="0"/>
               <a:t>In real-time embedded systems</a:t>
             </a:r>
           </a:p>
           <a:p>
             <a:pPr algn="just"/>
             <a:r>
-              <a:rPr lang="en-US" dirty="0" smtClean="0"/>
+              <a:rPr lang="en-US" dirty="0"/>
               <a:t>Music databases in MP3 players </a:t>
             </a:r>
           </a:p>
           <a:p>
             <a:pPr algn="just"/>
             <a:r>
-              <a:rPr lang="en-US" dirty="0" smtClean="0"/>
+              <a:rPr lang="en-US" dirty="0"/>
               <a:t>Programming data in set-top boxes</a:t>
             </a:r>
           </a:p>
           <a:p>
             <a:pPr algn="just"/>
             <a:r>
-              <a:rPr lang="en-US" dirty="0" smtClean="0"/>
+              <a:rPr lang="en-US" dirty="0"/>
               <a:t>e-commerce and social networking sites </a:t>
             </a:r>
           </a:p>
           <a:p>
             <a:pPr algn="just"/>
             <a:r>
-              <a:rPr lang="en-US" dirty="0" smtClean="0"/>
+              <a:rPr lang="en-US" dirty="0"/>
               <a:t>financial services and many more…</a:t>
             </a:r>
-            <a:endParaRPr lang="en-US" dirty="0"/>
           </a:p>
         </p:txBody>
       </p:sp>
@@ -13367,10 +12786,9 @@
           <a:lstStyle/>
           <a:p>
             <a:r>
-              <a:rPr lang="en-US" dirty="0" smtClean="0"/>
+              <a:rPr lang="en-US" dirty="0"/>
               <a:t>Practical Application</a:t>
             </a:r>
-            <a:endParaRPr lang="en-US" dirty="0"/>
           </a:p>
         </p:txBody>
       </p:sp>
@@ -13391,13 +12809,6 @@
       </p:transition>
     </mc:Fallback>
   </mc:AlternateContent>
-  <p:timing>
-    <p:tnLst>
-      <p:par>
-        <p:cTn id="1" dur="indefinite" restart="never" nodeType="tmRoot"/>
-      </p:par>
-    </p:tnLst>
-  </p:timing>
 </p:sld>
 </file>
 
